--- a/students/y2334/Turkina Anna/Бюро проката яхт.pptx
+++ b/students/y2334/Turkina Anna/Бюро проката яхт.pptx
@@ -1,24 +1,24 @@
 
 <file path=ppt/presentation.xml><?xml version="1.0" encoding="utf-8"?>
-<p:presentation xmlns:a="http://schemas.openxmlformats.org/drawingml/2006/main" xmlns:r="http://schemas.openxmlformats.org/officeDocument/2006/relationships" xmlns:mc="http://schemas.openxmlformats.org/markup-compatibility/2006" xmlns:mv="urn:schemas-microsoft-com:mac:vml" xmlns:p="http://schemas.openxmlformats.org/presentationml/2006/main" xmlns:c="http://schemas.openxmlformats.org/drawingml/2006/chart" xmlns:dgm="http://schemas.openxmlformats.org/drawingml/2006/diagram" xmlns:o="urn:schemas-microsoft-com:office:office" xmlns:v="urn:schemas-microsoft-com:vml" xmlns:pvml="urn:schemas-microsoft-com:office:powerpoint" xmlns:com="http://schemas.openxmlformats.org/drawingml/2006/compatibility" xmlns:p14="http://schemas.microsoft.com/office/powerpoint/2010/main" xmlns:p15="http://schemas.microsoft.com/office/powerpoint/2012/main" xmlns:ahyp="http://schemas.microsoft.com/office/drawing/2018/hyperlinkcolor" autoCompressPictures="0" strictFirstAndLastChars="0" saveSubsetFonts="1">
+<p:presentation xmlns:a="http://schemas.openxmlformats.org/drawingml/2006/main" xmlns:r="http://schemas.openxmlformats.org/officeDocument/2006/relationships" xmlns:p="http://schemas.openxmlformats.org/presentationml/2006/main" strictFirstAndLastChars="0" saveSubsetFonts="1" autoCompressPictures="0">
   <p:sldMasterIdLst>
-    <p:sldMasterId id="2147483659" r:id="rId4"/>
+    <p:sldMasterId id="2147483659" r:id="rId1"/>
   </p:sldMasterIdLst>
   <p:notesMasterIdLst>
-    <p:notesMasterId r:id="rId5"/>
+    <p:notesMasterId r:id="rId8"/>
   </p:notesMasterIdLst>
   <p:sldIdLst>
-    <p:sldId id="256" r:id="rId6"/>
-    <p:sldId id="257" r:id="rId7"/>
-    <p:sldId id="258" r:id="rId8"/>
-    <p:sldId id="259" r:id="rId9"/>
-    <p:sldId id="260" r:id="rId10"/>
-    <p:sldId id="261" r:id="rId11"/>
+    <p:sldId id="256" r:id="rId2"/>
+    <p:sldId id="257" r:id="rId3"/>
+    <p:sldId id="262" r:id="rId4"/>
+    <p:sldId id="263" r:id="rId5"/>
+    <p:sldId id="260" r:id="rId6"/>
+    <p:sldId id="261" r:id="rId7"/>
   </p:sldIdLst>
-  <p:sldSz cy="5143500" cx="9144000"/>
+  <p:sldSz cx="9144000" cy="5143500" type="screen16x9"/>
   <p:notesSz cx="6858000" cy="9144000"/>
   <p:defaultTextStyle>
-    <a:defPPr lvl="0" marR="0" rtl="0" algn="l">
+    <a:defPPr marR="0" lvl="0" algn="l" rtl="0">
       <a:lnSpc>
         <a:spcPct val="100000"/>
       </a:lnSpc>
@@ -29,7 +29,7 @@
         <a:spcPts val="0"/>
       </a:spcAft>
     </a:defPPr>
-    <a:lvl1pPr lvl="0" marR="0" rtl="0" algn="l">
+    <a:lvl1pPr marR="0" lvl="0" algn="l" rtl="0">
       <a:lnSpc>
         <a:spcPct val="100000"/>
       </a:lnSpc>
@@ -43,7 +43,7 @@
         <a:srgbClr val="000000"/>
       </a:buClr>
       <a:buFont typeface="Arial"/>
-      <a:defRPr b="0" i="0" sz="1400" u="none" cap="none" strike="noStrike">
+      <a:defRPr sz="1400" b="0" i="0" u="none" strike="noStrike" cap="none">
         <a:solidFill>
           <a:srgbClr val="000000"/>
         </a:solidFill>
@@ -53,7 +53,7 @@
         <a:sym typeface="Arial"/>
       </a:defRPr>
     </a:lvl1pPr>
-    <a:lvl2pPr lvl="1" marR="0" rtl="0" algn="l">
+    <a:lvl2pPr marR="0" lvl="1" algn="l" rtl="0">
       <a:lnSpc>
         <a:spcPct val="100000"/>
       </a:lnSpc>
@@ -67,7 +67,7 @@
         <a:srgbClr val="000000"/>
       </a:buClr>
       <a:buFont typeface="Arial"/>
-      <a:defRPr b="0" i="0" sz="1400" u="none" cap="none" strike="noStrike">
+      <a:defRPr sz="1400" b="0" i="0" u="none" strike="noStrike" cap="none">
         <a:solidFill>
           <a:srgbClr val="000000"/>
         </a:solidFill>
@@ -77,7 +77,7 @@
         <a:sym typeface="Arial"/>
       </a:defRPr>
     </a:lvl2pPr>
-    <a:lvl3pPr lvl="2" marR="0" rtl="0" algn="l">
+    <a:lvl3pPr marR="0" lvl="2" algn="l" rtl="0">
       <a:lnSpc>
         <a:spcPct val="100000"/>
       </a:lnSpc>
@@ -91,7 +91,7 @@
         <a:srgbClr val="000000"/>
       </a:buClr>
       <a:buFont typeface="Arial"/>
-      <a:defRPr b="0" i="0" sz="1400" u="none" cap="none" strike="noStrike">
+      <a:defRPr sz="1400" b="0" i="0" u="none" strike="noStrike" cap="none">
         <a:solidFill>
           <a:srgbClr val="000000"/>
         </a:solidFill>
@@ -101,7 +101,7 @@
         <a:sym typeface="Arial"/>
       </a:defRPr>
     </a:lvl3pPr>
-    <a:lvl4pPr lvl="3" marR="0" rtl="0" algn="l">
+    <a:lvl4pPr marR="0" lvl="3" algn="l" rtl="0">
       <a:lnSpc>
         <a:spcPct val="100000"/>
       </a:lnSpc>
@@ -115,7 +115,7 @@
         <a:srgbClr val="000000"/>
       </a:buClr>
       <a:buFont typeface="Arial"/>
-      <a:defRPr b="0" i="0" sz="1400" u="none" cap="none" strike="noStrike">
+      <a:defRPr sz="1400" b="0" i="0" u="none" strike="noStrike" cap="none">
         <a:solidFill>
           <a:srgbClr val="000000"/>
         </a:solidFill>
@@ -125,7 +125,7 @@
         <a:sym typeface="Arial"/>
       </a:defRPr>
     </a:lvl4pPr>
-    <a:lvl5pPr lvl="4" marR="0" rtl="0" algn="l">
+    <a:lvl5pPr marR="0" lvl="4" algn="l" rtl="0">
       <a:lnSpc>
         <a:spcPct val="100000"/>
       </a:lnSpc>
@@ -139,7 +139,7 @@
         <a:srgbClr val="000000"/>
       </a:buClr>
       <a:buFont typeface="Arial"/>
-      <a:defRPr b="0" i="0" sz="1400" u="none" cap="none" strike="noStrike">
+      <a:defRPr sz="1400" b="0" i="0" u="none" strike="noStrike" cap="none">
         <a:solidFill>
           <a:srgbClr val="000000"/>
         </a:solidFill>
@@ -149,7 +149,7 @@
         <a:sym typeface="Arial"/>
       </a:defRPr>
     </a:lvl5pPr>
-    <a:lvl6pPr lvl="5" marR="0" rtl="0" algn="l">
+    <a:lvl6pPr marR="0" lvl="5" algn="l" rtl="0">
       <a:lnSpc>
         <a:spcPct val="100000"/>
       </a:lnSpc>
@@ -163,7 +163,7 @@
         <a:srgbClr val="000000"/>
       </a:buClr>
       <a:buFont typeface="Arial"/>
-      <a:defRPr b="0" i="0" sz="1400" u="none" cap="none" strike="noStrike">
+      <a:defRPr sz="1400" b="0" i="0" u="none" strike="noStrike" cap="none">
         <a:solidFill>
           <a:srgbClr val="000000"/>
         </a:solidFill>
@@ -173,7 +173,7 @@
         <a:sym typeface="Arial"/>
       </a:defRPr>
     </a:lvl6pPr>
-    <a:lvl7pPr lvl="6" marR="0" rtl="0" algn="l">
+    <a:lvl7pPr marR="0" lvl="6" algn="l" rtl="0">
       <a:lnSpc>
         <a:spcPct val="100000"/>
       </a:lnSpc>
@@ -187,7 +187,7 @@
         <a:srgbClr val="000000"/>
       </a:buClr>
       <a:buFont typeface="Arial"/>
-      <a:defRPr b="0" i="0" sz="1400" u="none" cap="none" strike="noStrike">
+      <a:defRPr sz="1400" b="0" i="0" u="none" strike="noStrike" cap="none">
         <a:solidFill>
           <a:srgbClr val="000000"/>
         </a:solidFill>
@@ -197,7 +197,7 @@
         <a:sym typeface="Arial"/>
       </a:defRPr>
     </a:lvl7pPr>
-    <a:lvl8pPr lvl="7" marR="0" rtl="0" algn="l">
+    <a:lvl8pPr marR="0" lvl="7" algn="l" rtl="0">
       <a:lnSpc>
         <a:spcPct val="100000"/>
       </a:lnSpc>
@@ -211,7 +211,7 @@
         <a:srgbClr val="000000"/>
       </a:buClr>
       <a:buFont typeface="Arial"/>
-      <a:defRPr b="0" i="0" sz="1400" u="none" cap="none" strike="noStrike">
+      <a:defRPr sz="1400" b="0" i="0" u="none" strike="noStrike" cap="none">
         <a:solidFill>
           <a:srgbClr val="000000"/>
         </a:solidFill>
@@ -221,7 +221,7 @@
         <a:sym typeface="Arial"/>
       </a:defRPr>
     </a:lvl8pPr>
-    <a:lvl9pPr lvl="8" marR="0" rtl="0" algn="l">
+    <a:lvl9pPr marR="0" lvl="8" algn="l" rtl="0">
       <a:lnSpc>
         <a:spcPct val="100000"/>
       </a:lnSpc>
@@ -235,7 +235,7 @@
         <a:srgbClr val="000000"/>
       </a:buClr>
       <a:buFont typeface="Arial"/>
-      <a:defRPr b="0" i="0" sz="1400" u="none" cap="none" strike="noStrike">
+      <a:defRPr sz="1400" b="0" i="0" u="none" strike="noStrike" cap="none">
         <a:solidFill>
           <a:srgbClr val="000000"/>
         </a:solidFill>
@@ -248,7 +248,7 @@
   </p:defaultTextStyle>
   <p:extLst>
     <p:ext uri="{EFAFB233-063F-42B5-8137-9DF3F51BA10A}">
-      <p15:sldGuideLst>
+      <p15:sldGuideLst xmlns:p15="http://schemas.microsoft.com/office/powerpoint/2012/main">
         <p15:guide id="1" orient="horz" pos="1620">
           <p15:clr>
             <a:srgbClr val="A4A3A4"/>
@@ -266,11 +266,16 @@
 </file>
 
 <file path=ppt/notesMasters/notesMaster1.xml><?xml version="1.0" encoding="utf-8"?>
-<p:notesMaster xmlns:a="http://schemas.openxmlformats.org/drawingml/2006/main" xmlns:r="http://schemas.openxmlformats.org/officeDocument/2006/relationships" xmlns:mc="http://schemas.openxmlformats.org/markup-compatibility/2006" xmlns:mv="urn:schemas-microsoft-com:mac:vml" xmlns:p="http://schemas.openxmlformats.org/presentationml/2006/main" xmlns:c="http://schemas.openxmlformats.org/drawingml/2006/chart" xmlns:dgm="http://schemas.openxmlformats.org/drawingml/2006/diagram" xmlns:o="urn:schemas-microsoft-com:office:office" xmlns:v="urn:schemas-microsoft-com:vml" xmlns:pvml="urn:schemas-microsoft-com:office:powerpoint" xmlns:com="http://schemas.openxmlformats.org/drawingml/2006/compatibility" xmlns:p14="http://schemas.microsoft.com/office/powerpoint/2010/main" xmlns:p15="http://schemas.microsoft.com/office/powerpoint/2012/main" xmlns:ahyp="http://schemas.microsoft.com/office/drawing/2018/hyperlinkcolor">
+<p:notesMaster xmlns:a="http://schemas.openxmlformats.org/drawingml/2006/main" xmlns:r="http://schemas.openxmlformats.org/officeDocument/2006/relationships" xmlns:p="http://schemas.openxmlformats.org/presentationml/2006/main">
   <p:cSld>
+    <p:bg>
+      <p:bgRef idx="1001">
+        <a:schemeClr val="bg1"/>
+      </p:bgRef>
+    </p:bg>
     <p:spTree>
       <p:nvGrpSpPr>
-        <p:cNvPr id="2" name="Shape 2"/>
+        <p:cNvPr id="1" name="Shape 2"/>
         <p:cNvGrpSpPr/>
         <p:nvPr/>
       </p:nvGrpSpPr>
@@ -285,9 +290,11 @@
       <p:sp>
         <p:nvSpPr>
           <p:cNvPr id="3" name="Google Shape;3;n"/>
-          <p:cNvSpPr/>
+          <p:cNvSpPr>
+            <a:spLocks noGrp="1" noRot="1" noChangeAspect="1"/>
+          </p:cNvSpPr>
           <p:nvPr>
-            <p:ph idx="2" type="sldImg"/>
+            <p:ph type="sldImg" idx="2"/>
           </p:nvPr>
         </p:nvSpPr>
         <p:spPr>
@@ -296,9 +303,13 @@
             <a:ext cx="6096075" cy="3429000"/>
           </a:xfrm>
           <a:custGeom>
-            <a:rect b="b" l="l" r="r" t="t"/>
+            <a:avLst/>
+            <a:gdLst/>
+            <a:ahLst/>
+            <a:cxnLst/>
+            <a:rect l="l" t="t" r="r" b="b"/>
             <a:pathLst>
-              <a:path extrusionOk="0" h="120000" w="120000">
+              <a:path w="120000" h="120000" extrusionOk="0">
                 <a:moveTo>
                   <a:pt x="0" y="0"/>
                 </a:moveTo>
@@ -316,23 +327,25 @@
             </a:pathLst>
           </a:custGeom>
           <a:noFill/>
-          <a:ln cap="flat" cmpd="sng" w="9525">
+          <a:ln w="9525" cap="flat" cmpd="sng">
             <a:solidFill>
               <a:srgbClr val="000000"/>
             </a:solidFill>
             <a:prstDash val="solid"/>
             <a:round/>
-            <a:headEnd len="sm" w="sm" type="none"/>
-            <a:tailEnd len="sm" w="sm" type="none"/>
+            <a:headEnd type="none" w="sm" len="sm"/>
+            <a:tailEnd type="none" w="sm" len="sm"/>
           </a:ln>
         </p:spPr>
       </p:sp>
       <p:sp>
         <p:nvSpPr>
           <p:cNvPr id="4" name="Google Shape;4;n"/>
-          <p:cNvSpPr txBox="1"/>
+          <p:cNvSpPr txBox="1">
+            <a:spLocks noGrp="1"/>
+          </p:cNvSpPr>
           <p:nvPr>
-            <p:ph idx="1" type="body"/>
+            <p:ph type="body" idx="1"/>
           </p:nvPr>
         </p:nvSpPr>
         <p:spPr>
@@ -349,11 +362,11 @@
           </a:ln>
         </p:spPr>
         <p:txBody>
-          <a:bodyPr anchorCtr="0" anchor="t" bIns="91425" lIns="91425" spcFirstLastPara="1" rIns="91425" wrap="square" tIns="91425">
+          <a:bodyPr spcFirstLastPara="1" wrap="square" lIns="91425" tIns="91425" rIns="91425" bIns="91425" anchor="t" anchorCtr="0">
             <a:noAutofit/>
           </a:bodyPr>
           <a:lstStyle>
-            <a:lvl1pPr indent="-298450" lvl="0" marL="457200">
+            <a:lvl1pPr marL="457200" lvl="0" indent="-298450">
               <a:spcBef>
                 <a:spcPts val="0"/>
               </a:spcBef>
@@ -364,7 +377,7 @@
               <a:buChar char="●"/>
               <a:defRPr sz="1100"/>
             </a:lvl1pPr>
-            <a:lvl2pPr indent="-298450" lvl="1" marL="914400">
+            <a:lvl2pPr marL="914400" lvl="1" indent="-298450">
               <a:spcBef>
                 <a:spcPts val="0"/>
               </a:spcBef>
@@ -375,7 +388,7 @@
               <a:buChar char="○"/>
               <a:defRPr sz="1100"/>
             </a:lvl2pPr>
-            <a:lvl3pPr indent="-298450" lvl="2" marL="1371600">
+            <a:lvl3pPr marL="1371600" lvl="2" indent="-298450">
               <a:spcBef>
                 <a:spcPts val="0"/>
               </a:spcBef>
@@ -386,7 +399,7 @@
               <a:buChar char="■"/>
               <a:defRPr sz="1100"/>
             </a:lvl3pPr>
-            <a:lvl4pPr indent="-298450" lvl="3" marL="1828800">
+            <a:lvl4pPr marL="1828800" lvl="3" indent="-298450">
               <a:spcBef>
                 <a:spcPts val="0"/>
               </a:spcBef>
@@ -397,7 +410,7 @@
               <a:buChar char="●"/>
               <a:defRPr sz="1100"/>
             </a:lvl4pPr>
-            <a:lvl5pPr indent="-298450" lvl="4" marL="2286000">
+            <a:lvl5pPr marL="2286000" lvl="4" indent="-298450">
               <a:spcBef>
                 <a:spcPts val="0"/>
               </a:spcBef>
@@ -408,7 +421,7 @@
               <a:buChar char="○"/>
               <a:defRPr sz="1100"/>
             </a:lvl5pPr>
-            <a:lvl6pPr indent="-298450" lvl="5" marL="2743200">
+            <a:lvl6pPr marL="2743200" lvl="5" indent="-298450">
               <a:spcBef>
                 <a:spcPts val="0"/>
               </a:spcBef>
@@ -419,7 +432,7 @@
               <a:buChar char="■"/>
               <a:defRPr sz="1100"/>
             </a:lvl6pPr>
-            <a:lvl7pPr indent="-298450" lvl="6" marL="3200400">
+            <a:lvl7pPr marL="3200400" lvl="6" indent="-298450">
               <a:spcBef>
                 <a:spcPts val="0"/>
               </a:spcBef>
@@ -430,7 +443,7 @@
               <a:buChar char="●"/>
               <a:defRPr sz="1100"/>
             </a:lvl7pPr>
-            <a:lvl8pPr indent="-298450" lvl="7" marL="3657600">
+            <a:lvl8pPr marL="3657600" lvl="7" indent="-298450">
               <a:spcBef>
                 <a:spcPts val="0"/>
               </a:spcBef>
@@ -441,7 +454,7 @@
               <a:buChar char="○"/>
               <a:defRPr sz="1100"/>
             </a:lvl8pPr>
-            <a:lvl9pPr indent="-298450" lvl="8" marL="4114800">
+            <a:lvl9pPr marL="4114800" lvl="8" indent="-298450">
               <a:spcBef>
                 <a:spcPts val="0"/>
               </a:spcBef>
@@ -453,14 +466,16 @@
               <a:defRPr sz="1100"/>
             </a:lvl9pPr>
           </a:lstStyle>
-          <a:p/>
+          <a:p>
+            <a:endParaRPr/>
+          </a:p>
         </p:txBody>
       </p:sp>
     </p:spTree>
   </p:cSld>
-  <p:clrMap accent1="accent1" accent2="accent2" accent3="accent3" accent4="accent4" accent5="accent5" accent6="accent6" bg1="lt1" bg2="dk2" tx1="dk1" tx2="lt2" folHlink="folHlink" hlink="hlink"/>
+  <p:clrMap bg1="lt1" tx1="dk1" bg2="dk2" tx2="lt2" accent1="accent1" accent2="accent2" accent3="accent3" accent4="accent4" accent5="accent5" accent6="accent6" hlink="hlink" folHlink="folHlink"/>
   <p:notesStyle>
-    <a:defPPr lvl="0" marR="0" rtl="0" algn="l">
+    <a:defPPr marR="0" lvl="0" algn="l" rtl="0">
       <a:lnSpc>
         <a:spcPct val="100000"/>
       </a:lnSpc>
@@ -471,7 +486,7 @@
         <a:spcPts val="0"/>
       </a:spcAft>
     </a:defPPr>
-    <a:lvl1pPr lvl="0" marR="0" rtl="0" algn="l">
+    <a:lvl1pPr marR="0" lvl="0" algn="l" rtl="0">
       <a:lnSpc>
         <a:spcPct val="100000"/>
       </a:lnSpc>
@@ -485,7 +500,7 @@
         <a:srgbClr val="000000"/>
       </a:buClr>
       <a:buFont typeface="Arial"/>
-      <a:defRPr b="0" i="0" sz="1400" u="none" cap="none" strike="noStrike">
+      <a:defRPr sz="1400" b="0" i="0" u="none" strike="noStrike" cap="none">
         <a:solidFill>
           <a:srgbClr val="000000"/>
         </a:solidFill>
@@ -495,7 +510,7 @@
         <a:sym typeface="Arial"/>
       </a:defRPr>
     </a:lvl1pPr>
-    <a:lvl2pPr lvl="1" marR="0" rtl="0" algn="l">
+    <a:lvl2pPr marR="0" lvl="1" algn="l" rtl="0">
       <a:lnSpc>
         <a:spcPct val="100000"/>
       </a:lnSpc>
@@ -509,7 +524,7 @@
         <a:srgbClr val="000000"/>
       </a:buClr>
       <a:buFont typeface="Arial"/>
-      <a:defRPr b="0" i="0" sz="1400" u="none" cap="none" strike="noStrike">
+      <a:defRPr sz="1400" b="0" i="0" u="none" strike="noStrike" cap="none">
         <a:solidFill>
           <a:srgbClr val="000000"/>
         </a:solidFill>
@@ -519,7 +534,7 @@
         <a:sym typeface="Arial"/>
       </a:defRPr>
     </a:lvl2pPr>
-    <a:lvl3pPr lvl="2" marR="0" rtl="0" algn="l">
+    <a:lvl3pPr marR="0" lvl="2" algn="l" rtl="0">
       <a:lnSpc>
         <a:spcPct val="100000"/>
       </a:lnSpc>
@@ -533,7 +548,7 @@
         <a:srgbClr val="000000"/>
       </a:buClr>
       <a:buFont typeface="Arial"/>
-      <a:defRPr b="0" i="0" sz="1400" u="none" cap="none" strike="noStrike">
+      <a:defRPr sz="1400" b="0" i="0" u="none" strike="noStrike" cap="none">
         <a:solidFill>
           <a:srgbClr val="000000"/>
         </a:solidFill>
@@ -543,7 +558,7 @@
         <a:sym typeface="Arial"/>
       </a:defRPr>
     </a:lvl3pPr>
-    <a:lvl4pPr lvl="3" marR="0" rtl="0" algn="l">
+    <a:lvl4pPr marR="0" lvl="3" algn="l" rtl="0">
       <a:lnSpc>
         <a:spcPct val="100000"/>
       </a:lnSpc>
@@ -557,7 +572,7 @@
         <a:srgbClr val="000000"/>
       </a:buClr>
       <a:buFont typeface="Arial"/>
-      <a:defRPr b="0" i="0" sz="1400" u="none" cap="none" strike="noStrike">
+      <a:defRPr sz="1400" b="0" i="0" u="none" strike="noStrike" cap="none">
         <a:solidFill>
           <a:srgbClr val="000000"/>
         </a:solidFill>
@@ -567,7 +582,7 @@
         <a:sym typeface="Arial"/>
       </a:defRPr>
     </a:lvl4pPr>
-    <a:lvl5pPr lvl="4" marR="0" rtl="0" algn="l">
+    <a:lvl5pPr marR="0" lvl="4" algn="l" rtl="0">
       <a:lnSpc>
         <a:spcPct val="100000"/>
       </a:lnSpc>
@@ -581,7 +596,7 @@
         <a:srgbClr val="000000"/>
       </a:buClr>
       <a:buFont typeface="Arial"/>
-      <a:defRPr b="0" i="0" sz="1400" u="none" cap="none" strike="noStrike">
+      <a:defRPr sz="1400" b="0" i="0" u="none" strike="noStrike" cap="none">
         <a:solidFill>
           <a:srgbClr val="000000"/>
         </a:solidFill>
@@ -591,7 +606,7 @@
         <a:sym typeface="Arial"/>
       </a:defRPr>
     </a:lvl5pPr>
-    <a:lvl6pPr lvl="5" marR="0" rtl="0" algn="l">
+    <a:lvl6pPr marR="0" lvl="5" algn="l" rtl="0">
       <a:lnSpc>
         <a:spcPct val="100000"/>
       </a:lnSpc>
@@ -605,7 +620,7 @@
         <a:srgbClr val="000000"/>
       </a:buClr>
       <a:buFont typeface="Arial"/>
-      <a:defRPr b="0" i="0" sz="1400" u="none" cap="none" strike="noStrike">
+      <a:defRPr sz="1400" b="0" i="0" u="none" strike="noStrike" cap="none">
         <a:solidFill>
           <a:srgbClr val="000000"/>
         </a:solidFill>
@@ -615,7 +630,7 @@
         <a:sym typeface="Arial"/>
       </a:defRPr>
     </a:lvl6pPr>
-    <a:lvl7pPr lvl="6" marR="0" rtl="0" algn="l">
+    <a:lvl7pPr marR="0" lvl="6" algn="l" rtl="0">
       <a:lnSpc>
         <a:spcPct val="100000"/>
       </a:lnSpc>
@@ -629,7 +644,7 @@
         <a:srgbClr val="000000"/>
       </a:buClr>
       <a:buFont typeface="Arial"/>
-      <a:defRPr b="0" i="0" sz="1400" u="none" cap="none" strike="noStrike">
+      <a:defRPr sz="1400" b="0" i="0" u="none" strike="noStrike" cap="none">
         <a:solidFill>
           <a:srgbClr val="000000"/>
         </a:solidFill>
@@ -639,7 +654,7 @@
         <a:sym typeface="Arial"/>
       </a:defRPr>
     </a:lvl7pPr>
-    <a:lvl8pPr lvl="7" marR="0" rtl="0" algn="l">
+    <a:lvl8pPr marR="0" lvl="7" algn="l" rtl="0">
       <a:lnSpc>
         <a:spcPct val="100000"/>
       </a:lnSpc>
@@ -653,7 +668,7 @@
         <a:srgbClr val="000000"/>
       </a:buClr>
       <a:buFont typeface="Arial"/>
-      <a:defRPr b="0" i="0" sz="1400" u="none" cap="none" strike="noStrike">
+      <a:defRPr sz="1400" b="0" i="0" u="none" strike="noStrike" cap="none">
         <a:solidFill>
           <a:srgbClr val="000000"/>
         </a:solidFill>
@@ -663,7 +678,7 @@
         <a:sym typeface="Arial"/>
       </a:defRPr>
     </a:lvl8pPr>
-    <a:lvl9pPr lvl="8" marR="0" rtl="0" algn="l">
+    <a:lvl9pPr marR="0" lvl="8" algn="l" rtl="0">
       <a:lnSpc>
         <a:spcPct val="100000"/>
       </a:lnSpc>
@@ -677,7 +692,7 @@
         <a:srgbClr val="000000"/>
       </a:buClr>
       <a:buFont typeface="Arial"/>
-      <a:defRPr b="0" i="0" sz="1400" u="none" cap="none" strike="noStrike">
+      <a:defRPr sz="1400" b="0" i="0" u="none" strike="noStrike" cap="none">
         <a:solidFill>
           <a:srgbClr val="000000"/>
         </a:solidFill>
@@ -692,11 +707,11 @@
 </file>
 
 <file path=ppt/notesSlides/notesSlide1.xml><?xml version="1.0" encoding="utf-8"?>
-<p:notes xmlns:a="http://schemas.openxmlformats.org/drawingml/2006/main" xmlns:r="http://schemas.openxmlformats.org/officeDocument/2006/relationships" xmlns:mc="http://schemas.openxmlformats.org/markup-compatibility/2006" xmlns:mv="urn:schemas-microsoft-com:mac:vml" xmlns:p="http://schemas.openxmlformats.org/presentationml/2006/main" xmlns:c="http://schemas.openxmlformats.org/drawingml/2006/chart" xmlns:dgm="http://schemas.openxmlformats.org/drawingml/2006/diagram" xmlns:o="urn:schemas-microsoft-com:office:office" xmlns:v="urn:schemas-microsoft-com:vml" xmlns:pvml="urn:schemas-microsoft-com:office:powerpoint" xmlns:com="http://schemas.openxmlformats.org/drawingml/2006/compatibility" xmlns:p14="http://schemas.microsoft.com/office/powerpoint/2010/main" xmlns:p15="http://schemas.microsoft.com/office/powerpoint/2012/main" xmlns:ahyp="http://schemas.microsoft.com/office/drawing/2018/hyperlinkcolor" showMasterPhAnim="0" showMasterSp="0">
+<p:notes xmlns:a="http://schemas.openxmlformats.org/drawingml/2006/main" xmlns:r="http://schemas.openxmlformats.org/officeDocument/2006/relationships" xmlns:p="http://schemas.openxmlformats.org/presentationml/2006/main" showMasterSp="0" showMasterPhAnim="0">
   <p:cSld>
     <p:spTree>
       <p:nvGrpSpPr>
-        <p:cNvPr id="50" name="Shape 50"/>
+        <p:cNvPr id="1" name="Shape 50"/>
         <p:cNvGrpSpPr/>
         <p:nvPr/>
       </p:nvGrpSpPr>
@@ -711,9 +726,11 @@
       <p:sp>
         <p:nvSpPr>
           <p:cNvPr id="51" name="Google Shape;51;p:notes"/>
-          <p:cNvSpPr/>
+          <p:cNvSpPr>
+            <a:spLocks noGrp="1" noRot="1" noChangeAspect="1"/>
+          </p:cNvSpPr>
           <p:nvPr>
-            <p:ph idx="2" type="sldImg"/>
+            <p:ph type="sldImg" idx="2"/>
           </p:nvPr>
         </p:nvSpPr>
         <p:spPr>
@@ -722,9 +739,13 @@
             <a:ext cx="6096075" cy="3429000"/>
           </a:xfrm>
           <a:custGeom>
-            <a:rect b="b" l="l" r="r" t="t"/>
+            <a:avLst/>
+            <a:gdLst/>
+            <a:ahLst/>
+            <a:cxnLst/>
+            <a:rect l="l" t="t" r="r" b="b"/>
             <a:pathLst>
-              <a:path extrusionOk="0" h="120000" w="120000">
+              <a:path w="120000" h="120000" extrusionOk="0">
                 <a:moveTo>
                   <a:pt x="0" y="0"/>
                 </a:moveTo>
@@ -746,9 +767,11 @@
       <p:sp>
         <p:nvSpPr>
           <p:cNvPr id="52" name="Google Shape;52;p:notes"/>
-          <p:cNvSpPr txBox="1"/>
+          <p:cNvSpPr txBox="1">
+            <a:spLocks noGrp="1"/>
+          </p:cNvSpPr>
           <p:nvPr>
-            <p:ph idx="1" type="body"/>
+            <p:ph type="body" idx="1"/>
           </p:nvPr>
         </p:nvSpPr>
         <p:spPr>
@@ -761,12 +784,12 @@
           </a:prstGeom>
         </p:spPr>
         <p:txBody>
-          <a:bodyPr anchorCtr="0" anchor="t" bIns="91425" lIns="91425" spcFirstLastPara="1" rIns="91425" wrap="square" tIns="91425">
+          <a:bodyPr spcFirstLastPara="1" wrap="square" lIns="91425" tIns="91425" rIns="91425" bIns="91425" anchor="t" anchorCtr="0">
             <a:noAutofit/>
           </a:bodyPr>
           <a:lstStyle/>
           <a:p>
-            <a:pPr indent="0" lvl="0" marL="0" rtl="0" algn="l">
+            <a:pPr marL="0" lvl="0" indent="0" algn="l" rtl="0">
               <a:spcBef>
                 <a:spcPts val="0"/>
               </a:spcBef>
@@ -775,9 +798,6 @@
               </a:spcAft>
               <a:buNone/>
             </a:pPr>
-            <a:r>
-              <a:t/>
-            </a:r>
             <a:endParaRPr/>
           </a:p>
         </p:txBody>
@@ -791,11 +811,11 @@
 </file>
 
 <file path=ppt/notesSlides/notesSlide2.xml><?xml version="1.0" encoding="utf-8"?>
-<p:notes xmlns:a="http://schemas.openxmlformats.org/drawingml/2006/main" xmlns:r="http://schemas.openxmlformats.org/officeDocument/2006/relationships" xmlns:mc="http://schemas.openxmlformats.org/markup-compatibility/2006" xmlns:mv="urn:schemas-microsoft-com:mac:vml" xmlns:p="http://schemas.openxmlformats.org/presentationml/2006/main" xmlns:c="http://schemas.openxmlformats.org/drawingml/2006/chart" xmlns:dgm="http://schemas.openxmlformats.org/drawingml/2006/diagram" xmlns:o="urn:schemas-microsoft-com:office:office" xmlns:v="urn:schemas-microsoft-com:vml" xmlns:pvml="urn:schemas-microsoft-com:office:powerpoint" xmlns:com="http://schemas.openxmlformats.org/drawingml/2006/compatibility" xmlns:p14="http://schemas.microsoft.com/office/powerpoint/2010/main" xmlns:p15="http://schemas.microsoft.com/office/powerpoint/2012/main" xmlns:ahyp="http://schemas.microsoft.com/office/drawing/2018/hyperlinkcolor" showMasterPhAnim="0" showMasterSp="0">
+<p:notes xmlns:a="http://schemas.openxmlformats.org/drawingml/2006/main" xmlns:r="http://schemas.openxmlformats.org/officeDocument/2006/relationships" xmlns:p="http://schemas.openxmlformats.org/presentationml/2006/main" showMasterSp="0" showMasterPhAnim="0">
   <p:cSld>
     <p:spTree>
       <p:nvGrpSpPr>
-        <p:cNvPr id="57" name="Shape 57"/>
+        <p:cNvPr id="1" name="Shape 57"/>
         <p:cNvGrpSpPr/>
         <p:nvPr/>
       </p:nvGrpSpPr>
@@ -810,20 +830,26 @@
       <p:sp>
         <p:nvSpPr>
           <p:cNvPr id="58" name="Google Shape;58;g9a96f421e1_0_45:notes"/>
-          <p:cNvSpPr/>
+          <p:cNvSpPr>
+            <a:spLocks noGrp="1" noRot="1" noChangeAspect="1"/>
+          </p:cNvSpPr>
           <p:nvPr>
-            <p:ph idx="2" type="sldImg"/>
+            <p:ph type="sldImg" idx="2"/>
           </p:nvPr>
         </p:nvSpPr>
         <p:spPr>
           <a:xfrm>
-            <a:off x="381300" y="685800"/>
+            <a:off x="381000" y="685800"/>
             <a:ext cx="6096000" cy="3429000"/>
           </a:xfrm>
           <a:custGeom>
-            <a:rect b="b" l="l" r="r" t="t"/>
+            <a:avLst/>
+            <a:gdLst/>
+            <a:ahLst/>
+            <a:cxnLst/>
+            <a:rect l="l" t="t" r="r" b="b"/>
             <a:pathLst>
-              <a:path extrusionOk="0" h="120000" w="120000">
+              <a:path w="120000" h="120000" extrusionOk="0">
                 <a:moveTo>
                   <a:pt x="0" y="0"/>
                 </a:moveTo>
@@ -845,9 +871,11 @@
       <p:sp>
         <p:nvSpPr>
           <p:cNvPr id="59" name="Google Shape;59;g9a96f421e1_0_45:notes"/>
-          <p:cNvSpPr txBox="1"/>
+          <p:cNvSpPr txBox="1">
+            <a:spLocks noGrp="1"/>
+          </p:cNvSpPr>
           <p:nvPr>
-            <p:ph idx="1" type="body"/>
+            <p:ph type="body" idx="1"/>
           </p:nvPr>
         </p:nvSpPr>
         <p:spPr>
@@ -860,12 +888,12 @@
           </a:prstGeom>
         </p:spPr>
         <p:txBody>
-          <a:bodyPr anchorCtr="0" anchor="t" bIns="91425" lIns="91425" spcFirstLastPara="1" rIns="91425" wrap="square" tIns="91425">
+          <a:bodyPr spcFirstLastPara="1" wrap="square" lIns="91425" tIns="91425" rIns="91425" bIns="91425" anchor="t" anchorCtr="0">
             <a:noAutofit/>
           </a:bodyPr>
           <a:lstStyle/>
           <a:p>
-            <a:pPr indent="0" lvl="0" marL="0" rtl="0" algn="l">
+            <a:pPr marL="0" lvl="0" indent="0" algn="l" rtl="0">
               <a:spcBef>
                 <a:spcPts val="0"/>
               </a:spcBef>
@@ -874,9 +902,6 @@
               </a:spcAft>
               <a:buNone/>
             </a:pPr>
-            <a:r>
-              <a:t/>
-            </a:r>
             <a:endParaRPr/>
           </a:p>
         </p:txBody>
@@ -890,209 +915,11 @@
 </file>
 
 <file path=ppt/notesSlides/notesSlide3.xml><?xml version="1.0" encoding="utf-8"?>
-<p:notes xmlns:a="http://schemas.openxmlformats.org/drawingml/2006/main" xmlns:r="http://schemas.openxmlformats.org/officeDocument/2006/relationships" xmlns:mc="http://schemas.openxmlformats.org/markup-compatibility/2006" xmlns:mv="urn:schemas-microsoft-com:mac:vml" xmlns:p="http://schemas.openxmlformats.org/presentationml/2006/main" xmlns:c="http://schemas.openxmlformats.org/drawingml/2006/chart" xmlns:dgm="http://schemas.openxmlformats.org/drawingml/2006/diagram" xmlns:o="urn:schemas-microsoft-com:office:office" xmlns:v="urn:schemas-microsoft-com:vml" xmlns:pvml="urn:schemas-microsoft-com:office:powerpoint" xmlns:com="http://schemas.openxmlformats.org/drawingml/2006/compatibility" xmlns:p14="http://schemas.microsoft.com/office/powerpoint/2010/main" xmlns:p15="http://schemas.microsoft.com/office/powerpoint/2012/main" xmlns:ahyp="http://schemas.microsoft.com/office/drawing/2018/hyperlinkcolor" showMasterPhAnim="0" showMasterSp="0">
+<p:notes xmlns:a="http://schemas.openxmlformats.org/drawingml/2006/main" xmlns:r="http://schemas.openxmlformats.org/officeDocument/2006/relationships" xmlns:p="http://schemas.openxmlformats.org/presentationml/2006/main" showMasterSp="0" showMasterPhAnim="0">
   <p:cSld>
     <p:spTree>
       <p:nvGrpSpPr>
-        <p:cNvPr id="63" name="Shape 63"/>
-        <p:cNvGrpSpPr/>
-        <p:nvPr/>
-      </p:nvGrpSpPr>
-      <p:grpSpPr>
-        <a:xfrm>
-          <a:off x="0" y="0"/>
-          <a:ext cx="0" cy="0"/>
-          <a:chOff x="0" y="0"/>
-          <a:chExt cx="0" cy="0"/>
-        </a:xfrm>
-      </p:grpSpPr>
-      <p:sp>
-        <p:nvSpPr>
-          <p:cNvPr id="64" name="Google Shape;64;g9a96f421e1_0_53:notes"/>
-          <p:cNvSpPr/>
-          <p:nvPr>
-            <p:ph idx="2" type="sldImg"/>
-          </p:nvPr>
-        </p:nvSpPr>
-        <p:spPr>
-          <a:xfrm>
-            <a:off x="381300" y="685800"/>
-            <a:ext cx="6096000" cy="3429000"/>
-          </a:xfrm>
-          <a:custGeom>
-            <a:rect b="b" l="l" r="r" t="t"/>
-            <a:pathLst>
-              <a:path extrusionOk="0" h="120000" w="120000">
-                <a:moveTo>
-                  <a:pt x="0" y="0"/>
-                </a:moveTo>
-                <a:lnTo>
-                  <a:pt x="120000" y="0"/>
-                </a:lnTo>
-                <a:lnTo>
-                  <a:pt x="120000" y="120000"/>
-                </a:lnTo>
-                <a:lnTo>
-                  <a:pt x="0" y="120000"/>
-                </a:lnTo>
-                <a:close/>
-              </a:path>
-            </a:pathLst>
-          </a:custGeom>
-        </p:spPr>
-      </p:sp>
-      <p:sp>
-        <p:nvSpPr>
-          <p:cNvPr id="65" name="Google Shape;65;g9a96f421e1_0_53:notes"/>
-          <p:cNvSpPr txBox="1"/>
-          <p:nvPr>
-            <p:ph idx="1" type="body"/>
-          </p:nvPr>
-        </p:nvSpPr>
-        <p:spPr>
-          <a:xfrm>
-            <a:off x="685800" y="4343400"/>
-            <a:ext cx="5486400" cy="4114800"/>
-          </a:xfrm>
-          <a:prstGeom prst="rect">
-            <a:avLst/>
-          </a:prstGeom>
-        </p:spPr>
-        <p:txBody>
-          <a:bodyPr anchorCtr="0" anchor="t" bIns="91425" lIns="91425" spcFirstLastPara="1" rIns="91425" wrap="square" tIns="91425">
-            <a:noAutofit/>
-          </a:bodyPr>
-          <a:lstStyle/>
-          <a:p>
-            <a:pPr indent="0" lvl="0" marL="0" rtl="0" algn="l">
-              <a:spcBef>
-                <a:spcPts val="0"/>
-              </a:spcBef>
-              <a:spcAft>
-                <a:spcPts val="0"/>
-              </a:spcAft>
-              <a:buNone/>
-            </a:pPr>
-            <a:r>
-              <a:t/>
-            </a:r>
-            <a:endParaRPr/>
-          </a:p>
-        </p:txBody>
-      </p:sp>
-    </p:spTree>
-  </p:cSld>
-  <p:clrMapOvr>
-    <a:masterClrMapping/>
-  </p:clrMapOvr>
-</p:notes>
-</file>
-
-<file path=ppt/notesSlides/notesSlide4.xml><?xml version="1.0" encoding="utf-8"?>
-<p:notes xmlns:a="http://schemas.openxmlformats.org/drawingml/2006/main" xmlns:r="http://schemas.openxmlformats.org/officeDocument/2006/relationships" xmlns:mc="http://schemas.openxmlformats.org/markup-compatibility/2006" xmlns:mv="urn:schemas-microsoft-com:mac:vml" xmlns:p="http://schemas.openxmlformats.org/presentationml/2006/main" xmlns:c="http://schemas.openxmlformats.org/drawingml/2006/chart" xmlns:dgm="http://schemas.openxmlformats.org/drawingml/2006/diagram" xmlns:o="urn:schemas-microsoft-com:office:office" xmlns:v="urn:schemas-microsoft-com:vml" xmlns:pvml="urn:schemas-microsoft-com:office:powerpoint" xmlns:com="http://schemas.openxmlformats.org/drawingml/2006/compatibility" xmlns:p14="http://schemas.microsoft.com/office/powerpoint/2010/main" xmlns:p15="http://schemas.microsoft.com/office/powerpoint/2012/main" xmlns:ahyp="http://schemas.microsoft.com/office/drawing/2018/hyperlinkcolor" showMasterPhAnim="0" showMasterSp="0">
-  <p:cSld>
-    <p:spTree>
-      <p:nvGrpSpPr>
-        <p:cNvPr id="69" name="Shape 69"/>
-        <p:cNvGrpSpPr/>
-        <p:nvPr/>
-      </p:nvGrpSpPr>
-      <p:grpSpPr>
-        <a:xfrm>
-          <a:off x="0" y="0"/>
-          <a:ext cx="0" cy="0"/>
-          <a:chOff x="0" y="0"/>
-          <a:chExt cx="0" cy="0"/>
-        </a:xfrm>
-      </p:grpSpPr>
-      <p:sp>
-        <p:nvSpPr>
-          <p:cNvPr id="70" name="Google Shape;70;g9a96f421e1_0_61:notes"/>
-          <p:cNvSpPr/>
-          <p:nvPr>
-            <p:ph idx="2" type="sldImg"/>
-          </p:nvPr>
-        </p:nvSpPr>
-        <p:spPr>
-          <a:xfrm>
-            <a:off x="381300" y="685800"/>
-            <a:ext cx="6096000" cy="3429000"/>
-          </a:xfrm>
-          <a:custGeom>
-            <a:rect b="b" l="l" r="r" t="t"/>
-            <a:pathLst>
-              <a:path extrusionOk="0" h="120000" w="120000">
-                <a:moveTo>
-                  <a:pt x="0" y="0"/>
-                </a:moveTo>
-                <a:lnTo>
-                  <a:pt x="120000" y="0"/>
-                </a:lnTo>
-                <a:lnTo>
-                  <a:pt x="120000" y="120000"/>
-                </a:lnTo>
-                <a:lnTo>
-                  <a:pt x="0" y="120000"/>
-                </a:lnTo>
-                <a:close/>
-              </a:path>
-            </a:pathLst>
-          </a:custGeom>
-        </p:spPr>
-      </p:sp>
-      <p:sp>
-        <p:nvSpPr>
-          <p:cNvPr id="71" name="Google Shape;71;g9a96f421e1_0_61:notes"/>
-          <p:cNvSpPr txBox="1"/>
-          <p:nvPr>
-            <p:ph idx="1" type="body"/>
-          </p:nvPr>
-        </p:nvSpPr>
-        <p:spPr>
-          <a:xfrm>
-            <a:off x="685800" y="4343400"/>
-            <a:ext cx="5486400" cy="4114800"/>
-          </a:xfrm>
-          <a:prstGeom prst="rect">
-            <a:avLst/>
-          </a:prstGeom>
-        </p:spPr>
-        <p:txBody>
-          <a:bodyPr anchorCtr="0" anchor="t" bIns="91425" lIns="91425" spcFirstLastPara="1" rIns="91425" wrap="square" tIns="91425">
-            <a:noAutofit/>
-          </a:bodyPr>
-          <a:lstStyle/>
-          <a:p>
-            <a:pPr indent="0" lvl="0" marL="0" rtl="0" algn="l">
-              <a:spcBef>
-                <a:spcPts val="0"/>
-              </a:spcBef>
-              <a:spcAft>
-                <a:spcPts val="0"/>
-              </a:spcAft>
-              <a:buNone/>
-            </a:pPr>
-            <a:r>
-              <a:t/>
-            </a:r>
-            <a:endParaRPr/>
-          </a:p>
-        </p:txBody>
-      </p:sp>
-    </p:spTree>
-  </p:cSld>
-  <p:clrMapOvr>
-    <a:masterClrMapping/>
-  </p:clrMapOvr>
-</p:notes>
-</file>
-
-<file path=ppt/notesSlides/notesSlide5.xml><?xml version="1.0" encoding="utf-8"?>
-<p:notes xmlns:a="http://schemas.openxmlformats.org/drawingml/2006/main" xmlns:r="http://schemas.openxmlformats.org/officeDocument/2006/relationships" xmlns:mc="http://schemas.openxmlformats.org/markup-compatibility/2006" xmlns:mv="urn:schemas-microsoft-com:mac:vml" xmlns:p="http://schemas.openxmlformats.org/presentationml/2006/main" xmlns:c="http://schemas.openxmlformats.org/drawingml/2006/chart" xmlns:dgm="http://schemas.openxmlformats.org/drawingml/2006/diagram" xmlns:o="urn:schemas-microsoft-com:office:office" xmlns:v="urn:schemas-microsoft-com:vml" xmlns:pvml="urn:schemas-microsoft-com:office:powerpoint" xmlns:com="http://schemas.openxmlformats.org/drawingml/2006/compatibility" xmlns:p14="http://schemas.microsoft.com/office/powerpoint/2010/main" xmlns:p15="http://schemas.microsoft.com/office/powerpoint/2012/main" xmlns:ahyp="http://schemas.microsoft.com/office/drawing/2018/hyperlinkcolor" showMasterPhAnim="0" showMasterSp="0">
-  <p:cSld>
-    <p:spTree>
-      <p:nvGrpSpPr>
-        <p:cNvPr id="75" name="Shape 75"/>
+        <p:cNvPr id="1" name="Shape 75"/>
         <p:cNvGrpSpPr/>
         <p:nvPr/>
       </p:nvGrpSpPr>
@@ -1107,9 +934,11 @@
       <p:sp>
         <p:nvSpPr>
           <p:cNvPr id="76" name="Google Shape;76;g9a96f421e1_0_68:notes"/>
-          <p:cNvSpPr/>
+          <p:cNvSpPr>
+            <a:spLocks noGrp="1" noRot="1" noChangeAspect="1"/>
+          </p:cNvSpPr>
           <p:nvPr>
-            <p:ph idx="2" type="sldImg"/>
+            <p:ph type="sldImg" idx="2"/>
           </p:nvPr>
         </p:nvSpPr>
         <p:spPr>
@@ -1118,9 +947,13 @@
             <a:ext cx="6096000" cy="3429000"/>
           </a:xfrm>
           <a:custGeom>
-            <a:rect b="b" l="l" r="r" t="t"/>
+            <a:avLst/>
+            <a:gdLst/>
+            <a:ahLst/>
+            <a:cxnLst/>
+            <a:rect l="l" t="t" r="r" b="b"/>
             <a:pathLst>
-              <a:path extrusionOk="0" h="120000" w="120000">
+              <a:path w="120000" h="120000" extrusionOk="0">
                 <a:moveTo>
                   <a:pt x="0" y="0"/>
                 </a:moveTo>
@@ -1142,9 +975,11 @@
       <p:sp>
         <p:nvSpPr>
           <p:cNvPr id="77" name="Google Shape;77;g9a96f421e1_0_68:notes"/>
-          <p:cNvSpPr txBox="1"/>
+          <p:cNvSpPr txBox="1">
+            <a:spLocks noGrp="1"/>
+          </p:cNvSpPr>
           <p:nvPr>
-            <p:ph idx="1" type="body"/>
+            <p:ph type="body" idx="1"/>
           </p:nvPr>
         </p:nvSpPr>
         <p:spPr>
@@ -1157,12 +992,12 @@
           </a:prstGeom>
         </p:spPr>
         <p:txBody>
-          <a:bodyPr anchorCtr="0" anchor="t" bIns="91425" lIns="91425" spcFirstLastPara="1" rIns="91425" wrap="square" tIns="91425">
+          <a:bodyPr spcFirstLastPara="1" wrap="square" lIns="91425" tIns="91425" rIns="91425" bIns="91425" anchor="t" anchorCtr="0">
             <a:noAutofit/>
           </a:bodyPr>
           <a:lstStyle/>
           <a:p>
-            <a:pPr indent="0" lvl="0" marL="0" rtl="0" algn="l">
+            <a:pPr marL="0" lvl="0" indent="0" algn="l" rtl="0">
               <a:spcBef>
                 <a:spcPts val="0"/>
               </a:spcBef>
@@ -1171,9 +1006,6 @@
               </a:spcAft>
               <a:buNone/>
             </a:pPr>
-            <a:r>
-              <a:t/>
-            </a:r>
             <a:endParaRPr/>
           </a:p>
         </p:txBody>
@@ -1186,12 +1018,12 @@
 </p:notes>
 </file>
 
-<file path=ppt/notesSlides/notesSlide6.xml><?xml version="1.0" encoding="utf-8"?>
-<p:notes xmlns:a="http://schemas.openxmlformats.org/drawingml/2006/main" xmlns:r="http://schemas.openxmlformats.org/officeDocument/2006/relationships" xmlns:mc="http://schemas.openxmlformats.org/markup-compatibility/2006" xmlns:mv="urn:schemas-microsoft-com:mac:vml" xmlns:p="http://schemas.openxmlformats.org/presentationml/2006/main" xmlns:c="http://schemas.openxmlformats.org/drawingml/2006/chart" xmlns:dgm="http://schemas.openxmlformats.org/drawingml/2006/diagram" xmlns:o="urn:schemas-microsoft-com:office:office" xmlns:v="urn:schemas-microsoft-com:vml" xmlns:pvml="urn:schemas-microsoft-com:office:powerpoint" xmlns:com="http://schemas.openxmlformats.org/drawingml/2006/compatibility" xmlns:p14="http://schemas.microsoft.com/office/powerpoint/2010/main" xmlns:p15="http://schemas.microsoft.com/office/powerpoint/2012/main" xmlns:ahyp="http://schemas.microsoft.com/office/drawing/2018/hyperlinkcolor" showMasterPhAnim="0" showMasterSp="0">
+<file path=ppt/notesSlides/notesSlide4.xml><?xml version="1.0" encoding="utf-8"?>
+<p:notes xmlns:a="http://schemas.openxmlformats.org/drawingml/2006/main" xmlns:r="http://schemas.openxmlformats.org/officeDocument/2006/relationships" xmlns:p="http://schemas.openxmlformats.org/presentationml/2006/main" showMasterSp="0" showMasterPhAnim="0">
   <p:cSld>
     <p:spTree>
       <p:nvGrpSpPr>
-        <p:cNvPr id="81" name="Shape 81"/>
+        <p:cNvPr id="1" name="Shape 81"/>
         <p:cNvGrpSpPr/>
         <p:nvPr/>
       </p:nvGrpSpPr>
@@ -1206,9 +1038,11 @@
       <p:sp>
         <p:nvSpPr>
           <p:cNvPr id="82" name="Google Shape;82;g9a96f421e1_0_74:notes"/>
-          <p:cNvSpPr/>
+          <p:cNvSpPr>
+            <a:spLocks noGrp="1" noRot="1" noChangeAspect="1"/>
+          </p:cNvSpPr>
           <p:nvPr>
-            <p:ph idx="2" type="sldImg"/>
+            <p:ph type="sldImg" idx="2"/>
           </p:nvPr>
         </p:nvSpPr>
         <p:spPr>
@@ -1217,9 +1051,13 @@
             <a:ext cx="6096000" cy="3429000"/>
           </a:xfrm>
           <a:custGeom>
-            <a:rect b="b" l="l" r="r" t="t"/>
+            <a:avLst/>
+            <a:gdLst/>
+            <a:ahLst/>
+            <a:cxnLst/>
+            <a:rect l="l" t="t" r="r" b="b"/>
             <a:pathLst>
-              <a:path extrusionOk="0" h="120000" w="120000">
+              <a:path w="120000" h="120000" extrusionOk="0">
                 <a:moveTo>
                   <a:pt x="0" y="0"/>
                 </a:moveTo>
@@ -1241,9 +1079,11 @@
       <p:sp>
         <p:nvSpPr>
           <p:cNvPr id="83" name="Google Shape;83;g9a96f421e1_0_74:notes"/>
-          <p:cNvSpPr txBox="1"/>
+          <p:cNvSpPr txBox="1">
+            <a:spLocks noGrp="1"/>
+          </p:cNvSpPr>
           <p:nvPr>
-            <p:ph idx="1" type="body"/>
+            <p:ph type="body" idx="1"/>
           </p:nvPr>
         </p:nvSpPr>
         <p:spPr>
@@ -1256,12 +1096,12 @@
           </a:prstGeom>
         </p:spPr>
         <p:txBody>
-          <a:bodyPr anchorCtr="0" anchor="t" bIns="91425" lIns="91425" spcFirstLastPara="1" rIns="91425" wrap="square" tIns="91425">
+          <a:bodyPr spcFirstLastPara="1" wrap="square" lIns="91425" tIns="91425" rIns="91425" bIns="91425" anchor="t" anchorCtr="0">
             <a:noAutofit/>
           </a:bodyPr>
           <a:lstStyle/>
           <a:p>
-            <a:pPr indent="0" lvl="0" marL="0" rtl="0" algn="l">
+            <a:pPr marL="0" lvl="0" indent="0" algn="l" rtl="0">
               <a:spcBef>
                 <a:spcPts val="0"/>
               </a:spcBef>
@@ -1270,9 +1110,6 @@
               </a:spcAft>
               <a:buNone/>
             </a:pPr>
-            <a:r>
-              <a:t/>
-            </a:r>
             <a:endParaRPr/>
           </a:p>
         </p:txBody>
@@ -1286,11 +1123,11 @@
 </file>
 
 <file path=ppt/slideLayouts/slideLayout1.xml><?xml version="1.0" encoding="utf-8"?>
-<p:sldLayout xmlns:a="http://schemas.openxmlformats.org/drawingml/2006/main" xmlns:r="http://schemas.openxmlformats.org/officeDocument/2006/relationships" xmlns:mc="http://schemas.openxmlformats.org/markup-compatibility/2006" xmlns:mv="urn:schemas-microsoft-com:mac:vml" xmlns:p="http://schemas.openxmlformats.org/presentationml/2006/main" xmlns:c="http://schemas.openxmlformats.org/drawingml/2006/chart" xmlns:dgm="http://schemas.openxmlformats.org/drawingml/2006/diagram" xmlns:o="urn:schemas-microsoft-com:office:office" xmlns:v="urn:schemas-microsoft-com:vml" xmlns:pvml="urn:schemas-microsoft-com:office:powerpoint" xmlns:com="http://schemas.openxmlformats.org/drawingml/2006/compatibility" xmlns:p14="http://schemas.microsoft.com/office/powerpoint/2010/main" xmlns:p15="http://schemas.microsoft.com/office/powerpoint/2012/main" xmlns:ahyp="http://schemas.microsoft.com/office/drawing/2018/hyperlinkcolor" matchingName="Title slide" type="title">
+<p:sldLayout xmlns:a="http://schemas.openxmlformats.org/drawingml/2006/main" xmlns:r="http://schemas.openxmlformats.org/officeDocument/2006/relationships" xmlns:p="http://schemas.openxmlformats.org/presentationml/2006/main" matchingName="Title slide" type="title">
   <p:cSld name="TITLE">
     <p:spTree>
       <p:nvGrpSpPr>
-        <p:cNvPr id="9" name="Shape 9"/>
+        <p:cNvPr id="1" name="Shape 9"/>
         <p:cNvGrpSpPr/>
         <p:nvPr/>
       </p:nvGrpSpPr>
@@ -1305,7 +1142,9 @@
       <p:sp>
         <p:nvSpPr>
           <p:cNvPr id="10" name="Google Shape;10;p2"/>
-          <p:cNvSpPr txBox="1"/>
+          <p:cNvSpPr txBox="1">
+            <a:spLocks noGrp="1"/>
+          </p:cNvSpPr>
           <p:nvPr>
             <p:ph type="ctrTitle"/>
           </p:nvPr>
@@ -1320,7 +1159,7 @@
           </a:prstGeom>
         </p:spPr>
         <p:txBody>
-          <a:bodyPr anchorCtr="0" anchor="b" bIns="91425" lIns="91425" spcFirstLastPara="1" rIns="91425" wrap="square" tIns="91425">
+          <a:bodyPr spcFirstLastPara="1" wrap="square" lIns="91425" tIns="91425" rIns="91425" bIns="91425" anchor="b" anchorCtr="0">
             <a:noAutofit/>
           </a:bodyPr>
           <a:lstStyle>
@@ -1424,15 +1263,19 @@
               <a:defRPr sz="5200"/>
             </a:lvl9pPr>
           </a:lstStyle>
-          <a:p/>
+          <a:p>
+            <a:endParaRPr/>
+          </a:p>
         </p:txBody>
       </p:sp>
       <p:sp>
         <p:nvSpPr>
           <p:cNvPr id="11" name="Google Shape;11;p2"/>
-          <p:cNvSpPr txBox="1"/>
+          <p:cNvSpPr txBox="1">
+            <a:spLocks noGrp="1"/>
+          </p:cNvSpPr>
           <p:nvPr>
-            <p:ph idx="1" type="subTitle"/>
+            <p:ph type="subTitle" idx="1"/>
           </p:nvPr>
         </p:nvSpPr>
         <p:spPr>
@@ -1445,7 +1288,7 @@
           </a:prstGeom>
         </p:spPr>
         <p:txBody>
-          <a:bodyPr anchorCtr="0" anchor="t" bIns="91425" lIns="91425" spcFirstLastPara="1" rIns="91425" wrap="square" tIns="91425">
+          <a:bodyPr spcFirstLastPara="1" wrap="square" lIns="91425" tIns="91425" rIns="91425" bIns="91425" anchor="t" anchorCtr="0">
             <a:noAutofit/>
           </a:bodyPr>
           <a:lstStyle>
@@ -1576,15 +1419,19 @@
               <a:defRPr sz="2800"/>
             </a:lvl9pPr>
           </a:lstStyle>
-          <a:p/>
+          <a:p>
+            <a:endParaRPr/>
+          </a:p>
         </p:txBody>
       </p:sp>
       <p:sp>
         <p:nvSpPr>
           <p:cNvPr id="12" name="Google Shape;12;p2"/>
-          <p:cNvSpPr txBox="1"/>
+          <p:cNvSpPr txBox="1">
+            <a:spLocks noGrp="1"/>
+          </p:cNvSpPr>
           <p:nvPr>
-            <p:ph idx="12" type="sldNum"/>
+            <p:ph type="sldNum" idx="12"/>
           </p:nvPr>
         </p:nvSpPr>
         <p:spPr>
@@ -1597,7 +1444,7 @@
           </a:prstGeom>
         </p:spPr>
         <p:txBody>
-          <a:bodyPr anchorCtr="0" anchor="ctr" bIns="91425" lIns="91425" spcFirstLastPara="1" rIns="91425" wrap="square" tIns="91425">
+          <a:bodyPr spcFirstLastPara="1" wrap="square" lIns="91425" tIns="91425" rIns="91425" bIns="91425" anchor="ctr" anchorCtr="0">
             <a:noAutofit/>
           </a:bodyPr>
           <a:lstStyle>
@@ -1639,7 +1486,7 @@
             </a:lvl9pPr>
           </a:lstStyle>
           <a:p>
-            <a:pPr indent="0" lvl="0" marL="0" rtl="0" algn="r">
+            <a:pPr marL="0" lvl="0" indent="0" algn="r" rtl="0">
               <a:spcBef>
                 <a:spcPts val="0"/>
               </a:spcBef>
@@ -1665,11 +1512,11 @@
 </file>
 
 <file path=ppt/slideLayouts/slideLayout10.xml><?xml version="1.0" encoding="utf-8"?>
-<p:sldLayout xmlns:a="http://schemas.openxmlformats.org/drawingml/2006/main" xmlns:r="http://schemas.openxmlformats.org/officeDocument/2006/relationships" xmlns:mc="http://schemas.openxmlformats.org/markup-compatibility/2006" xmlns:mv="urn:schemas-microsoft-com:mac:vml" xmlns:p="http://schemas.openxmlformats.org/presentationml/2006/main" xmlns:c="http://schemas.openxmlformats.org/drawingml/2006/chart" xmlns:dgm="http://schemas.openxmlformats.org/drawingml/2006/diagram" xmlns:o="urn:schemas-microsoft-com:office:office" xmlns:v="urn:schemas-microsoft-com:vml" xmlns:pvml="urn:schemas-microsoft-com:office:powerpoint" xmlns:com="http://schemas.openxmlformats.org/drawingml/2006/compatibility" xmlns:p14="http://schemas.microsoft.com/office/powerpoint/2010/main" xmlns:p15="http://schemas.microsoft.com/office/powerpoint/2012/main" xmlns:ahyp="http://schemas.microsoft.com/office/drawing/2018/hyperlinkcolor" matchingName="Big number">
+<p:sldLayout xmlns:a="http://schemas.openxmlformats.org/drawingml/2006/main" xmlns:r="http://schemas.openxmlformats.org/officeDocument/2006/relationships" xmlns:p="http://schemas.openxmlformats.org/presentationml/2006/main" matchingName="Big number">
   <p:cSld name="BIG_NUMBER">
     <p:spTree>
       <p:nvGrpSpPr>
-        <p:cNvPr id="44" name="Shape 44"/>
+        <p:cNvPr id="1" name="Shape 44"/>
         <p:cNvGrpSpPr/>
         <p:nvPr/>
       </p:nvGrpSpPr>
@@ -1684,9 +1531,11 @@
       <p:sp>
         <p:nvSpPr>
           <p:cNvPr id="45" name="Google Shape;45;p11"/>
-          <p:cNvSpPr txBox="1"/>
+          <p:cNvSpPr txBox="1">
+            <a:spLocks noGrp="1"/>
+          </p:cNvSpPr>
           <p:nvPr>
-            <p:ph hasCustomPrompt="1" type="title"/>
+            <p:ph type="title" hasCustomPrompt="1"/>
           </p:nvPr>
         </p:nvSpPr>
         <p:spPr>
@@ -1699,7 +1548,7 @@
           </a:prstGeom>
         </p:spPr>
         <p:txBody>
-          <a:bodyPr anchorCtr="0" anchor="b" bIns="91425" lIns="91425" spcFirstLastPara="1" rIns="91425" wrap="square" tIns="91425">
+          <a:bodyPr spcFirstLastPara="1" wrap="square" lIns="91425" tIns="91425" rIns="91425" bIns="91425" anchor="b" anchorCtr="0">
             <a:noAutofit/>
           </a:bodyPr>
           <a:lstStyle>
@@ -1813,9 +1662,11 @@
       <p:sp>
         <p:nvSpPr>
           <p:cNvPr id="46" name="Google Shape;46;p11"/>
-          <p:cNvSpPr txBox="1"/>
+          <p:cNvSpPr txBox="1">
+            <a:spLocks noGrp="1"/>
+          </p:cNvSpPr>
           <p:nvPr>
-            <p:ph idx="1" type="body"/>
+            <p:ph type="body" idx="1"/>
           </p:nvPr>
         </p:nvSpPr>
         <p:spPr>
@@ -1828,11 +1679,11 @@
           </a:prstGeom>
         </p:spPr>
         <p:txBody>
-          <a:bodyPr anchorCtr="0" anchor="t" bIns="91425" lIns="91425" spcFirstLastPara="1" rIns="91425" wrap="square" tIns="91425">
+          <a:bodyPr spcFirstLastPara="1" wrap="square" lIns="91425" tIns="91425" rIns="91425" bIns="91425" anchor="t" anchorCtr="0">
             <a:noAutofit/>
           </a:bodyPr>
           <a:lstStyle>
-            <a:lvl1pPr indent="-342900" lvl="0" marL="457200" algn="ctr">
+            <a:lvl1pPr marL="457200" lvl="0" indent="-342900" algn="ctr">
               <a:spcBef>
                 <a:spcPts val="0"/>
               </a:spcBef>
@@ -1843,7 +1694,7 @@
               <a:buChar char="●"/>
               <a:defRPr/>
             </a:lvl1pPr>
-            <a:lvl2pPr indent="-317500" lvl="1" marL="914400" algn="ctr">
+            <a:lvl2pPr marL="914400" lvl="1" indent="-317500" algn="ctr">
               <a:spcBef>
                 <a:spcPts val="1600"/>
               </a:spcBef>
@@ -1854,7 +1705,7 @@
               <a:buChar char="○"/>
               <a:defRPr/>
             </a:lvl2pPr>
-            <a:lvl3pPr indent="-317500" lvl="2" marL="1371600" algn="ctr">
+            <a:lvl3pPr marL="1371600" lvl="2" indent="-317500" algn="ctr">
               <a:spcBef>
                 <a:spcPts val="1600"/>
               </a:spcBef>
@@ -1865,7 +1716,7 @@
               <a:buChar char="■"/>
               <a:defRPr/>
             </a:lvl3pPr>
-            <a:lvl4pPr indent="-317500" lvl="3" marL="1828800" algn="ctr">
+            <a:lvl4pPr marL="1828800" lvl="3" indent="-317500" algn="ctr">
               <a:spcBef>
                 <a:spcPts val="1600"/>
               </a:spcBef>
@@ -1876,7 +1727,7 @@
               <a:buChar char="●"/>
               <a:defRPr/>
             </a:lvl4pPr>
-            <a:lvl5pPr indent="-317500" lvl="4" marL="2286000" algn="ctr">
+            <a:lvl5pPr marL="2286000" lvl="4" indent="-317500" algn="ctr">
               <a:spcBef>
                 <a:spcPts val="1600"/>
               </a:spcBef>
@@ -1887,7 +1738,7 @@
               <a:buChar char="○"/>
               <a:defRPr/>
             </a:lvl5pPr>
-            <a:lvl6pPr indent="-317500" lvl="5" marL="2743200" algn="ctr">
+            <a:lvl6pPr marL="2743200" lvl="5" indent="-317500" algn="ctr">
               <a:spcBef>
                 <a:spcPts val="1600"/>
               </a:spcBef>
@@ -1898,7 +1749,7 @@
               <a:buChar char="■"/>
               <a:defRPr/>
             </a:lvl6pPr>
-            <a:lvl7pPr indent="-317500" lvl="6" marL="3200400" algn="ctr">
+            <a:lvl7pPr marL="3200400" lvl="6" indent="-317500" algn="ctr">
               <a:spcBef>
                 <a:spcPts val="1600"/>
               </a:spcBef>
@@ -1909,7 +1760,7 @@
               <a:buChar char="●"/>
               <a:defRPr/>
             </a:lvl7pPr>
-            <a:lvl8pPr indent="-317500" lvl="7" marL="3657600" algn="ctr">
+            <a:lvl8pPr marL="3657600" lvl="7" indent="-317500" algn="ctr">
               <a:spcBef>
                 <a:spcPts val="1600"/>
               </a:spcBef>
@@ -1920,7 +1771,7 @@
               <a:buChar char="○"/>
               <a:defRPr/>
             </a:lvl8pPr>
-            <a:lvl9pPr indent="-317500" lvl="8" marL="4114800" algn="ctr">
+            <a:lvl9pPr marL="4114800" lvl="8" indent="-317500" algn="ctr">
               <a:spcBef>
                 <a:spcPts val="1600"/>
               </a:spcBef>
@@ -1932,15 +1783,19 @@
               <a:defRPr/>
             </a:lvl9pPr>
           </a:lstStyle>
-          <a:p/>
+          <a:p>
+            <a:endParaRPr/>
+          </a:p>
         </p:txBody>
       </p:sp>
       <p:sp>
         <p:nvSpPr>
           <p:cNvPr id="47" name="Google Shape;47;p11"/>
-          <p:cNvSpPr txBox="1"/>
+          <p:cNvSpPr txBox="1">
+            <a:spLocks noGrp="1"/>
+          </p:cNvSpPr>
           <p:nvPr>
-            <p:ph idx="12" type="sldNum"/>
+            <p:ph type="sldNum" idx="12"/>
           </p:nvPr>
         </p:nvSpPr>
         <p:spPr>
@@ -1953,7 +1808,7 @@
           </a:prstGeom>
         </p:spPr>
         <p:txBody>
-          <a:bodyPr anchorCtr="0" anchor="ctr" bIns="91425" lIns="91425" spcFirstLastPara="1" rIns="91425" wrap="square" tIns="91425">
+          <a:bodyPr spcFirstLastPara="1" wrap="square" lIns="91425" tIns="91425" rIns="91425" bIns="91425" anchor="ctr" anchorCtr="0">
             <a:noAutofit/>
           </a:bodyPr>
           <a:lstStyle>
@@ -1995,7 +1850,7 @@
             </a:lvl9pPr>
           </a:lstStyle>
           <a:p>
-            <a:pPr indent="0" lvl="0" marL="0" rtl="0" algn="r">
+            <a:pPr marL="0" lvl="0" indent="0" algn="r" rtl="0">
               <a:spcBef>
                 <a:spcPts val="0"/>
               </a:spcBef>
@@ -2021,11 +1876,11 @@
 </file>
 
 <file path=ppt/slideLayouts/slideLayout11.xml><?xml version="1.0" encoding="utf-8"?>
-<p:sldLayout xmlns:a="http://schemas.openxmlformats.org/drawingml/2006/main" xmlns:r="http://schemas.openxmlformats.org/officeDocument/2006/relationships" xmlns:mc="http://schemas.openxmlformats.org/markup-compatibility/2006" xmlns:mv="urn:schemas-microsoft-com:mac:vml" xmlns:p="http://schemas.openxmlformats.org/presentationml/2006/main" xmlns:c="http://schemas.openxmlformats.org/drawingml/2006/chart" xmlns:dgm="http://schemas.openxmlformats.org/drawingml/2006/diagram" xmlns:o="urn:schemas-microsoft-com:office:office" xmlns:v="urn:schemas-microsoft-com:vml" xmlns:pvml="urn:schemas-microsoft-com:office:powerpoint" xmlns:com="http://schemas.openxmlformats.org/drawingml/2006/compatibility" xmlns:p14="http://schemas.microsoft.com/office/powerpoint/2010/main" xmlns:p15="http://schemas.microsoft.com/office/powerpoint/2012/main" xmlns:ahyp="http://schemas.microsoft.com/office/drawing/2018/hyperlinkcolor" matchingName="Blank" type="blank">
+<p:sldLayout xmlns:a="http://schemas.openxmlformats.org/drawingml/2006/main" xmlns:r="http://schemas.openxmlformats.org/officeDocument/2006/relationships" xmlns:p="http://schemas.openxmlformats.org/presentationml/2006/main" matchingName="Blank" type="blank">
   <p:cSld name="BLANK">
     <p:spTree>
       <p:nvGrpSpPr>
-        <p:cNvPr id="48" name="Shape 48"/>
+        <p:cNvPr id="1" name="Shape 48"/>
         <p:cNvGrpSpPr/>
         <p:nvPr/>
       </p:nvGrpSpPr>
@@ -2040,9 +1895,11 @@
       <p:sp>
         <p:nvSpPr>
           <p:cNvPr id="49" name="Google Shape;49;p12"/>
-          <p:cNvSpPr txBox="1"/>
+          <p:cNvSpPr txBox="1">
+            <a:spLocks noGrp="1"/>
+          </p:cNvSpPr>
           <p:nvPr>
-            <p:ph idx="12" type="sldNum"/>
+            <p:ph type="sldNum" idx="12"/>
           </p:nvPr>
         </p:nvSpPr>
         <p:spPr>
@@ -2055,7 +1912,7 @@
           </a:prstGeom>
         </p:spPr>
         <p:txBody>
-          <a:bodyPr anchorCtr="0" anchor="ctr" bIns="91425" lIns="91425" spcFirstLastPara="1" rIns="91425" wrap="square" tIns="91425">
+          <a:bodyPr spcFirstLastPara="1" wrap="square" lIns="91425" tIns="91425" rIns="91425" bIns="91425" anchor="ctr" anchorCtr="0">
             <a:noAutofit/>
           </a:bodyPr>
           <a:lstStyle>
@@ -2097,7 +1954,7 @@
             </a:lvl9pPr>
           </a:lstStyle>
           <a:p>
-            <a:pPr indent="0" lvl="0" marL="0" rtl="0" algn="r">
+            <a:pPr marL="0" lvl="0" indent="0" algn="r" rtl="0">
               <a:spcBef>
                 <a:spcPts val="0"/>
               </a:spcBef>
@@ -2123,11 +1980,11 @@
 </file>
 
 <file path=ppt/slideLayouts/slideLayout2.xml><?xml version="1.0" encoding="utf-8"?>
-<p:sldLayout xmlns:a="http://schemas.openxmlformats.org/drawingml/2006/main" xmlns:r="http://schemas.openxmlformats.org/officeDocument/2006/relationships" xmlns:mc="http://schemas.openxmlformats.org/markup-compatibility/2006" xmlns:mv="urn:schemas-microsoft-com:mac:vml" xmlns:p="http://schemas.openxmlformats.org/presentationml/2006/main" xmlns:c="http://schemas.openxmlformats.org/drawingml/2006/chart" xmlns:dgm="http://schemas.openxmlformats.org/drawingml/2006/diagram" xmlns:o="urn:schemas-microsoft-com:office:office" xmlns:v="urn:schemas-microsoft-com:vml" xmlns:pvml="urn:schemas-microsoft-com:office:powerpoint" xmlns:com="http://schemas.openxmlformats.org/drawingml/2006/compatibility" xmlns:p14="http://schemas.microsoft.com/office/powerpoint/2010/main" xmlns:p15="http://schemas.microsoft.com/office/powerpoint/2012/main" xmlns:ahyp="http://schemas.microsoft.com/office/drawing/2018/hyperlinkcolor" matchingName="Section header" type="secHead">
+<p:sldLayout xmlns:a="http://schemas.openxmlformats.org/drawingml/2006/main" xmlns:r="http://schemas.openxmlformats.org/officeDocument/2006/relationships" xmlns:p="http://schemas.openxmlformats.org/presentationml/2006/main" matchingName="Section header" type="secHead">
   <p:cSld name="SECTION_HEADER">
     <p:spTree>
       <p:nvGrpSpPr>
-        <p:cNvPr id="13" name="Shape 13"/>
+        <p:cNvPr id="1" name="Shape 13"/>
         <p:cNvGrpSpPr/>
         <p:nvPr/>
       </p:nvGrpSpPr>
@@ -2142,7 +1999,9 @@
       <p:sp>
         <p:nvSpPr>
           <p:cNvPr id="14" name="Google Shape;14;p3"/>
-          <p:cNvSpPr txBox="1"/>
+          <p:cNvSpPr txBox="1">
+            <a:spLocks noGrp="1"/>
+          </p:cNvSpPr>
           <p:nvPr>
             <p:ph type="title"/>
           </p:nvPr>
@@ -2157,7 +2016,7 @@
           </a:prstGeom>
         </p:spPr>
         <p:txBody>
-          <a:bodyPr anchorCtr="0" anchor="ctr" bIns="91425" lIns="91425" spcFirstLastPara="1" rIns="91425" wrap="square" tIns="91425">
+          <a:bodyPr spcFirstLastPara="1" wrap="square" lIns="91425" tIns="91425" rIns="91425" bIns="91425" anchor="ctr" anchorCtr="0">
             <a:noAutofit/>
           </a:bodyPr>
           <a:lstStyle>
@@ -2261,15 +2120,19 @@
               <a:defRPr sz="3600"/>
             </a:lvl9pPr>
           </a:lstStyle>
-          <a:p/>
+          <a:p>
+            <a:endParaRPr/>
+          </a:p>
         </p:txBody>
       </p:sp>
       <p:sp>
         <p:nvSpPr>
           <p:cNvPr id="15" name="Google Shape;15;p3"/>
-          <p:cNvSpPr txBox="1"/>
+          <p:cNvSpPr txBox="1">
+            <a:spLocks noGrp="1"/>
+          </p:cNvSpPr>
           <p:nvPr>
-            <p:ph idx="12" type="sldNum"/>
+            <p:ph type="sldNum" idx="12"/>
           </p:nvPr>
         </p:nvSpPr>
         <p:spPr>
@@ -2282,7 +2145,7 @@
           </a:prstGeom>
         </p:spPr>
         <p:txBody>
-          <a:bodyPr anchorCtr="0" anchor="ctr" bIns="91425" lIns="91425" spcFirstLastPara="1" rIns="91425" wrap="square" tIns="91425">
+          <a:bodyPr spcFirstLastPara="1" wrap="square" lIns="91425" tIns="91425" rIns="91425" bIns="91425" anchor="ctr" anchorCtr="0">
             <a:noAutofit/>
           </a:bodyPr>
           <a:lstStyle>
@@ -2324,7 +2187,7 @@
             </a:lvl9pPr>
           </a:lstStyle>
           <a:p>
-            <a:pPr indent="0" lvl="0" marL="0" rtl="0" algn="r">
+            <a:pPr marL="0" lvl="0" indent="0" algn="r" rtl="0">
               <a:spcBef>
                 <a:spcPts val="0"/>
               </a:spcBef>
@@ -2350,11 +2213,11 @@
 </file>
 
 <file path=ppt/slideLayouts/slideLayout3.xml><?xml version="1.0" encoding="utf-8"?>
-<p:sldLayout xmlns:a="http://schemas.openxmlformats.org/drawingml/2006/main" xmlns:r="http://schemas.openxmlformats.org/officeDocument/2006/relationships" xmlns:mc="http://schemas.openxmlformats.org/markup-compatibility/2006" xmlns:mv="urn:schemas-microsoft-com:mac:vml" xmlns:p="http://schemas.openxmlformats.org/presentationml/2006/main" xmlns:c="http://schemas.openxmlformats.org/drawingml/2006/chart" xmlns:dgm="http://schemas.openxmlformats.org/drawingml/2006/diagram" xmlns:o="urn:schemas-microsoft-com:office:office" xmlns:v="urn:schemas-microsoft-com:vml" xmlns:pvml="urn:schemas-microsoft-com:office:powerpoint" xmlns:com="http://schemas.openxmlformats.org/drawingml/2006/compatibility" xmlns:p14="http://schemas.microsoft.com/office/powerpoint/2010/main" xmlns:p15="http://schemas.microsoft.com/office/powerpoint/2012/main" xmlns:ahyp="http://schemas.microsoft.com/office/drawing/2018/hyperlinkcolor" matchingName="Title and body" type="tx">
+<p:sldLayout xmlns:a="http://schemas.openxmlformats.org/drawingml/2006/main" xmlns:r="http://schemas.openxmlformats.org/officeDocument/2006/relationships" xmlns:p="http://schemas.openxmlformats.org/presentationml/2006/main" matchingName="Title and body" type="tx">
   <p:cSld name="TITLE_AND_BODY">
     <p:spTree>
       <p:nvGrpSpPr>
-        <p:cNvPr id="16" name="Shape 16"/>
+        <p:cNvPr id="1" name="Shape 16"/>
         <p:cNvGrpSpPr/>
         <p:nvPr/>
       </p:nvGrpSpPr>
@@ -2369,7 +2232,9 @@
       <p:sp>
         <p:nvSpPr>
           <p:cNvPr id="17" name="Google Shape;17;p4"/>
-          <p:cNvSpPr txBox="1"/>
+          <p:cNvSpPr txBox="1">
+            <a:spLocks noGrp="1"/>
+          </p:cNvSpPr>
           <p:nvPr>
             <p:ph type="title"/>
           </p:nvPr>
@@ -2384,7 +2249,7 @@
           </a:prstGeom>
         </p:spPr>
         <p:txBody>
-          <a:bodyPr anchorCtr="0" anchor="t" bIns="91425" lIns="91425" spcFirstLastPara="1" rIns="91425" wrap="square" tIns="91425">
+          <a:bodyPr spcFirstLastPara="1" wrap="square" lIns="91425" tIns="91425" rIns="91425" bIns="91425" anchor="t" anchorCtr="0">
             <a:noAutofit/>
           </a:bodyPr>
           <a:lstStyle>
@@ -2488,15 +2353,19 @@
               <a:defRPr/>
             </a:lvl9pPr>
           </a:lstStyle>
-          <a:p/>
+          <a:p>
+            <a:endParaRPr/>
+          </a:p>
         </p:txBody>
       </p:sp>
       <p:sp>
         <p:nvSpPr>
           <p:cNvPr id="18" name="Google Shape;18;p4"/>
-          <p:cNvSpPr txBox="1"/>
+          <p:cNvSpPr txBox="1">
+            <a:spLocks noGrp="1"/>
+          </p:cNvSpPr>
           <p:nvPr>
-            <p:ph idx="1" type="body"/>
+            <p:ph type="body" idx="1"/>
           </p:nvPr>
         </p:nvSpPr>
         <p:spPr>
@@ -2509,11 +2378,11 @@
           </a:prstGeom>
         </p:spPr>
         <p:txBody>
-          <a:bodyPr anchorCtr="0" anchor="t" bIns="91425" lIns="91425" spcFirstLastPara="1" rIns="91425" wrap="square" tIns="91425">
+          <a:bodyPr spcFirstLastPara="1" wrap="square" lIns="91425" tIns="91425" rIns="91425" bIns="91425" anchor="t" anchorCtr="0">
             <a:noAutofit/>
           </a:bodyPr>
           <a:lstStyle>
-            <a:lvl1pPr indent="-342900" lvl="0" marL="457200">
+            <a:lvl1pPr marL="457200" lvl="0" indent="-342900">
               <a:spcBef>
                 <a:spcPts val="0"/>
               </a:spcBef>
@@ -2524,7 +2393,7 @@
               <a:buChar char="●"/>
               <a:defRPr/>
             </a:lvl1pPr>
-            <a:lvl2pPr indent="-317500" lvl="1" marL="914400">
+            <a:lvl2pPr marL="914400" lvl="1" indent="-317500">
               <a:spcBef>
                 <a:spcPts val="1600"/>
               </a:spcBef>
@@ -2535,7 +2404,7 @@
               <a:buChar char="○"/>
               <a:defRPr/>
             </a:lvl2pPr>
-            <a:lvl3pPr indent="-317500" lvl="2" marL="1371600">
+            <a:lvl3pPr marL="1371600" lvl="2" indent="-317500">
               <a:spcBef>
                 <a:spcPts val="1600"/>
               </a:spcBef>
@@ -2546,7 +2415,7 @@
               <a:buChar char="■"/>
               <a:defRPr/>
             </a:lvl3pPr>
-            <a:lvl4pPr indent="-317500" lvl="3" marL="1828800">
+            <a:lvl4pPr marL="1828800" lvl="3" indent="-317500">
               <a:spcBef>
                 <a:spcPts val="1600"/>
               </a:spcBef>
@@ -2557,7 +2426,7 @@
               <a:buChar char="●"/>
               <a:defRPr/>
             </a:lvl4pPr>
-            <a:lvl5pPr indent="-317500" lvl="4" marL="2286000">
+            <a:lvl5pPr marL="2286000" lvl="4" indent="-317500">
               <a:spcBef>
                 <a:spcPts val="1600"/>
               </a:spcBef>
@@ -2568,7 +2437,7 @@
               <a:buChar char="○"/>
               <a:defRPr/>
             </a:lvl5pPr>
-            <a:lvl6pPr indent="-317500" lvl="5" marL="2743200">
+            <a:lvl6pPr marL="2743200" lvl="5" indent="-317500">
               <a:spcBef>
                 <a:spcPts val="1600"/>
               </a:spcBef>
@@ -2579,7 +2448,7 @@
               <a:buChar char="■"/>
               <a:defRPr/>
             </a:lvl6pPr>
-            <a:lvl7pPr indent="-317500" lvl="6" marL="3200400">
+            <a:lvl7pPr marL="3200400" lvl="6" indent="-317500">
               <a:spcBef>
                 <a:spcPts val="1600"/>
               </a:spcBef>
@@ -2590,7 +2459,7 @@
               <a:buChar char="●"/>
               <a:defRPr/>
             </a:lvl7pPr>
-            <a:lvl8pPr indent="-317500" lvl="7" marL="3657600">
+            <a:lvl8pPr marL="3657600" lvl="7" indent="-317500">
               <a:spcBef>
                 <a:spcPts val="1600"/>
               </a:spcBef>
@@ -2601,7 +2470,7 @@
               <a:buChar char="○"/>
               <a:defRPr/>
             </a:lvl8pPr>
-            <a:lvl9pPr indent="-317500" lvl="8" marL="4114800">
+            <a:lvl9pPr marL="4114800" lvl="8" indent="-317500">
               <a:spcBef>
                 <a:spcPts val="1600"/>
               </a:spcBef>
@@ -2613,15 +2482,19 @@
               <a:defRPr/>
             </a:lvl9pPr>
           </a:lstStyle>
-          <a:p/>
+          <a:p>
+            <a:endParaRPr/>
+          </a:p>
         </p:txBody>
       </p:sp>
       <p:sp>
         <p:nvSpPr>
           <p:cNvPr id="19" name="Google Shape;19;p4"/>
-          <p:cNvSpPr txBox="1"/>
+          <p:cNvSpPr txBox="1">
+            <a:spLocks noGrp="1"/>
+          </p:cNvSpPr>
           <p:nvPr>
-            <p:ph idx="12" type="sldNum"/>
+            <p:ph type="sldNum" idx="12"/>
           </p:nvPr>
         </p:nvSpPr>
         <p:spPr>
@@ -2634,7 +2507,7 @@
           </a:prstGeom>
         </p:spPr>
         <p:txBody>
-          <a:bodyPr anchorCtr="0" anchor="ctr" bIns="91425" lIns="91425" spcFirstLastPara="1" rIns="91425" wrap="square" tIns="91425">
+          <a:bodyPr spcFirstLastPara="1" wrap="square" lIns="91425" tIns="91425" rIns="91425" bIns="91425" anchor="ctr" anchorCtr="0">
             <a:noAutofit/>
           </a:bodyPr>
           <a:lstStyle>
@@ -2676,7 +2549,7 @@
             </a:lvl9pPr>
           </a:lstStyle>
           <a:p>
-            <a:pPr indent="0" lvl="0" marL="0" rtl="0" algn="r">
+            <a:pPr marL="0" lvl="0" indent="0" algn="r" rtl="0">
               <a:spcBef>
                 <a:spcPts val="0"/>
               </a:spcBef>
@@ -2702,11 +2575,11 @@
 </file>
 
 <file path=ppt/slideLayouts/slideLayout4.xml><?xml version="1.0" encoding="utf-8"?>
-<p:sldLayout xmlns:a="http://schemas.openxmlformats.org/drawingml/2006/main" xmlns:r="http://schemas.openxmlformats.org/officeDocument/2006/relationships" xmlns:mc="http://schemas.openxmlformats.org/markup-compatibility/2006" xmlns:mv="urn:schemas-microsoft-com:mac:vml" xmlns:p="http://schemas.openxmlformats.org/presentationml/2006/main" xmlns:c="http://schemas.openxmlformats.org/drawingml/2006/chart" xmlns:dgm="http://schemas.openxmlformats.org/drawingml/2006/diagram" xmlns:o="urn:schemas-microsoft-com:office:office" xmlns:v="urn:schemas-microsoft-com:vml" xmlns:pvml="urn:schemas-microsoft-com:office:powerpoint" xmlns:com="http://schemas.openxmlformats.org/drawingml/2006/compatibility" xmlns:p14="http://schemas.microsoft.com/office/powerpoint/2010/main" xmlns:p15="http://schemas.microsoft.com/office/powerpoint/2012/main" xmlns:ahyp="http://schemas.microsoft.com/office/drawing/2018/hyperlinkcolor" matchingName="Title and two columns" type="twoColTx">
+<p:sldLayout xmlns:a="http://schemas.openxmlformats.org/drawingml/2006/main" xmlns:r="http://schemas.openxmlformats.org/officeDocument/2006/relationships" xmlns:p="http://schemas.openxmlformats.org/presentationml/2006/main" matchingName="Title and two columns" type="twoColTx">
   <p:cSld name="TITLE_AND_TWO_COLUMNS">
     <p:spTree>
       <p:nvGrpSpPr>
-        <p:cNvPr id="20" name="Shape 20"/>
+        <p:cNvPr id="1" name="Shape 20"/>
         <p:cNvGrpSpPr/>
         <p:nvPr/>
       </p:nvGrpSpPr>
@@ -2721,7 +2594,9 @@
       <p:sp>
         <p:nvSpPr>
           <p:cNvPr id="21" name="Google Shape;21;p5"/>
-          <p:cNvSpPr txBox="1"/>
+          <p:cNvSpPr txBox="1">
+            <a:spLocks noGrp="1"/>
+          </p:cNvSpPr>
           <p:nvPr>
             <p:ph type="title"/>
           </p:nvPr>
@@ -2736,7 +2611,7 @@
           </a:prstGeom>
         </p:spPr>
         <p:txBody>
-          <a:bodyPr anchorCtr="0" anchor="t" bIns="91425" lIns="91425" spcFirstLastPara="1" rIns="91425" wrap="square" tIns="91425">
+          <a:bodyPr spcFirstLastPara="1" wrap="square" lIns="91425" tIns="91425" rIns="91425" bIns="91425" anchor="t" anchorCtr="0">
             <a:noAutofit/>
           </a:bodyPr>
           <a:lstStyle>
@@ -2840,15 +2715,19 @@
               <a:defRPr/>
             </a:lvl9pPr>
           </a:lstStyle>
-          <a:p/>
+          <a:p>
+            <a:endParaRPr/>
+          </a:p>
         </p:txBody>
       </p:sp>
       <p:sp>
         <p:nvSpPr>
           <p:cNvPr id="22" name="Google Shape;22;p5"/>
-          <p:cNvSpPr txBox="1"/>
+          <p:cNvSpPr txBox="1">
+            <a:spLocks noGrp="1"/>
+          </p:cNvSpPr>
           <p:nvPr>
-            <p:ph idx="1" type="body"/>
+            <p:ph type="body" idx="1"/>
           </p:nvPr>
         </p:nvSpPr>
         <p:spPr>
@@ -2861,11 +2740,11 @@
           </a:prstGeom>
         </p:spPr>
         <p:txBody>
-          <a:bodyPr anchorCtr="0" anchor="t" bIns="91425" lIns="91425" spcFirstLastPara="1" rIns="91425" wrap="square" tIns="91425">
+          <a:bodyPr spcFirstLastPara="1" wrap="square" lIns="91425" tIns="91425" rIns="91425" bIns="91425" anchor="t" anchorCtr="0">
             <a:noAutofit/>
           </a:bodyPr>
           <a:lstStyle>
-            <a:lvl1pPr indent="-317500" lvl="0" marL="457200">
+            <a:lvl1pPr marL="457200" lvl="0" indent="-317500">
               <a:spcBef>
                 <a:spcPts val="0"/>
               </a:spcBef>
@@ -2876,7 +2755,7 @@
               <a:buChar char="●"/>
               <a:defRPr sz="1400"/>
             </a:lvl1pPr>
-            <a:lvl2pPr indent="-304800" lvl="1" marL="914400">
+            <a:lvl2pPr marL="914400" lvl="1" indent="-304800">
               <a:spcBef>
                 <a:spcPts val="1600"/>
               </a:spcBef>
@@ -2887,7 +2766,7 @@
               <a:buChar char="○"/>
               <a:defRPr sz="1200"/>
             </a:lvl2pPr>
-            <a:lvl3pPr indent="-304800" lvl="2" marL="1371600">
+            <a:lvl3pPr marL="1371600" lvl="2" indent="-304800">
               <a:spcBef>
                 <a:spcPts val="1600"/>
               </a:spcBef>
@@ -2898,7 +2777,7 @@
               <a:buChar char="■"/>
               <a:defRPr sz="1200"/>
             </a:lvl3pPr>
-            <a:lvl4pPr indent="-304800" lvl="3" marL="1828800">
+            <a:lvl4pPr marL="1828800" lvl="3" indent="-304800">
               <a:spcBef>
                 <a:spcPts val="1600"/>
               </a:spcBef>
@@ -2909,7 +2788,7 @@
               <a:buChar char="●"/>
               <a:defRPr sz="1200"/>
             </a:lvl4pPr>
-            <a:lvl5pPr indent="-304800" lvl="4" marL="2286000">
+            <a:lvl5pPr marL="2286000" lvl="4" indent="-304800">
               <a:spcBef>
                 <a:spcPts val="1600"/>
               </a:spcBef>
@@ -2920,7 +2799,7 @@
               <a:buChar char="○"/>
               <a:defRPr sz="1200"/>
             </a:lvl5pPr>
-            <a:lvl6pPr indent="-304800" lvl="5" marL="2743200">
+            <a:lvl6pPr marL="2743200" lvl="5" indent="-304800">
               <a:spcBef>
                 <a:spcPts val="1600"/>
               </a:spcBef>
@@ -2931,7 +2810,7 @@
               <a:buChar char="■"/>
               <a:defRPr sz="1200"/>
             </a:lvl6pPr>
-            <a:lvl7pPr indent="-304800" lvl="6" marL="3200400">
+            <a:lvl7pPr marL="3200400" lvl="6" indent="-304800">
               <a:spcBef>
                 <a:spcPts val="1600"/>
               </a:spcBef>
@@ -2942,7 +2821,7 @@
               <a:buChar char="●"/>
               <a:defRPr sz="1200"/>
             </a:lvl7pPr>
-            <a:lvl8pPr indent="-304800" lvl="7" marL="3657600">
+            <a:lvl8pPr marL="3657600" lvl="7" indent="-304800">
               <a:spcBef>
                 <a:spcPts val="1600"/>
               </a:spcBef>
@@ -2953,7 +2832,7 @@
               <a:buChar char="○"/>
               <a:defRPr sz="1200"/>
             </a:lvl8pPr>
-            <a:lvl9pPr indent="-304800" lvl="8" marL="4114800">
+            <a:lvl9pPr marL="4114800" lvl="8" indent="-304800">
               <a:spcBef>
                 <a:spcPts val="1600"/>
               </a:spcBef>
@@ -2965,15 +2844,19 @@
               <a:defRPr sz="1200"/>
             </a:lvl9pPr>
           </a:lstStyle>
-          <a:p/>
+          <a:p>
+            <a:endParaRPr/>
+          </a:p>
         </p:txBody>
       </p:sp>
       <p:sp>
         <p:nvSpPr>
           <p:cNvPr id="23" name="Google Shape;23;p5"/>
-          <p:cNvSpPr txBox="1"/>
+          <p:cNvSpPr txBox="1">
+            <a:spLocks noGrp="1"/>
+          </p:cNvSpPr>
           <p:nvPr>
-            <p:ph idx="2" type="body"/>
+            <p:ph type="body" idx="2"/>
           </p:nvPr>
         </p:nvSpPr>
         <p:spPr>
@@ -2986,11 +2869,11 @@
           </a:prstGeom>
         </p:spPr>
         <p:txBody>
-          <a:bodyPr anchorCtr="0" anchor="t" bIns="91425" lIns="91425" spcFirstLastPara="1" rIns="91425" wrap="square" tIns="91425">
+          <a:bodyPr spcFirstLastPara="1" wrap="square" lIns="91425" tIns="91425" rIns="91425" bIns="91425" anchor="t" anchorCtr="0">
             <a:noAutofit/>
           </a:bodyPr>
           <a:lstStyle>
-            <a:lvl1pPr indent="-317500" lvl="0" marL="457200">
+            <a:lvl1pPr marL="457200" lvl="0" indent="-317500">
               <a:spcBef>
                 <a:spcPts val="0"/>
               </a:spcBef>
@@ -3001,7 +2884,7 @@
               <a:buChar char="●"/>
               <a:defRPr sz="1400"/>
             </a:lvl1pPr>
-            <a:lvl2pPr indent="-304800" lvl="1" marL="914400">
+            <a:lvl2pPr marL="914400" lvl="1" indent="-304800">
               <a:spcBef>
                 <a:spcPts val="1600"/>
               </a:spcBef>
@@ -3012,7 +2895,7 @@
               <a:buChar char="○"/>
               <a:defRPr sz="1200"/>
             </a:lvl2pPr>
-            <a:lvl3pPr indent="-304800" lvl="2" marL="1371600">
+            <a:lvl3pPr marL="1371600" lvl="2" indent="-304800">
               <a:spcBef>
                 <a:spcPts val="1600"/>
               </a:spcBef>
@@ -3023,7 +2906,7 @@
               <a:buChar char="■"/>
               <a:defRPr sz="1200"/>
             </a:lvl3pPr>
-            <a:lvl4pPr indent="-304800" lvl="3" marL="1828800">
+            <a:lvl4pPr marL="1828800" lvl="3" indent="-304800">
               <a:spcBef>
                 <a:spcPts val="1600"/>
               </a:spcBef>
@@ -3034,7 +2917,7 @@
               <a:buChar char="●"/>
               <a:defRPr sz="1200"/>
             </a:lvl4pPr>
-            <a:lvl5pPr indent="-304800" lvl="4" marL="2286000">
+            <a:lvl5pPr marL="2286000" lvl="4" indent="-304800">
               <a:spcBef>
                 <a:spcPts val="1600"/>
               </a:spcBef>
@@ -3045,7 +2928,7 @@
               <a:buChar char="○"/>
               <a:defRPr sz="1200"/>
             </a:lvl5pPr>
-            <a:lvl6pPr indent="-304800" lvl="5" marL="2743200">
+            <a:lvl6pPr marL="2743200" lvl="5" indent="-304800">
               <a:spcBef>
                 <a:spcPts val="1600"/>
               </a:spcBef>
@@ -3056,7 +2939,7 @@
               <a:buChar char="■"/>
               <a:defRPr sz="1200"/>
             </a:lvl6pPr>
-            <a:lvl7pPr indent="-304800" lvl="6" marL="3200400">
+            <a:lvl7pPr marL="3200400" lvl="6" indent="-304800">
               <a:spcBef>
                 <a:spcPts val="1600"/>
               </a:spcBef>
@@ -3067,7 +2950,7 @@
               <a:buChar char="●"/>
               <a:defRPr sz="1200"/>
             </a:lvl7pPr>
-            <a:lvl8pPr indent="-304800" lvl="7" marL="3657600">
+            <a:lvl8pPr marL="3657600" lvl="7" indent="-304800">
               <a:spcBef>
                 <a:spcPts val="1600"/>
               </a:spcBef>
@@ -3078,7 +2961,7 @@
               <a:buChar char="○"/>
               <a:defRPr sz="1200"/>
             </a:lvl8pPr>
-            <a:lvl9pPr indent="-304800" lvl="8" marL="4114800">
+            <a:lvl9pPr marL="4114800" lvl="8" indent="-304800">
               <a:spcBef>
                 <a:spcPts val="1600"/>
               </a:spcBef>
@@ -3090,15 +2973,19 @@
               <a:defRPr sz="1200"/>
             </a:lvl9pPr>
           </a:lstStyle>
-          <a:p/>
+          <a:p>
+            <a:endParaRPr/>
+          </a:p>
         </p:txBody>
       </p:sp>
       <p:sp>
         <p:nvSpPr>
           <p:cNvPr id="24" name="Google Shape;24;p5"/>
-          <p:cNvSpPr txBox="1"/>
+          <p:cNvSpPr txBox="1">
+            <a:spLocks noGrp="1"/>
+          </p:cNvSpPr>
           <p:nvPr>
-            <p:ph idx="12" type="sldNum"/>
+            <p:ph type="sldNum" idx="12"/>
           </p:nvPr>
         </p:nvSpPr>
         <p:spPr>
@@ -3111,7 +2998,7 @@
           </a:prstGeom>
         </p:spPr>
         <p:txBody>
-          <a:bodyPr anchorCtr="0" anchor="ctr" bIns="91425" lIns="91425" spcFirstLastPara="1" rIns="91425" wrap="square" tIns="91425">
+          <a:bodyPr spcFirstLastPara="1" wrap="square" lIns="91425" tIns="91425" rIns="91425" bIns="91425" anchor="ctr" anchorCtr="0">
             <a:noAutofit/>
           </a:bodyPr>
           <a:lstStyle>
@@ -3153,7 +3040,7 @@
             </a:lvl9pPr>
           </a:lstStyle>
           <a:p>
-            <a:pPr indent="0" lvl="0" marL="0" rtl="0" algn="r">
+            <a:pPr marL="0" lvl="0" indent="0" algn="r" rtl="0">
               <a:spcBef>
                 <a:spcPts val="0"/>
               </a:spcBef>
@@ -3179,11 +3066,11 @@
 </file>
 
 <file path=ppt/slideLayouts/slideLayout5.xml><?xml version="1.0" encoding="utf-8"?>
-<p:sldLayout xmlns:a="http://schemas.openxmlformats.org/drawingml/2006/main" xmlns:r="http://schemas.openxmlformats.org/officeDocument/2006/relationships" xmlns:mc="http://schemas.openxmlformats.org/markup-compatibility/2006" xmlns:mv="urn:schemas-microsoft-com:mac:vml" xmlns:p="http://schemas.openxmlformats.org/presentationml/2006/main" xmlns:c="http://schemas.openxmlformats.org/drawingml/2006/chart" xmlns:dgm="http://schemas.openxmlformats.org/drawingml/2006/diagram" xmlns:o="urn:schemas-microsoft-com:office:office" xmlns:v="urn:schemas-microsoft-com:vml" xmlns:pvml="urn:schemas-microsoft-com:office:powerpoint" xmlns:com="http://schemas.openxmlformats.org/drawingml/2006/compatibility" xmlns:p14="http://schemas.microsoft.com/office/powerpoint/2010/main" xmlns:p15="http://schemas.microsoft.com/office/powerpoint/2012/main" xmlns:ahyp="http://schemas.microsoft.com/office/drawing/2018/hyperlinkcolor" matchingName="Title only" type="titleOnly">
+<p:sldLayout xmlns:a="http://schemas.openxmlformats.org/drawingml/2006/main" xmlns:r="http://schemas.openxmlformats.org/officeDocument/2006/relationships" xmlns:p="http://schemas.openxmlformats.org/presentationml/2006/main" matchingName="Title only" type="titleOnly">
   <p:cSld name="TITLE_ONLY">
     <p:spTree>
       <p:nvGrpSpPr>
-        <p:cNvPr id="25" name="Shape 25"/>
+        <p:cNvPr id="1" name="Shape 25"/>
         <p:cNvGrpSpPr/>
         <p:nvPr/>
       </p:nvGrpSpPr>
@@ -3198,7 +3085,9 @@
       <p:sp>
         <p:nvSpPr>
           <p:cNvPr id="26" name="Google Shape;26;p6"/>
-          <p:cNvSpPr txBox="1"/>
+          <p:cNvSpPr txBox="1">
+            <a:spLocks noGrp="1"/>
+          </p:cNvSpPr>
           <p:nvPr>
             <p:ph type="title"/>
           </p:nvPr>
@@ -3213,7 +3102,7 @@
           </a:prstGeom>
         </p:spPr>
         <p:txBody>
-          <a:bodyPr anchorCtr="0" anchor="t" bIns="91425" lIns="91425" spcFirstLastPara="1" rIns="91425" wrap="square" tIns="91425">
+          <a:bodyPr spcFirstLastPara="1" wrap="square" lIns="91425" tIns="91425" rIns="91425" bIns="91425" anchor="t" anchorCtr="0">
             <a:noAutofit/>
           </a:bodyPr>
           <a:lstStyle>
@@ -3317,15 +3206,19 @@
               <a:defRPr/>
             </a:lvl9pPr>
           </a:lstStyle>
-          <a:p/>
+          <a:p>
+            <a:endParaRPr/>
+          </a:p>
         </p:txBody>
       </p:sp>
       <p:sp>
         <p:nvSpPr>
           <p:cNvPr id="27" name="Google Shape;27;p6"/>
-          <p:cNvSpPr txBox="1"/>
+          <p:cNvSpPr txBox="1">
+            <a:spLocks noGrp="1"/>
+          </p:cNvSpPr>
           <p:nvPr>
-            <p:ph idx="12" type="sldNum"/>
+            <p:ph type="sldNum" idx="12"/>
           </p:nvPr>
         </p:nvSpPr>
         <p:spPr>
@@ -3338,7 +3231,7 @@
           </a:prstGeom>
         </p:spPr>
         <p:txBody>
-          <a:bodyPr anchorCtr="0" anchor="ctr" bIns="91425" lIns="91425" spcFirstLastPara="1" rIns="91425" wrap="square" tIns="91425">
+          <a:bodyPr spcFirstLastPara="1" wrap="square" lIns="91425" tIns="91425" rIns="91425" bIns="91425" anchor="ctr" anchorCtr="0">
             <a:noAutofit/>
           </a:bodyPr>
           <a:lstStyle>
@@ -3380,7 +3273,7 @@
             </a:lvl9pPr>
           </a:lstStyle>
           <a:p>
-            <a:pPr indent="0" lvl="0" marL="0" rtl="0" algn="r">
+            <a:pPr marL="0" lvl="0" indent="0" algn="r" rtl="0">
               <a:spcBef>
                 <a:spcPts val="0"/>
               </a:spcBef>
@@ -3406,11 +3299,11 @@
 </file>
 
 <file path=ppt/slideLayouts/slideLayout6.xml><?xml version="1.0" encoding="utf-8"?>
-<p:sldLayout xmlns:a="http://schemas.openxmlformats.org/drawingml/2006/main" xmlns:r="http://schemas.openxmlformats.org/officeDocument/2006/relationships" xmlns:mc="http://schemas.openxmlformats.org/markup-compatibility/2006" xmlns:mv="urn:schemas-microsoft-com:mac:vml" xmlns:p="http://schemas.openxmlformats.org/presentationml/2006/main" xmlns:c="http://schemas.openxmlformats.org/drawingml/2006/chart" xmlns:dgm="http://schemas.openxmlformats.org/drawingml/2006/diagram" xmlns:o="urn:schemas-microsoft-com:office:office" xmlns:v="urn:schemas-microsoft-com:vml" xmlns:pvml="urn:schemas-microsoft-com:office:powerpoint" xmlns:com="http://schemas.openxmlformats.org/drawingml/2006/compatibility" xmlns:p14="http://schemas.microsoft.com/office/powerpoint/2010/main" xmlns:p15="http://schemas.microsoft.com/office/powerpoint/2012/main" xmlns:ahyp="http://schemas.microsoft.com/office/drawing/2018/hyperlinkcolor" matchingName="One column text">
+<p:sldLayout xmlns:a="http://schemas.openxmlformats.org/drawingml/2006/main" xmlns:r="http://schemas.openxmlformats.org/officeDocument/2006/relationships" xmlns:p="http://schemas.openxmlformats.org/presentationml/2006/main" matchingName="One column text">
   <p:cSld name="ONE_COLUMN_TEXT">
     <p:spTree>
       <p:nvGrpSpPr>
-        <p:cNvPr id="28" name="Shape 28"/>
+        <p:cNvPr id="1" name="Shape 28"/>
         <p:cNvGrpSpPr/>
         <p:nvPr/>
       </p:nvGrpSpPr>
@@ -3425,7 +3318,9 @@
       <p:sp>
         <p:nvSpPr>
           <p:cNvPr id="29" name="Google Shape;29;p7"/>
-          <p:cNvSpPr txBox="1"/>
+          <p:cNvSpPr txBox="1">
+            <a:spLocks noGrp="1"/>
+          </p:cNvSpPr>
           <p:nvPr>
             <p:ph type="title"/>
           </p:nvPr>
@@ -3440,7 +3335,7 @@
           </a:prstGeom>
         </p:spPr>
         <p:txBody>
-          <a:bodyPr anchorCtr="0" anchor="b" bIns="91425" lIns="91425" spcFirstLastPara="1" rIns="91425" wrap="square" tIns="91425">
+          <a:bodyPr spcFirstLastPara="1" wrap="square" lIns="91425" tIns="91425" rIns="91425" bIns="91425" anchor="b" anchorCtr="0">
             <a:noAutofit/>
           </a:bodyPr>
           <a:lstStyle>
@@ -3544,15 +3439,19 @@
               <a:defRPr sz="2400"/>
             </a:lvl9pPr>
           </a:lstStyle>
-          <a:p/>
+          <a:p>
+            <a:endParaRPr/>
+          </a:p>
         </p:txBody>
       </p:sp>
       <p:sp>
         <p:nvSpPr>
           <p:cNvPr id="30" name="Google Shape;30;p7"/>
-          <p:cNvSpPr txBox="1"/>
+          <p:cNvSpPr txBox="1">
+            <a:spLocks noGrp="1"/>
+          </p:cNvSpPr>
           <p:nvPr>
-            <p:ph idx="1" type="body"/>
+            <p:ph type="body" idx="1"/>
           </p:nvPr>
         </p:nvSpPr>
         <p:spPr>
@@ -3565,11 +3464,11 @@
           </a:prstGeom>
         </p:spPr>
         <p:txBody>
-          <a:bodyPr anchorCtr="0" anchor="t" bIns="91425" lIns="91425" spcFirstLastPara="1" rIns="91425" wrap="square" tIns="91425">
+          <a:bodyPr spcFirstLastPara="1" wrap="square" lIns="91425" tIns="91425" rIns="91425" bIns="91425" anchor="t" anchorCtr="0">
             <a:noAutofit/>
           </a:bodyPr>
           <a:lstStyle>
-            <a:lvl1pPr indent="-304800" lvl="0" marL="457200">
+            <a:lvl1pPr marL="457200" lvl="0" indent="-304800">
               <a:spcBef>
                 <a:spcPts val="0"/>
               </a:spcBef>
@@ -3580,7 +3479,7 @@
               <a:buChar char="●"/>
               <a:defRPr sz="1200"/>
             </a:lvl1pPr>
-            <a:lvl2pPr indent="-304800" lvl="1" marL="914400">
+            <a:lvl2pPr marL="914400" lvl="1" indent="-304800">
               <a:spcBef>
                 <a:spcPts val="1600"/>
               </a:spcBef>
@@ -3591,7 +3490,7 @@
               <a:buChar char="○"/>
               <a:defRPr sz="1200"/>
             </a:lvl2pPr>
-            <a:lvl3pPr indent="-304800" lvl="2" marL="1371600">
+            <a:lvl3pPr marL="1371600" lvl="2" indent="-304800">
               <a:spcBef>
                 <a:spcPts val="1600"/>
               </a:spcBef>
@@ -3602,7 +3501,7 @@
               <a:buChar char="■"/>
               <a:defRPr sz="1200"/>
             </a:lvl3pPr>
-            <a:lvl4pPr indent="-304800" lvl="3" marL="1828800">
+            <a:lvl4pPr marL="1828800" lvl="3" indent="-304800">
               <a:spcBef>
                 <a:spcPts val="1600"/>
               </a:spcBef>
@@ -3613,7 +3512,7 @@
               <a:buChar char="●"/>
               <a:defRPr sz="1200"/>
             </a:lvl4pPr>
-            <a:lvl5pPr indent="-304800" lvl="4" marL="2286000">
+            <a:lvl5pPr marL="2286000" lvl="4" indent="-304800">
               <a:spcBef>
                 <a:spcPts val="1600"/>
               </a:spcBef>
@@ -3624,7 +3523,7 @@
               <a:buChar char="○"/>
               <a:defRPr sz="1200"/>
             </a:lvl5pPr>
-            <a:lvl6pPr indent="-304800" lvl="5" marL="2743200">
+            <a:lvl6pPr marL="2743200" lvl="5" indent="-304800">
               <a:spcBef>
                 <a:spcPts val="1600"/>
               </a:spcBef>
@@ -3635,7 +3534,7 @@
               <a:buChar char="■"/>
               <a:defRPr sz="1200"/>
             </a:lvl6pPr>
-            <a:lvl7pPr indent="-304800" lvl="6" marL="3200400">
+            <a:lvl7pPr marL="3200400" lvl="6" indent="-304800">
               <a:spcBef>
                 <a:spcPts val="1600"/>
               </a:spcBef>
@@ -3646,7 +3545,7 @@
               <a:buChar char="●"/>
               <a:defRPr sz="1200"/>
             </a:lvl7pPr>
-            <a:lvl8pPr indent="-304800" lvl="7" marL="3657600">
+            <a:lvl8pPr marL="3657600" lvl="7" indent="-304800">
               <a:spcBef>
                 <a:spcPts val="1600"/>
               </a:spcBef>
@@ -3657,7 +3556,7 @@
               <a:buChar char="○"/>
               <a:defRPr sz="1200"/>
             </a:lvl8pPr>
-            <a:lvl9pPr indent="-304800" lvl="8" marL="4114800">
+            <a:lvl9pPr marL="4114800" lvl="8" indent="-304800">
               <a:spcBef>
                 <a:spcPts val="1600"/>
               </a:spcBef>
@@ -3669,15 +3568,19 @@
               <a:defRPr sz="1200"/>
             </a:lvl9pPr>
           </a:lstStyle>
-          <a:p/>
+          <a:p>
+            <a:endParaRPr/>
+          </a:p>
         </p:txBody>
       </p:sp>
       <p:sp>
         <p:nvSpPr>
           <p:cNvPr id="31" name="Google Shape;31;p7"/>
-          <p:cNvSpPr txBox="1"/>
+          <p:cNvSpPr txBox="1">
+            <a:spLocks noGrp="1"/>
+          </p:cNvSpPr>
           <p:nvPr>
-            <p:ph idx="12" type="sldNum"/>
+            <p:ph type="sldNum" idx="12"/>
           </p:nvPr>
         </p:nvSpPr>
         <p:spPr>
@@ -3690,7 +3593,7 @@
           </a:prstGeom>
         </p:spPr>
         <p:txBody>
-          <a:bodyPr anchorCtr="0" anchor="ctr" bIns="91425" lIns="91425" spcFirstLastPara="1" rIns="91425" wrap="square" tIns="91425">
+          <a:bodyPr spcFirstLastPara="1" wrap="square" lIns="91425" tIns="91425" rIns="91425" bIns="91425" anchor="ctr" anchorCtr="0">
             <a:noAutofit/>
           </a:bodyPr>
           <a:lstStyle>
@@ -3732,7 +3635,7 @@
             </a:lvl9pPr>
           </a:lstStyle>
           <a:p>
-            <a:pPr indent="0" lvl="0" marL="0" rtl="0" algn="r">
+            <a:pPr marL="0" lvl="0" indent="0" algn="r" rtl="0">
               <a:spcBef>
                 <a:spcPts val="0"/>
               </a:spcBef>
@@ -3758,11 +3661,11 @@
 </file>
 
 <file path=ppt/slideLayouts/slideLayout7.xml><?xml version="1.0" encoding="utf-8"?>
-<p:sldLayout xmlns:a="http://schemas.openxmlformats.org/drawingml/2006/main" xmlns:r="http://schemas.openxmlformats.org/officeDocument/2006/relationships" xmlns:mc="http://schemas.openxmlformats.org/markup-compatibility/2006" xmlns:mv="urn:schemas-microsoft-com:mac:vml" xmlns:p="http://schemas.openxmlformats.org/presentationml/2006/main" xmlns:c="http://schemas.openxmlformats.org/drawingml/2006/chart" xmlns:dgm="http://schemas.openxmlformats.org/drawingml/2006/diagram" xmlns:o="urn:schemas-microsoft-com:office:office" xmlns:v="urn:schemas-microsoft-com:vml" xmlns:pvml="urn:schemas-microsoft-com:office:powerpoint" xmlns:com="http://schemas.openxmlformats.org/drawingml/2006/compatibility" xmlns:p14="http://schemas.microsoft.com/office/powerpoint/2010/main" xmlns:p15="http://schemas.microsoft.com/office/powerpoint/2012/main" xmlns:ahyp="http://schemas.microsoft.com/office/drawing/2018/hyperlinkcolor" matchingName="Main point">
+<p:sldLayout xmlns:a="http://schemas.openxmlformats.org/drawingml/2006/main" xmlns:r="http://schemas.openxmlformats.org/officeDocument/2006/relationships" xmlns:p="http://schemas.openxmlformats.org/presentationml/2006/main" matchingName="Main point">
   <p:cSld name="MAIN_POINT">
     <p:spTree>
       <p:nvGrpSpPr>
-        <p:cNvPr id="32" name="Shape 32"/>
+        <p:cNvPr id="1" name="Shape 32"/>
         <p:cNvGrpSpPr/>
         <p:nvPr/>
       </p:nvGrpSpPr>
@@ -3777,7 +3680,9 @@
       <p:sp>
         <p:nvSpPr>
           <p:cNvPr id="33" name="Google Shape;33;p8"/>
-          <p:cNvSpPr txBox="1"/>
+          <p:cNvSpPr txBox="1">
+            <a:spLocks noGrp="1"/>
+          </p:cNvSpPr>
           <p:nvPr>
             <p:ph type="title"/>
           </p:nvPr>
@@ -3792,7 +3697,7 @@
           </a:prstGeom>
         </p:spPr>
         <p:txBody>
-          <a:bodyPr anchorCtr="0" anchor="ctr" bIns="91425" lIns="91425" spcFirstLastPara="1" rIns="91425" wrap="square" tIns="91425">
+          <a:bodyPr spcFirstLastPara="1" wrap="square" lIns="91425" tIns="91425" rIns="91425" bIns="91425" anchor="ctr" anchorCtr="0">
             <a:noAutofit/>
           </a:bodyPr>
           <a:lstStyle>
@@ -3896,15 +3801,19 @@
               <a:defRPr sz="4800"/>
             </a:lvl9pPr>
           </a:lstStyle>
-          <a:p/>
+          <a:p>
+            <a:endParaRPr/>
+          </a:p>
         </p:txBody>
       </p:sp>
       <p:sp>
         <p:nvSpPr>
           <p:cNvPr id="34" name="Google Shape;34;p8"/>
-          <p:cNvSpPr txBox="1"/>
+          <p:cNvSpPr txBox="1">
+            <a:spLocks noGrp="1"/>
+          </p:cNvSpPr>
           <p:nvPr>
-            <p:ph idx="12" type="sldNum"/>
+            <p:ph type="sldNum" idx="12"/>
           </p:nvPr>
         </p:nvSpPr>
         <p:spPr>
@@ -3917,7 +3826,7 @@
           </a:prstGeom>
         </p:spPr>
         <p:txBody>
-          <a:bodyPr anchorCtr="0" anchor="ctr" bIns="91425" lIns="91425" spcFirstLastPara="1" rIns="91425" wrap="square" tIns="91425">
+          <a:bodyPr spcFirstLastPara="1" wrap="square" lIns="91425" tIns="91425" rIns="91425" bIns="91425" anchor="ctr" anchorCtr="0">
             <a:noAutofit/>
           </a:bodyPr>
           <a:lstStyle>
@@ -3959,7 +3868,7 @@
             </a:lvl9pPr>
           </a:lstStyle>
           <a:p>
-            <a:pPr indent="0" lvl="0" marL="0" rtl="0" algn="r">
+            <a:pPr marL="0" lvl="0" indent="0" algn="r" rtl="0">
               <a:spcBef>
                 <a:spcPts val="0"/>
               </a:spcBef>
@@ -3985,11 +3894,11 @@
 </file>
 
 <file path=ppt/slideLayouts/slideLayout8.xml><?xml version="1.0" encoding="utf-8"?>
-<p:sldLayout xmlns:a="http://schemas.openxmlformats.org/drawingml/2006/main" xmlns:r="http://schemas.openxmlformats.org/officeDocument/2006/relationships" xmlns:mc="http://schemas.openxmlformats.org/markup-compatibility/2006" xmlns:mv="urn:schemas-microsoft-com:mac:vml" xmlns:p="http://schemas.openxmlformats.org/presentationml/2006/main" xmlns:c="http://schemas.openxmlformats.org/drawingml/2006/chart" xmlns:dgm="http://schemas.openxmlformats.org/drawingml/2006/diagram" xmlns:o="urn:schemas-microsoft-com:office:office" xmlns:v="urn:schemas-microsoft-com:vml" xmlns:pvml="urn:schemas-microsoft-com:office:powerpoint" xmlns:com="http://schemas.openxmlformats.org/drawingml/2006/compatibility" xmlns:p14="http://schemas.microsoft.com/office/powerpoint/2010/main" xmlns:p15="http://schemas.microsoft.com/office/powerpoint/2012/main" xmlns:ahyp="http://schemas.microsoft.com/office/drawing/2018/hyperlinkcolor" matchingName="Section title and description">
+<p:sldLayout xmlns:a="http://schemas.openxmlformats.org/drawingml/2006/main" xmlns:r="http://schemas.openxmlformats.org/officeDocument/2006/relationships" xmlns:p="http://schemas.openxmlformats.org/presentationml/2006/main" matchingName="Section title and description">
   <p:cSld name="SECTION_TITLE_AND_DESCRIPTION">
     <p:spTree>
       <p:nvGrpSpPr>
-        <p:cNvPr id="35" name="Shape 35"/>
+        <p:cNvPr id="1" name="Shape 35"/>
         <p:cNvGrpSpPr/>
         <p:nvPr/>
       </p:nvGrpSpPr>
@@ -4023,12 +3932,12 @@
           </a:ln>
         </p:spPr>
         <p:txBody>
-          <a:bodyPr anchorCtr="0" anchor="ctr" bIns="91425" lIns="91425" spcFirstLastPara="1" rIns="91425" wrap="square" tIns="91425">
+          <a:bodyPr spcFirstLastPara="1" wrap="square" lIns="91425" tIns="91425" rIns="91425" bIns="91425" anchor="ctr" anchorCtr="0">
             <a:noAutofit/>
           </a:bodyPr>
           <a:lstStyle/>
           <a:p>
-            <a:pPr indent="0" lvl="0" marL="0" rtl="0" algn="l">
+            <a:pPr marL="0" lvl="0" indent="0" algn="l" rtl="0">
               <a:spcBef>
                 <a:spcPts val="0"/>
               </a:spcBef>
@@ -4037,9 +3946,6 @@
               </a:spcAft>
               <a:buNone/>
             </a:pPr>
-            <a:r>
-              <a:t/>
-            </a:r>
             <a:endParaRPr/>
           </a:p>
         </p:txBody>
@@ -4047,7 +3953,9 @@
       <p:sp>
         <p:nvSpPr>
           <p:cNvPr id="37" name="Google Shape;37;p9"/>
-          <p:cNvSpPr txBox="1"/>
+          <p:cNvSpPr txBox="1">
+            <a:spLocks noGrp="1"/>
+          </p:cNvSpPr>
           <p:nvPr>
             <p:ph type="title"/>
           </p:nvPr>
@@ -4062,7 +3970,7 @@
           </a:prstGeom>
         </p:spPr>
         <p:txBody>
-          <a:bodyPr anchorCtr="0" anchor="b" bIns="91425" lIns="91425" spcFirstLastPara="1" rIns="91425" wrap="square" tIns="91425">
+          <a:bodyPr spcFirstLastPara="1" wrap="square" lIns="91425" tIns="91425" rIns="91425" bIns="91425" anchor="b" anchorCtr="0">
             <a:noAutofit/>
           </a:bodyPr>
           <a:lstStyle>
@@ -4166,15 +4074,19 @@
               <a:defRPr sz="4200"/>
             </a:lvl9pPr>
           </a:lstStyle>
-          <a:p/>
+          <a:p>
+            <a:endParaRPr/>
+          </a:p>
         </p:txBody>
       </p:sp>
       <p:sp>
         <p:nvSpPr>
           <p:cNvPr id="38" name="Google Shape;38;p9"/>
-          <p:cNvSpPr txBox="1"/>
+          <p:cNvSpPr txBox="1">
+            <a:spLocks noGrp="1"/>
+          </p:cNvSpPr>
           <p:nvPr>
-            <p:ph idx="1" type="subTitle"/>
+            <p:ph type="subTitle" idx="1"/>
           </p:nvPr>
         </p:nvSpPr>
         <p:spPr>
@@ -4187,7 +4099,7 @@
           </a:prstGeom>
         </p:spPr>
         <p:txBody>
-          <a:bodyPr anchorCtr="0" anchor="t" bIns="91425" lIns="91425" spcFirstLastPara="1" rIns="91425" wrap="square" tIns="91425">
+          <a:bodyPr spcFirstLastPara="1" wrap="square" lIns="91425" tIns="91425" rIns="91425" bIns="91425" anchor="t" anchorCtr="0">
             <a:noAutofit/>
           </a:bodyPr>
           <a:lstStyle>
@@ -4318,15 +4230,19 @@
               <a:defRPr sz="2100"/>
             </a:lvl9pPr>
           </a:lstStyle>
-          <a:p/>
+          <a:p>
+            <a:endParaRPr/>
+          </a:p>
         </p:txBody>
       </p:sp>
       <p:sp>
         <p:nvSpPr>
           <p:cNvPr id="39" name="Google Shape;39;p9"/>
-          <p:cNvSpPr txBox="1"/>
+          <p:cNvSpPr txBox="1">
+            <a:spLocks noGrp="1"/>
+          </p:cNvSpPr>
           <p:nvPr>
-            <p:ph idx="2" type="body"/>
+            <p:ph type="body" idx="2"/>
           </p:nvPr>
         </p:nvSpPr>
         <p:spPr>
@@ -4339,11 +4255,11 @@
           </a:prstGeom>
         </p:spPr>
         <p:txBody>
-          <a:bodyPr anchorCtr="0" anchor="ctr" bIns="91425" lIns="91425" spcFirstLastPara="1" rIns="91425" wrap="square" tIns="91425">
+          <a:bodyPr spcFirstLastPara="1" wrap="square" lIns="91425" tIns="91425" rIns="91425" bIns="91425" anchor="ctr" anchorCtr="0">
             <a:noAutofit/>
           </a:bodyPr>
           <a:lstStyle>
-            <a:lvl1pPr indent="-342900" lvl="0" marL="457200">
+            <a:lvl1pPr marL="457200" lvl="0" indent="-342900">
               <a:spcBef>
                 <a:spcPts val="0"/>
               </a:spcBef>
@@ -4361,7 +4277,7 @@
                 </a:solidFill>
               </a:defRPr>
             </a:lvl1pPr>
-            <a:lvl2pPr indent="-317500" lvl="1" marL="914400">
+            <a:lvl2pPr marL="914400" lvl="1" indent="-317500">
               <a:spcBef>
                 <a:spcPts val="1600"/>
               </a:spcBef>
@@ -4379,7 +4295,7 @@
                 </a:solidFill>
               </a:defRPr>
             </a:lvl2pPr>
-            <a:lvl3pPr indent="-317500" lvl="2" marL="1371600">
+            <a:lvl3pPr marL="1371600" lvl="2" indent="-317500">
               <a:spcBef>
                 <a:spcPts val="1600"/>
               </a:spcBef>
@@ -4397,7 +4313,7 @@
                 </a:solidFill>
               </a:defRPr>
             </a:lvl3pPr>
-            <a:lvl4pPr indent="-317500" lvl="3" marL="1828800">
+            <a:lvl4pPr marL="1828800" lvl="3" indent="-317500">
               <a:spcBef>
                 <a:spcPts val="1600"/>
               </a:spcBef>
@@ -4415,7 +4331,7 @@
                 </a:solidFill>
               </a:defRPr>
             </a:lvl4pPr>
-            <a:lvl5pPr indent="-317500" lvl="4" marL="2286000">
+            <a:lvl5pPr marL="2286000" lvl="4" indent="-317500">
               <a:spcBef>
                 <a:spcPts val="1600"/>
               </a:spcBef>
@@ -4433,7 +4349,7 @@
                 </a:solidFill>
               </a:defRPr>
             </a:lvl5pPr>
-            <a:lvl6pPr indent="-317500" lvl="5" marL="2743200">
+            <a:lvl6pPr marL="2743200" lvl="5" indent="-317500">
               <a:spcBef>
                 <a:spcPts val="1600"/>
               </a:spcBef>
@@ -4451,7 +4367,7 @@
                 </a:solidFill>
               </a:defRPr>
             </a:lvl6pPr>
-            <a:lvl7pPr indent="-317500" lvl="6" marL="3200400">
+            <a:lvl7pPr marL="3200400" lvl="6" indent="-317500">
               <a:spcBef>
                 <a:spcPts val="1600"/>
               </a:spcBef>
@@ -4469,7 +4385,7 @@
                 </a:solidFill>
               </a:defRPr>
             </a:lvl7pPr>
-            <a:lvl8pPr indent="-317500" lvl="7" marL="3657600">
+            <a:lvl8pPr marL="3657600" lvl="7" indent="-317500">
               <a:spcBef>
                 <a:spcPts val="1600"/>
               </a:spcBef>
@@ -4487,7 +4403,7 @@
                 </a:solidFill>
               </a:defRPr>
             </a:lvl8pPr>
-            <a:lvl9pPr indent="-317500" lvl="8" marL="4114800">
+            <a:lvl9pPr marL="4114800" lvl="8" indent="-317500">
               <a:spcBef>
                 <a:spcPts val="1600"/>
               </a:spcBef>
@@ -4506,15 +4422,19 @@
               </a:defRPr>
             </a:lvl9pPr>
           </a:lstStyle>
-          <a:p/>
+          <a:p>
+            <a:endParaRPr/>
+          </a:p>
         </p:txBody>
       </p:sp>
       <p:sp>
         <p:nvSpPr>
           <p:cNvPr id="40" name="Google Shape;40;p9"/>
-          <p:cNvSpPr txBox="1"/>
+          <p:cNvSpPr txBox="1">
+            <a:spLocks noGrp="1"/>
+          </p:cNvSpPr>
           <p:nvPr>
-            <p:ph idx="12" type="sldNum"/>
+            <p:ph type="sldNum" idx="12"/>
           </p:nvPr>
         </p:nvSpPr>
         <p:spPr>
@@ -4527,7 +4447,7 @@
           </a:prstGeom>
         </p:spPr>
         <p:txBody>
-          <a:bodyPr anchorCtr="0" anchor="ctr" bIns="91425" lIns="91425" spcFirstLastPara="1" rIns="91425" wrap="square" tIns="91425">
+          <a:bodyPr spcFirstLastPara="1" wrap="square" lIns="91425" tIns="91425" rIns="91425" bIns="91425" anchor="ctr" anchorCtr="0">
             <a:noAutofit/>
           </a:bodyPr>
           <a:lstStyle>
@@ -4569,7 +4489,7 @@
             </a:lvl9pPr>
           </a:lstStyle>
           <a:p>
-            <a:pPr indent="0" lvl="0" marL="0" rtl="0" algn="r">
+            <a:pPr marL="0" lvl="0" indent="0" algn="r" rtl="0">
               <a:spcBef>
                 <a:spcPts val="0"/>
               </a:spcBef>
@@ -4595,11 +4515,11 @@
 </file>
 
 <file path=ppt/slideLayouts/slideLayout9.xml><?xml version="1.0" encoding="utf-8"?>
-<p:sldLayout xmlns:a="http://schemas.openxmlformats.org/drawingml/2006/main" xmlns:r="http://schemas.openxmlformats.org/officeDocument/2006/relationships" xmlns:mc="http://schemas.openxmlformats.org/markup-compatibility/2006" xmlns:mv="urn:schemas-microsoft-com:mac:vml" xmlns:p="http://schemas.openxmlformats.org/presentationml/2006/main" xmlns:c="http://schemas.openxmlformats.org/drawingml/2006/chart" xmlns:dgm="http://schemas.openxmlformats.org/drawingml/2006/diagram" xmlns:o="urn:schemas-microsoft-com:office:office" xmlns:v="urn:schemas-microsoft-com:vml" xmlns:pvml="urn:schemas-microsoft-com:office:powerpoint" xmlns:com="http://schemas.openxmlformats.org/drawingml/2006/compatibility" xmlns:p14="http://schemas.microsoft.com/office/powerpoint/2010/main" xmlns:p15="http://schemas.microsoft.com/office/powerpoint/2012/main" xmlns:ahyp="http://schemas.microsoft.com/office/drawing/2018/hyperlinkcolor" matchingName="Caption">
+<p:sldLayout xmlns:a="http://schemas.openxmlformats.org/drawingml/2006/main" xmlns:r="http://schemas.openxmlformats.org/officeDocument/2006/relationships" xmlns:p="http://schemas.openxmlformats.org/presentationml/2006/main" matchingName="Caption">
   <p:cSld name="CAPTION_ONLY">
     <p:spTree>
       <p:nvGrpSpPr>
-        <p:cNvPr id="41" name="Shape 41"/>
+        <p:cNvPr id="1" name="Shape 41"/>
         <p:cNvGrpSpPr/>
         <p:nvPr/>
       </p:nvGrpSpPr>
@@ -4614,9 +4534,11 @@
       <p:sp>
         <p:nvSpPr>
           <p:cNvPr id="42" name="Google Shape;42;p10"/>
-          <p:cNvSpPr txBox="1"/>
+          <p:cNvSpPr txBox="1">
+            <a:spLocks noGrp="1"/>
+          </p:cNvSpPr>
           <p:nvPr>
-            <p:ph idx="1" type="body"/>
+            <p:ph type="body" idx="1"/>
           </p:nvPr>
         </p:nvSpPr>
         <p:spPr>
@@ -4629,11 +4551,11 @@
           </a:prstGeom>
         </p:spPr>
         <p:txBody>
-          <a:bodyPr anchorCtr="0" anchor="ctr" bIns="91425" lIns="91425" spcFirstLastPara="1" rIns="91425" wrap="square" tIns="91425">
+          <a:bodyPr spcFirstLastPara="1" wrap="square" lIns="91425" tIns="91425" rIns="91425" bIns="91425" anchor="ctr" anchorCtr="0">
             <a:noAutofit/>
           </a:bodyPr>
           <a:lstStyle>
-            <a:lvl1pPr indent="-228600" lvl="0" marL="457200">
+            <a:lvl1pPr marL="457200" lvl="0" indent="-228600">
               <a:lnSpc>
                 <a:spcPct val="100000"/>
               </a:lnSpc>
@@ -4648,15 +4570,19 @@
               <a:defRPr/>
             </a:lvl1pPr>
           </a:lstStyle>
-          <a:p/>
+          <a:p>
+            <a:endParaRPr/>
+          </a:p>
         </p:txBody>
       </p:sp>
       <p:sp>
         <p:nvSpPr>
           <p:cNvPr id="43" name="Google Shape;43;p10"/>
-          <p:cNvSpPr txBox="1"/>
+          <p:cNvSpPr txBox="1">
+            <a:spLocks noGrp="1"/>
+          </p:cNvSpPr>
           <p:nvPr>
-            <p:ph idx="12" type="sldNum"/>
+            <p:ph type="sldNum" idx="12"/>
           </p:nvPr>
         </p:nvSpPr>
         <p:spPr>
@@ -4669,7 +4595,7 @@
           </a:prstGeom>
         </p:spPr>
         <p:txBody>
-          <a:bodyPr anchorCtr="0" anchor="ctr" bIns="91425" lIns="91425" spcFirstLastPara="1" rIns="91425" wrap="square" tIns="91425">
+          <a:bodyPr spcFirstLastPara="1" wrap="square" lIns="91425" tIns="91425" rIns="91425" bIns="91425" anchor="ctr" anchorCtr="0">
             <a:noAutofit/>
           </a:bodyPr>
           <a:lstStyle>
@@ -4711,7 +4637,7 @@
             </a:lvl9pPr>
           </a:lstStyle>
           <a:p>
-            <a:pPr indent="0" lvl="0" marL="0" rtl="0" algn="r">
+            <a:pPr marL="0" lvl="0" indent="0" algn="r" rtl="0">
               <a:spcBef>
                 <a:spcPts val="0"/>
               </a:spcBef>
@@ -4737,18 +4663,19 @@
 </file>
 
 <file path=ppt/slideMasters/slideMaster1.xml><?xml version="1.0" encoding="utf-8"?>
-<p:sldMaster xmlns:a="http://schemas.openxmlformats.org/drawingml/2006/main" xmlns:r="http://schemas.openxmlformats.org/officeDocument/2006/relationships" xmlns:mc="http://schemas.openxmlformats.org/markup-compatibility/2006" xmlns:mv="urn:schemas-microsoft-com:mac:vml" xmlns:p="http://schemas.openxmlformats.org/presentationml/2006/main" xmlns:c="http://schemas.openxmlformats.org/drawingml/2006/chart" xmlns:dgm="http://schemas.openxmlformats.org/drawingml/2006/diagram" xmlns:o="urn:schemas-microsoft-com:office:office" xmlns:v="urn:schemas-microsoft-com:vml" xmlns:pvml="urn:schemas-microsoft-com:office:powerpoint" xmlns:com="http://schemas.openxmlformats.org/drawingml/2006/compatibility" xmlns:p14="http://schemas.microsoft.com/office/powerpoint/2010/main" xmlns:p15="http://schemas.microsoft.com/office/powerpoint/2012/main" xmlns:ahyp="http://schemas.microsoft.com/office/drawing/2018/hyperlinkcolor">
+<p:sldMaster xmlns:a="http://schemas.openxmlformats.org/drawingml/2006/main" xmlns:r="http://schemas.openxmlformats.org/officeDocument/2006/relationships" xmlns:p="http://schemas.openxmlformats.org/presentationml/2006/main">
   <p:cSld name="simple-dark-2">
     <p:bg>
       <p:bgPr>
         <a:solidFill>
           <a:schemeClr val="lt1"/>
         </a:solidFill>
+        <a:effectLst/>
       </p:bgPr>
     </p:bg>
     <p:spTree>
       <p:nvGrpSpPr>
-        <p:cNvPr id="5" name="Shape 5"/>
+        <p:cNvPr id="1" name="Shape 5"/>
         <p:cNvGrpSpPr/>
         <p:nvPr/>
       </p:nvGrpSpPr>
@@ -4763,7 +4690,9 @@
       <p:sp>
         <p:nvSpPr>
           <p:cNvPr id="6" name="Google Shape;6;p1"/>
-          <p:cNvSpPr txBox="1"/>
+          <p:cNvSpPr txBox="1">
+            <a:spLocks noGrp="1"/>
+          </p:cNvSpPr>
           <p:nvPr>
             <p:ph type="title"/>
           </p:nvPr>
@@ -4782,7 +4711,7 @@
           </a:ln>
         </p:spPr>
         <p:txBody>
-          <a:bodyPr anchorCtr="0" anchor="t" bIns="91425" lIns="91425" spcFirstLastPara="1" rIns="91425" wrap="square" tIns="91425">
+          <a:bodyPr spcFirstLastPara="1" wrap="square" lIns="91425" tIns="91425" rIns="91425" bIns="91425" anchor="t" anchorCtr="0">
             <a:noAutofit/>
           </a:bodyPr>
           <a:lstStyle>
@@ -4949,15 +4878,19 @@
               </a:defRPr>
             </a:lvl9pPr>
           </a:lstStyle>
-          <a:p/>
+          <a:p>
+            <a:endParaRPr/>
+          </a:p>
         </p:txBody>
       </p:sp>
       <p:sp>
         <p:nvSpPr>
           <p:cNvPr id="7" name="Google Shape;7;p1"/>
-          <p:cNvSpPr txBox="1"/>
+          <p:cNvSpPr txBox="1">
+            <a:spLocks noGrp="1"/>
+          </p:cNvSpPr>
           <p:nvPr>
-            <p:ph idx="1" type="body"/>
+            <p:ph type="body" idx="1"/>
           </p:nvPr>
         </p:nvSpPr>
         <p:spPr>
@@ -4974,11 +4907,11 @@
           </a:ln>
         </p:spPr>
         <p:txBody>
-          <a:bodyPr anchorCtr="0" anchor="t" bIns="91425" lIns="91425" spcFirstLastPara="1" rIns="91425" wrap="square" tIns="91425">
+          <a:bodyPr spcFirstLastPara="1" wrap="square" lIns="91425" tIns="91425" rIns="91425" bIns="91425" anchor="t" anchorCtr="0">
             <a:noAutofit/>
           </a:bodyPr>
           <a:lstStyle>
-            <a:lvl1pPr indent="-342900" lvl="0" marL="457200">
+            <a:lvl1pPr marL="457200" lvl="0" indent="-342900">
               <a:lnSpc>
                 <a:spcPct val="115000"/>
               </a:lnSpc>
@@ -4999,7 +4932,7 @@
                 </a:solidFill>
               </a:defRPr>
             </a:lvl1pPr>
-            <a:lvl2pPr indent="-317500" lvl="1" marL="914400">
+            <a:lvl2pPr marL="914400" lvl="1" indent="-317500">
               <a:lnSpc>
                 <a:spcPct val="115000"/>
               </a:lnSpc>
@@ -5020,7 +4953,7 @@
                 </a:solidFill>
               </a:defRPr>
             </a:lvl2pPr>
-            <a:lvl3pPr indent="-317500" lvl="2" marL="1371600">
+            <a:lvl3pPr marL="1371600" lvl="2" indent="-317500">
               <a:lnSpc>
                 <a:spcPct val="115000"/>
               </a:lnSpc>
@@ -5041,7 +4974,7 @@
                 </a:solidFill>
               </a:defRPr>
             </a:lvl3pPr>
-            <a:lvl4pPr indent="-317500" lvl="3" marL="1828800">
+            <a:lvl4pPr marL="1828800" lvl="3" indent="-317500">
               <a:lnSpc>
                 <a:spcPct val="115000"/>
               </a:lnSpc>
@@ -5062,7 +4995,7 @@
                 </a:solidFill>
               </a:defRPr>
             </a:lvl4pPr>
-            <a:lvl5pPr indent="-317500" lvl="4" marL="2286000">
+            <a:lvl5pPr marL="2286000" lvl="4" indent="-317500">
               <a:lnSpc>
                 <a:spcPct val="115000"/>
               </a:lnSpc>
@@ -5083,7 +5016,7 @@
                 </a:solidFill>
               </a:defRPr>
             </a:lvl5pPr>
-            <a:lvl6pPr indent="-317500" lvl="5" marL="2743200">
+            <a:lvl6pPr marL="2743200" lvl="5" indent="-317500">
               <a:lnSpc>
                 <a:spcPct val="115000"/>
               </a:lnSpc>
@@ -5104,7 +5037,7 @@
                 </a:solidFill>
               </a:defRPr>
             </a:lvl6pPr>
-            <a:lvl7pPr indent="-317500" lvl="6" marL="3200400">
+            <a:lvl7pPr marL="3200400" lvl="6" indent="-317500">
               <a:lnSpc>
                 <a:spcPct val="115000"/>
               </a:lnSpc>
@@ -5125,7 +5058,7 @@
                 </a:solidFill>
               </a:defRPr>
             </a:lvl7pPr>
-            <a:lvl8pPr indent="-317500" lvl="7" marL="3657600">
+            <a:lvl8pPr marL="3657600" lvl="7" indent="-317500">
               <a:lnSpc>
                 <a:spcPct val="115000"/>
               </a:lnSpc>
@@ -5146,7 +5079,7 @@
                 </a:solidFill>
               </a:defRPr>
             </a:lvl8pPr>
-            <a:lvl9pPr indent="-317500" lvl="8" marL="4114800">
+            <a:lvl9pPr marL="4114800" lvl="8" indent="-317500">
               <a:lnSpc>
                 <a:spcPct val="115000"/>
               </a:lnSpc>
@@ -5168,15 +5101,19 @@
               </a:defRPr>
             </a:lvl9pPr>
           </a:lstStyle>
-          <a:p/>
+          <a:p>
+            <a:endParaRPr/>
+          </a:p>
         </p:txBody>
       </p:sp>
       <p:sp>
         <p:nvSpPr>
           <p:cNvPr id="8" name="Google Shape;8;p1"/>
-          <p:cNvSpPr txBox="1"/>
+          <p:cNvSpPr txBox="1">
+            <a:spLocks noGrp="1"/>
+          </p:cNvSpPr>
           <p:nvPr>
-            <p:ph idx="12" type="sldNum"/>
+            <p:ph type="sldNum" idx="12"/>
           </p:nvPr>
         </p:nvSpPr>
         <p:spPr>
@@ -5193,7 +5130,7 @@
           </a:ln>
         </p:spPr>
         <p:txBody>
-          <a:bodyPr anchorCtr="0" anchor="ctr" bIns="91425" lIns="91425" spcFirstLastPara="1" rIns="91425" wrap="square" tIns="91425">
+          <a:bodyPr spcFirstLastPara="1" wrap="square" lIns="91425" tIns="91425" rIns="91425" bIns="91425" anchor="ctr" anchorCtr="0">
             <a:noAutofit/>
           </a:bodyPr>
           <a:lstStyle>
@@ -5271,7 +5208,7 @@
             </a:lvl9pPr>
           </a:lstStyle>
           <a:p>
-            <a:pPr indent="0" lvl="0" marL="0" rtl="0" algn="r">
+            <a:pPr marL="0" lvl="0" indent="0" algn="r" rtl="0">
               <a:spcBef>
                 <a:spcPts val="0"/>
               </a:spcBef>
@@ -5290,7 +5227,7 @@
       </p:sp>
     </p:spTree>
   </p:cSld>
-  <p:clrMap accent1="accent1" accent2="accent2" accent3="accent3" accent4="accent4" accent5="accent5" accent6="accent6" bg1="lt1" bg2="dk2" tx1="dk1" tx2="lt2" folHlink="folHlink" hlink="hlink"/>
+  <p:clrMap bg1="lt1" tx1="dk1" bg2="dk2" tx2="lt2" accent1="accent1" accent2="accent2" accent3="accent3" accent4="accent4" accent5="accent5" accent6="accent6" hlink="hlink" folHlink="folHlink"/>
   <p:sldLayoutIdLst>
     <p:sldLayoutId id="2147483648" r:id="rId1"/>
     <p:sldLayoutId id="2147483649" r:id="rId2"/>
@@ -5304,10 +5241,10 @@
     <p:sldLayoutId id="2147483657" r:id="rId10"/>
     <p:sldLayoutId id="2147483658" r:id="rId11"/>
   </p:sldLayoutIdLst>
-  <p:hf dt="0" ftr="0" hdr="0" sldNum="0"/>
+  <p:hf sldNum="0" hdr="0" ftr="0" dt="0"/>
   <p:txStyles>
     <p:titleStyle>
-      <a:defPPr lvl="0" marR="0" rtl="0" algn="l">
+      <a:defPPr marR="0" lvl="0" algn="l" rtl="0">
         <a:lnSpc>
           <a:spcPct val="100000"/>
         </a:lnSpc>
@@ -5318,7 +5255,7 @@
           <a:spcPts val="0"/>
         </a:spcAft>
       </a:defPPr>
-      <a:lvl1pPr lvl="0" marR="0" rtl="0" algn="l">
+      <a:lvl1pPr marR="0" lvl="0" algn="l" rtl="0">
         <a:lnSpc>
           <a:spcPct val="100000"/>
         </a:lnSpc>
@@ -5332,7 +5269,7 @@
           <a:srgbClr val="000000"/>
         </a:buClr>
         <a:buFont typeface="Arial"/>
-        <a:defRPr b="0" i="0" sz="1400" u="none" cap="none" strike="noStrike">
+        <a:defRPr sz="1400" b="0" i="0" u="none" strike="noStrike" cap="none">
           <a:solidFill>
             <a:srgbClr val="000000"/>
           </a:solidFill>
@@ -5342,7 +5279,7 @@
           <a:sym typeface="Arial"/>
         </a:defRPr>
       </a:lvl1pPr>
-      <a:lvl2pPr lvl="1" marR="0" rtl="0" algn="l">
+      <a:lvl2pPr marR="0" lvl="1" algn="l" rtl="0">
         <a:lnSpc>
           <a:spcPct val="100000"/>
         </a:lnSpc>
@@ -5356,7 +5293,7 @@
           <a:srgbClr val="000000"/>
         </a:buClr>
         <a:buFont typeface="Arial"/>
-        <a:defRPr b="0" i="0" sz="1400" u="none" cap="none" strike="noStrike">
+        <a:defRPr sz="1400" b="0" i="0" u="none" strike="noStrike" cap="none">
           <a:solidFill>
             <a:srgbClr val="000000"/>
           </a:solidFill>
@@ -5366,7 +5303,7 @@
           <a:sym typeface="Arial"/>
         </a:defRPr>
       </a:lvl2pPr>
-      <a:lvl3pPr lvl="2" marR="0" rtl="0" algn="l">
+      <a:lvl3pPr marR="0" lvl="2" algn="l" rtl="0">
         <a:lnSpc>
           <a:spcPct val="100000"/>
         </a:lnSpc>
@@ -5380,7 +5317,7 @@
           <a:srgbClr val="000000"/>
         </a:buClr>
         <a:buFont typeface="Arial"/>
-        <a:defRPr b="0" i="0" sz="1400" u="none" cap="none" strike="noStrike">
+        <a:defRPr sz="1400" b="0" i="0" u="none" strike="noStrike" cap="none">
           <a:solidFill>
             <a:srgbClr val="000000"/>
           </a:solidFill>
@@ -5390,7 +5327,7 @@
           <a:sym typeface="Arial"/>
         </a:defRPr>
       </a:lvl3pPr>
-      <a:lvl4pPr lvl="3" marR="0" rtl="0" algn="l">
+      <a:lvl4pPr marR="0" lvl="3" algn="l" rtl="0">
         <a:lnSpc>
           <a:spcPct val="100000"/>
         </a:lnSpc>
@@ -5404,7 +5341,7 @@
           <a:srgbClr val="000000"/>
         </a:buClr>
         <a:buFont typeface="Arial"/>
-        <a:defRPr b="0" i="0" sz="1400" u="none" cap="none" strike="noStrike">
+        <a:defRPr sz="1400" b="0" i="0" u="none" strike="noStrike" cap="none">
           <a:solidFill>
             <a:srgbClr val="000000"/>
           </a:solidFill>
@@ -5414,7 +5351,7 @@
           <a:sym typeface="Arial"/>
         </a:defRPr>
       </a:lvl4pPr>
-      <a:lvl5pPr lvl="4" marR="0" rtl="0" algn="l">
+      <a:lvl5pPr marR="0" lvl="4" algn="l" rtl="0">
         <a:lnSpc>
           <a:spcPct val="100000"/>
         </a:lnSpc>
@@ -5428,7 +5365,7 @@
           <a:srgbClr val="000000"/>
         </a:buClr>
         <a:buFont typeface="Arial"/>
-        <a:defRPr b="0" i="0" sz="1400" u="none" cap="none" strike="noStrike">
+        <a:defRPr sz="1400" b="0" i="0" u="none" strike="noStrike" cap="none">
           <a:solidFill>
             <a:srgbClr val="000000"/>
           </a:solidFill>
@@ -5438,7 +5375,7 @@
           <a:sym typeface="Arial"/>
         </a:defRPr>
       </a:lvl5pPr>
-      <a:lvl6pPr lvl="5" marR="0" rtl="0" algn="l">
+      <a:lvl6pPr marR="0" lvl="5" algn="l" rtl="0">
         <a:lnSpc>
           <a:spcPct val="100000"/>
         </a:lnSpc>
@@ -5452,7 +5389,7 @@
           <a:srgbClr val="000000"/>
         </a:buClr>
         <a:buFont typeface="Arial"/>
-        <a:defRPr b="0" i="0" sz="1400" u="none" cap="none" strike="noStrike">
+        <a:defRPr sz="1400" b="0" i="0" u="none" strike="noStrike" cap="none">
           <a:solidFill>
             <a:srgbClr val="000000"/>
           </a:solidFill>
@@ -5462,7 +5399,7 @@
           <a:sym typeface="Arial"/>
         </a:defRPr>
       </a:lvl6pPr>
-      <a:lvl7pPr lvl="6" marR="0" rtl="0" algn="l">
+      <a:lvl7pPr marR="0" lvl="6" algn="l" rtl="0">
         <a:lnSpc>
           <a:spcPct val="100000"/>
         </a:lnSpc>
@@ -5476,7 +5413,7 @@
           <a:srgbClr val="000000"/>
         </a:buClr>
         <a:buFont typeface="Arial"/>
-        <a:defRPr b="0" i="0" sz="1400" u="none" cap="none" strike="noStrike">
+        <a:defRPr sz="1400" b="0" i="0" u="none" strike="noStrike" cap="none">
           <a:solidFill>
             <a:srgbClr val="000000"/>
           </a:solidFill>
@@ -5486,7 +5423,7 @@
           <a:sym typeface="Arial"/>
         </a:defRPr>
       </a:lvl7pPr>
-      <a:lvl8pPr lvl="7" marR="0" rtl="0" algn="l">
+      <a:lvl8pPr marR="0" lvl="7" algn="l" rtl="0">
         <a:lnSpc>
           <a:spcPct val="100000"/>
         </a:lnSpc>
@@ -5500,7 +5437,7 @@
           <a:srgbClr val="000000"/>
         </a:buClr>
         <a:buFont typeface="Arial"/>
-        <a:defRPr b="0" i="0" sz="1400" u="none" cap="none" strike="noStrike">
+        <a:defRPr sz="1400" b="0" i="0" u="none" strike="noStrike" cap="none">
           <a:solidFill>
             <a:srgbClr val="000000"/>
           </a:solidFill>
@@ -5510,7 +5447,7 @@
           <a:sym typeface="Arial"/>
         </a:defRPr>
       </a:lvl8pPr>
-      <a:lvl9pPr lvl="8" marR="0" rtl="0" algn="l">
+      <a:lvl9pPr marR="0" lvl="8" algn="l" rtl="0">
         <a:lnSpc>
           <a:spcPct val="100000"/>
         </a:lnSpc>
@@ -5524,7 +5461,7 @@
           <a:srgbClr val="000000"/>
         </a:buClr>
         <a:buFont typeface="Arial"/>
-        <a:defRPr b="0" i="0" sz="1400" u="none" cap="none" strike="noStrike">
+        <a:defRPr sz="1400" b="0" i="0" u="none" strike="noStrike" cap="none">
           <a:solidFill>
             <a:srgbClr val="000000"/>
           </a:solidFill>
@@ -5536,7 +5473,7 @@
       </a:lvl9pPr>
     </p:titleStyle>
     <p:bodyStyle>
-      <a:defPPr lvl="0" marR="0" rtl="0" algn="l">
+      <a:defPPr marR="0" lvl="0" algn="l" rtl="0">
         <a:lnSpc>
           <a:spcPct val="100000"/>
         </a:lnSpc>
@@ -5547,7 +5484,7 @@
           <a:spcPts val="0"/>
         </a:spcAft>
       </a:defPPr>
-      <a:lvl1pPr lvl="0" marR="0" rtl="0" algn="l">
+      <a:lvl1pPr marR="0" lvl="0" algn="l" rtl="0">
         <a:lnSpc>
           <a:spcPct val="100000"/>
         </a:lnSpc>
@@ -5561,7 +5498,7 @@
           <a:srgbClr val="000000"/>
         </a:buClr>
         <a:buFont typeface="Arial"/>
-        <a:defRPr b="0" i="0" sz="1400" u="none" cap="none" strike="noStrike">
+        <a:defRPr sz="1400" b="0" i="0" u="none" strike="noStrike" cap="none">
           <a:solidFill>
             <a:srgbClr val="000000"/>
           </a:solidFill>
@@ -5571,7 +5508,7 @@
           <a:sym typeface="Arial"/>
         </a:defRPr>
       </a:lvl1pPr>
-      <a:lvl2pPr lvl="1" marR="0" rtl="0" algn="l">
+      <a:lvl2pPr marR="0" lvl="1" algn="l" rtl="0">
         <a:lnSpc>
           <a:spcPct val="100000"/>
         </a:lnSpc>
@@ -5585,7 +5522,7 @@
           <a:srgbClr val="000000"/>
         </a:buClr>
         <a:buFont typeface="Arial"/>
-        <a:defRPr b="0" i="0" sz="1400" u="none" cap="none" strike="noStrike">
+        <a:defRPr sz="1400" b="0" i="0" u="none" strike="noStrike" cap="none">
           <a:solidFill>
             <a:srgbClr val="000000"/>
           </a:solidFill>
@@ -5595,7 +5532,7 @@
           <a:sym typeface="Arial"/>
         </a:defRPr>
       </a:lvl2pPr>
-      <a:lvl3pPr lvl="2" marR="0" rtl="0" algn="l">
+      <a:lvl3pPr marR="0" lvl="2" algn="l" rtl="0">
         <a:lnSpc>
           <a:spcPct val="100000"/>
         </a:lnSpc>
@@ -5609,7 +5546,7 @@
           <a:srgbClr val="000000"/>
         </a:buClr>
         <a:buFont typeface="Arial"/>
-        <a:defRPr b="0" i="0" sz="1400" u="none" cap="none" strike="noStrike">
+        <a:defRPr sz="1400" b="0" i="0" u="none" strike="noStrike" cap="none">
           <a:solidFill>
             <a:srgbClr val="000000"/>
           </a:solidFill>
@@ -5619,7 +5556,7 @@
           <a:sym typeface="Arial"/>
         </a:defRPr>
       </a:lvl3pPr>
-      <a:lvl4pPr lvl="3" marR="0" rtl="0" algn="l">
+      <a:lvl4pPr marR="0" lvl="3" algn="l" rtl="0">
         <a:lnSpc>
           <a:spcPct val="100000"/>
         </a:lnSpc>
@@ -5633,7 +5570,7 @@
           <a:srgbClr val="000000"/>
         </a:buClr>
         <a:buFont typeface="Arial"/>
-        <a:defRPr b="0" i="0" sz="1400" u="none" cap="none" strike="noStrike">
+        <a:defRPr sz="1400" b="0" i="0" u="none" strike="noStrike" cap="none">
           <a:solidFill>
             <a:srgbClr val="000000"/>
           </a:solidFill>
@@ -5643,7 +5580,7 @@
           <a:sym typeface="Arial"/>
         </a:defRPr>
       </a:lvl4pPr>
-      <a:lvl5pPr lvl="4" marR="0" rtl="0" algn="l">
+      <a:lvl5pPr marR="0" lvl="4" algn="l" rtl="0">
         <a:lnSpc>
           <a:spcPct val="100000"/>
         </a:lnSpc>
@@ -5657,7 +5594,7 @@
           <a:srgbClr val="000000"/>
         </a:buClr>
         <a:buFont typeface="Arial"/>
-        <a:defRPr b="0" i="0" sz="1400" u="none" cap="none" strike="noStrike">
+        <a:defRPr sz="1400" b="0" i="0" u="none" strike="noStrike" cap="none">
           <a:solidFill>
             <a:srgbClr val="000000"/>
           </a:solidFill>
@@ -5667,7 +5604,7 @@
           <a:sym typeface="Arial"/>
         </a:defRPr>
       </a:lvl5pPr>
-      <a:lvl6pPr lvl="5" marR="0" rtl="0" algn="l">
+      <a:lvl6pPr marR="0" lvl="5" algn="l" rtl="0">
         <a:lnSpc>
           <a:spcPct val="100000"/>
         </a:lnSpc>
@@ -5681,7 +5618,7 @@
           <a:srgbClr val="000000"/>
         </a:buClr>
         <a:buFont typeface="Arial"/>
-        <a:defRPr b="0" i="0" sz="1400" u="none" cap="none" strike="noStrike">
+        <a:defRPr sz="1400" b="0" i="0" u="none" strike="noStrike" cap="none">
           <a:solidFill>
             <a:srgbClr val="000000"/>
           </a:solidFill>
@@ -5691,7 +5628,7 @@
           <a:sym typeface="Arial"/>
         </a:defRPr>
       </a:lvl6pPr>
-      <a:lvl7pPr lvl="6" marR="0" rtl="0" algn="l">
+      <a:lvl7pPr marR="0" lvl="6" algn="l" rtl="0">
         <a:lnSpc>
           <a:spcPct val="100000"/>
         </a:lnSpc>
@@ -5705,7 +5642,7 @@
           <a:srgbClr val="000000"/>
         </a:buClr>
         <a:buFont typeface="Arial"/>
-        <a:defRPr b="0" i="0" sz="1400" u="none" cap="none" strike="noStrike">
+        <a:defRPr sz="1400" b="0" i="0" u="none" strike="noStrike" cap="none">
           <a:solidFill>
             <a:srgbClr val="000000"/>
           </a:solidFill>
@@ -5715,7 +5652,7 @@
           <a:sym typeface="Arial"/>
         </a:defRPr>
       </a:lvl7pPr>
-      <a:lvl8pPr lvl="7" marR="0" rtl="0" algn="l">
+      <a:lvl8pPr marR="0" lvl="7" algn="l" rtl="0">
         <a:lnSpc>
           <a:spcPct val="100000"/>
         </a:lnSpc>
@@ -5729,7 +5666,7 @@
           <a:srgbClr val="000000"/>
         </a:buClr>
         <a:buFont typeface="Arial"/>
-        <a:defRPr b="0" i="0" sz="1400" u="none" cap="none" strike="noStrike">
+        <a:defRPr sz="1400" b="0" i="0" u="none" strike="noStrike" cap="none">
           <a:solidFill>
             <a:srgbClr val="000000"/>
           </a:solidFill>
@@ -5739,7 +5676,7 @@
           <a:sym typeface="Arial"/>
         </a:defRPr>
       </a:lvl8pPr>
-      <a:lvl9pPr lvl="8" marR="0" rtl="0" algn="l">
+      <a:lvl9pPr marR="0" lvl="8" algn="l" rtl="0">
         <a:lnSpc>
           <a:spcPct val="100000"/>
         </a:lnSpc>
@@ -5753,7 +5690,7 @@
           <a:srgbClr val="000000"/>
         </a:buClr>
         <a:buFont typeface="Arial"/>
-        <a:defRPr b="0" i="0" sz="1400" u="none" cap="none" strike="noStrike">
+        <a:defRPr sz="1400" b="0" i="0" u="none" strike="noStrike" cap="none">
           <a:solidFill>
             <a:srgbClr val="000000"/>
           </a:solidFill>
@@ -5765,7 +5702,7 @@
       </a:lvl9pPr>
     </p:bodyStyle>
     <p:otherStyle>
-      <a:defPPr lvl="0" marR="0" rtl="0" algn="l">
+      <a:defPPr marR="0" lvl="0" algn="l" rtl="0">
         <a:lnSpc>
           <a:spcPct val="100000"/>
         </a:lnSpc>
@@ -5776,7 +5713,7 @@
           <a:spcPts val="0"/>
         </a:spcAft>
       </a:defPPr>
-      <a:lvl1pPr lvl="0" marR="0" rtl="0" algn="l">
+      <a:lvl1pPr marR="0" lvl="0" algn="l" rtl="0">
         <a:lnSpc>
           <a:spcPct val="100000"/>
         </a:lnSpc>
@@ -5790,7 +5727,7 @@
           <a:srgbClr val="000000"/>
         </a:buClr>
         <a:buFont typeface="Arial"/>
-        <a:defRPr b="0" i="0" sz="1400" u="none" cap="none" strike="noStrike">
+        <a:defRPr sz="1400" b="0" i="0" u="none" strike="noStrike" cap="none">
           <a:solidFill>
             <a:srgbClr val="000000"/>
           </a:solidFill>
@@ -5800,7 +5737,7 @@
           <a:sym typeface="Arial"/>
         </a:defRPr>
       </a:lvl1pPr>
-      <a:lvl2pPr lvl="1" marR="0" rtl="0" algn="l">
+      <a:lvl2pPr marR="0" lvl="1" algn="l" rtl="0">
         <a:lnSpc>
           <a:spcPct val="100000"/>
         </a:lnSpc>
@@ -5814,7 +5751,7 @@
           <a:srgbClr val="000000"/>
         </a:buClr>
         <a:buFont typeface="Arial"/>
-        <a:defRPr b="0" i="0" sz="1400" u="none" cap="none" strike="noStrike">
+        <a:defRPr sz="1400" b="0" i="0" u="none" strike="noStrike" cap="none">
           <a:solidFill>
             <a:srgbClr val="000000"/>
           </a:solidFill>
@@ -5824,7 +5761,7 @@
           <a:sym typeface="Arial"/>
         </a:defRPr>
       </a:lvl2pPr>
-      <a:lvl3pPr lvl="2" marR="0" rtl="0" algn="l">
+      <a:lvl3pPr marR="0" lvl="2" algn="l" rtl="0">
         <a:lnSpc>
           <a:spcPct val="100000"/>
         </a:lnSpc>
@@ -5838,7 +5775,7 @@
           <a:srgbClr val="000000"/>
         </a:buClr>
         <a:buFont typeface="Arial"/>
-        <a:defRPr b="0" i="0" sz="1400" u="none" cap="none" strike="noStrike">
+        <a:defRPr sz="1400" b="0" i="0" u="none" strike="noStrike" cap="none">
           <a:solidFill>
             <a:srgbClr val="000000"/>
           </a:solidFill>
@@ -5848,7 +5785,7 @@
           <a:sym typeface="Arial"/>
         </a:defRPr>
       </a:lvl3pPr>
-      <a:lvl4pPr lvl="3" marR="0" rtl="0" algn="l">
+      <a:lvl4pPr marR="0" lvl="3" algn="l" rtl="0">
         <a:lnSpc>
           <a:spcPct val="100000"/>
         </a:lnSpc>
@@ -5862,7 +5799,7 @@
           <a:srgbClr val="000000"/>
         </a:buClr>
         <a:buFont typeface="Arial"/>
-        <a:defRPr b="0" i="0" sz="1400" u="none" cap="none" strike="noStrike">
+        <a:defRPr sz="1400" b="0" i="0" u="none" strike="noStrike" cap="none">
           <a:solidFill>
             <a:srgbClr val="000000"/>
           </a:solidFill>
@@ -5872,7 +5809,7 @@
           <a:sym typeface="Arial"/>
         </a:defRPr>
       </a:lvl4pPr>
-      <a:lvl5pPr lvl="4" marR="0" rtl="0" algn="l">
+      <a:lvl5pPr marR="0" lvl="4" algn="l" rtl="0">
         <a:lnSpc>
           <a:spcPct val="100000"/>
         </a:lnSpc>
@@ -5886,7 +5823,7 @@
           <a:srgbClr val="000000"/>
         </a:buClr>
         <a:buFont typeface="Arial"/>
-        <a:defRPr b="0" i="0" sz="1400" u="none" cap="none" strike="noStrike">
+        <a:defRPr sz="1400" b="0" i="0" u="none" strike="noStrike" cap="none">
           <a:solidFill>
             <a:srgbClr val="000000"/>
           </a:solidFill>
@@ -5896,7 +5833,7 @@
           <a:sym typeface="Arial"/>
         </a:defRPr>
       </a:lvl5pPr>
-      <a:lvl6pPr lvl="5" marR="0" rtl="0" algn="l">
+      <a:lvl6pPr marR="0" lvl="5" algn="l" rtl="0">
         <a:lnSpc>
           <a:spcPct val="100000"/>
         </a:lnSpc>
@@ -5910,7 +5847,7 @@
           <a:srgbClr val="000000"/>
         </a:buClr>
         <a:buFont typeface="Arial"/>
-        <a:defRPr b="0" i="0" sz="1400" u="none" cap="none" strike="noStrike">
+        <a:defRPr sz="1400" b="0" i="0" u="none" strike="noStrike" cap="none">
           <a:solidFill>
             <a:srgbClr val="000000"/>
           </a:solidFill>
@@ -5920,7 +5857,7 @@
           <a:sym typeface="Arial"/>
         </a:defRPr>
       </a:lvl6pPr>
-      <a:lvl7pPr lvl="6" marR="0" rtl="0" algn="l">
+      <a:lvl7pPr marR="0" lvl="6" algn="l" rtl="0">
         <a:lnSpc>
           <a:spcPct val="100000"/>
         </a:lnSpc>
@@ -5934,7 +5871,7 @@
           <a:srgbClr val="000000"/>
         </a:buClr>
         <a:buFont typeface="Arial"/>
-        <a:defRPr b="0" i="0" sz="1400" u="none" cap="none" strike="noStrike">
+        <a:defRPr sz="1400" b="0" i="0" u="none" strike="noStrike" cap="none">
           <a:solidFill>
             <a:srgbClr val="000000"/>
           </a:solidFill>
@@ -5944,7 +5881,7 @@
           <a:sym typeface="Arial"/>
         </a:defRPr>
       </a:lvl7pPr>
-      <a:lvl8pPr lvl="7" marR="0" rtl="0" algn="l">
+      <a:lvl8pPr marR="0" lvl="7" algn="l" rtl="0">
         <a:lnSpc>
           <a:spcPct val="100000"/>
         </a:lnSpc>
@@ -5958,7 +5895,7 @@
           <a:srgbClr val="000000"/>
         </a:buClr>
         <a:buFont typeface="Arial"/>
-        <a:defRPr b="0" i="0" sz="1400" u="none" cap="none" strike="noStrike">
+        <a:defRPr sz="1400" b="0" i="0" u="none" strike="noStrike" cap="none">
           <a:solidFill>
             <a:srgbClr val="000000"/>
           </a:solidFill>
@@ -5968,7 +5905,7 @@
           <a:sym typeface="Arial"/>
         </a:defRPr>
       </a:lvl8pPr>
-      <a:lvl9pPr lvl="8" marR="0" rtl="0" algn="l">
+      <a:lvl9pPr marR="0" lvl="8" algn="l" rtl="0">
         <a:lnSpc>
           <a:spcPct val="100000"/>
         </a:lnSpc>
@@ -5982,7 +5919,7 @@
           <a:srgbClr val="000000"/>
         </a:buClr>
         <a:buFont typeface="Arial"/>
-        <a:defRPr b="0" i="0" sz="1400" u="none" cap="none" strike="noStrike">
+        <a:defRPr sz="1400" b="0" i="0" u="none" strike="noStrike" cap="none">
           <a:solidFill>
             <a:srgbClr val="000000"/>
           </a:solidFill>
@@ -5998,11 +5935,11 @@
 </file>
 
 <file path=ppt/slides/slide1.xml><?xml version="1.0" encoding="utf-8"?>
-<p:sld xmlns:a="http://schemas.openxmlformats.org/drawingml/2006/main" xmlns:r="http://schemas.openxmlformats.org/officeDocument/2006/relationships" xmlns:mc="http://schemas.openxmlformats.org/markup-compatibility/2006" xmlns:mv="urn:schemas-microsoft-com:mac:vml" xmlns:p="http://schemas.openxmlformats.org/presentationml/2006/main" xmlns:c="http://schemas.openxmlformats.org/drawingml/2006/chart" xmlns:dgm="http://schemas.openxmlformats.org/drawingml/2006/diagram" xmlns:o="urn:schemas-microsoft-com:office:office" xmlns:v="urn:schemas-microsoft-com:vml" xmlns:pvml="urn:schemas-microsoft-com:office:powerpoint" xmlns:com="http://schemas.openxmlformats.org/drawingml/2006/compatibility" xmlns:p14="http://schemas.microsoft.com/office/powerpoint/2010/main" xmlns:p15="http://schemas.microsoft.com/office/powerpoint/2012/main" xmlns:ahyp="http://schemas.microsoft.com/office/drawing/2018/hyperlinkcolor">
+<p:sld xmlns:a="http://schemas.openxmlformats.org/drawingml/2006/main" xmlns:r="http://schemas.openxmlformats.org/officeDocument/2006/relationships" xmlns:p="http://schemas.openxmlformats.org/presentationml/2006/main">
   <p:cSld>
     <p:spTree>
       <p:nvGrpSpPr>
-        <p:cNvPr id="53" name="Shape 53"/>
+        <p:cNvPr id="1" name="Shape 53"/>
         <p:cNvGrpSpPr/>
         <p:nvPr/>
       </p:nvGrpSpPr>
@@ -6017,7 +5954,9 @@
       <p:sp>
         <p:nvSpPr>
           <p:cNvPr id="54" name="Google Shape;54;p13"/>
-          <p:cNvSpPr txBox="1"/>
+          <p:cNvSpPr txBox="1">
+            <a:spLocks noGrp="1"/>
+          </p:cNvSpPr>
           <p:nvPr>
             <p:ph type="ctrTitle"/>
           </p:nvPr>
@@ -6032,12 +5971,12 @@
           </a:prstGeom>
         </p:spPr>
         <p:txBody>
-          <a:bodyPr anchorCtr="0" anchor="b" bIns="91425" lIns="91425" spcFirstLastPara="1" rIns="91425" wrap="square" tIns="91425">
+          <a:bodyPr spcFirstLastPara="1" wrap="square" lIns="91425" tIns="91425" rIns="91425" bIns="91425" anchor="b" anchorCtr="0">
             <a:noAutofit/>
           </a:bodyPr>
           <a:lstStyle/>
           <a:p>
-            <a:pPr indent="0" lvl="0" marL="0" rtl="0" algn="ctr">
+            <a:pPr marL="0" lvl="0" indent="0" algn="ctr" rtl="0">
               <a:spcBef>
                 <a:spcPts val="0"/>
               </a:spcBef>
@@ -6057,9 +5996,11 @@
       <p:sp>
         <p:nvSpPr>
           <p:cNvPr id="55" name="Google Shape;55;p13"/>
-          <p:cNvSpPr txBox="1"/>
+          <p:cNvSpPr txBox="1">
+            <a:spLocks noGrp="1"/>
+          </p:cNvSpPr>
           <p:nvPr>
-            <p:ph idx="1" type="subTitle"/>
+            <p:ph type="subTitle" idx="1"/>
           </p:nvPr>
         </p:nvSpPr>
         <p:spPr>
@@ -6072,12 +6013,12 @@
           </a:prstGeom>
         </p:spPr>
         <p:txBody>
-          <a:bodyPr anchorCtr="0" anchor="t" bIns="91425" lIns="91425" spcFirstLastPara="1" rIns="91425" wrap="square" tIns="91425">
+          <a:bodyPr spcFirstLastPara="1" wrap="square" lIns="91425" tIns="91425" rIns="91425" bIns="91425" anchor="t" anchorCtr="0">
             <a:noAutofit/>
           </a:bodyPr>
           <a:lstStyle/>
           <a:p>
-            <a:pPr indent="0" lvl="0" marL="0" rtl="0" algn="ctr">
+            <a:pPr marL="0" lvl="0" indent="0" algn="ctr" rtl="0">
               <a:spcBef>
                 <a:spcPts val="0"/>
               </a:spcBef>
@@ -6093,7 +6034,7 @@
             <a:endParaRPr/>
           </a:p>
           <a:p>
-            <a:pPr indent="0" lvl="0" marL="0" rtl="0" algn="ctr">
+            <a:pPr marL="0" lvl="0" indent="0" algn="ctr" rtl="0">
               <a:spcBef>
                 <a:spcPts val="0"/>
               </a:spcBef>
@@ -6102,9 +6043,6 @@
               </a:spcAft>
               <a:buNone/>
             </a:pPr>
-            <a:r>
-              <a:t/>
-            </a:r>
             <a:endParaRPr/>
           </a:p>
         </p:txBody>
@@ -6129,12 +6067,12 @@
           </a:ln>
         </p:spPr>
         <p:txBody>
-          <a:bodyPr anchorCtr="0" anchor="t" bIns="91425" lIns="91425" spcFirstLastPara="1" rIns="91425" wrap="square" tIns="91425">
+          <a:bodyPr spcFirstLastPara="1" wrap="square" lIns="91425" tIns="91425" rIns="91425" bIns="91425" anchor="t" anchorCtr="0">
             <a:noAutofit/>
           </a:bodyPr>
           <a:lstStyle/>
           <a:p>
-            <a:pPr indent="0" lvl="0" marL="0" rtl="0" algn="l">
+            <a:pPr marL="0" lvl="0" indent="0" algn="l" rtl="0">
               <a:spcBef>
                 <a:spcPts val="0"/>
               </a:spcBef>
@@ -6158,7 +6096,7 @@
             </a:endParaRPr>
           </a:p>
           <a:p>
-            <a:pPr indent="0" lvl="0" marL="0" rtl="0" algn="l">
+            <a:pPr marL="0" lvl="0" indent="0" algn="l" rtl="0">
               <a:spcBef>
                 <a:spcPts val="0"/>
               </a:spcBef>
@@ -6192,11 +6130,11 @@
 </file>
 
 <file path=ppt/slides/slide2.xml><?xml version="1.0" encoding="utf-8"?>
-<p:sld xmlns:a="http://schemas.openxmlformats.org/drawingml/2006/main" xmlns:r="http://schemas.openxmlformats.org/officeDocument/2006/relationships" xmlns:mc="http://schemas.openxmlformats.org/markup-compatibility/2006" xmlns:mv="urn:schemas-microsoft-com:mac:vml" xmlns:p="http://schemas.openxmlformats.org/presentationml/2006/main" xmlns:c="http://schemas.openxmlformats.org/drawingml/2006/chart" xmlns:dgm="http://schemas.openxmlformats.org/drawingml/2006/diagram" xmlns:o="urn:schemas-microsoft-com:office:office" xmlns:v="urn:schemas-microsoft-com:vml" xmlns:pvml="urn:schemas-microsoft-com:office:powerpoint" xmlns:com="http://schemas.openxmlformats.org/drawingml/2006/compatibility" xmlns:p14="http://schemas.microsoft.com/office/powerpoint/2010/main" xmlns:p15="http://schemas.microsoft.com/office/powerpoint/2012/main" xmlns:ahyp="http://schemas.microsoft.com/office/drawing/2018/hyperlinkcolor">
+<p:sld xmlns:a="http://schemas.openxmlformats.org/drawingml/2006/main" xmlns:r="http://schemas.openxmlformats.org/officeDocument/2006/relationships" xmlns:p="http://schemas.openxmlformats.org/presentationml/2006/main">
   <p:cSld>
     <p:spTree>
       <p:nvGrpSpPr>
-        <p:cNvPr id="60" name="Shape 60"/>
+        <p:cNvPr id="1" name="Shape 60"/>
         <p:cNvGrpSpPr/>
         <p:nvPr/>
       </p:nvGrpSpPr>
@@ -6211,7 +6149,9 @@
       <p:sp>
         <p:nvSpPr>
           <p:cNvPr id="61" name="Google Shape;61;p14"/>
-          <p:cNvSpPr txBox="1"/>
+          <p:cNvSpPr txBox="1">
+            <a:spLocks noGrp="1"/>
+          </p:cNvSpPr>
           <p:nvPr>
             <p:ph type="title"/>
           </p:nvPr>
@@ -6226,12 +6166,12 @@
           </a:prstGeom>
         </p:spPr>
         <p:txBody>
-          <a:bodyPr anchorCtr="0" anchor="t" bIns="91425" lIns="91425" spcFirstLastPara="1" rIns="91425" wrap="square" tIns="91425">
+          <a:bodyPr spcFirstLastPara="1" wrap="square" lIns="91425" tIns="91425" rIns="91425" bIns="91425" anchor="t" anchorCtr="0">
             <a:noAutofit/>
           </a:bodyPr>
           <a:lstStyle/>
           <a:p>
-            <a:pPr indent="0" lvl="0" marL="0" rtl="0" algn="l">
+            <a:pPr marL="0" lvl="0" indent="0" algn="l" rtl="0">
               <a:lnSpc>
                 <a:spcPct val="115000"/>
               </a:lnSpc>
@@ -6244,14 +6184,14 @@
               <a:buNone/>
             </a:pPr>
             <a:r>
-              <a:rPr lang="ru" sz="2400">
+              <a:rPr lang="ru-RU" sz="3400" dirty="0">
                 <a:solidFill>
                   <a:srgbClr val="FFFFFF"/>
                 </a:solidFill>
               </a:rPr>
-              <a:t>Бюро проката яхт Сан-Хуана</a:t>
+              <a:t>Что предоставляет фирма:</a:t>
             </a:r>
-            <a:endParaRPr sz="3400">
+            <a:endParaRPr sz="3400" dirty="0">
               <a:solidFill>
                 <a:srgbClr val="FFFFFF"/>
               </a:solidFill>
@@ -6262,9 +6202,11 @@
       <p:sp>
         <p:nvSpPr>
           <p:cNvPr id="62" name="Google Shape;62;p14"/>
-          <p:cNvSpPr txBox="1"/>
+          <p:cNvSpPr txBox="1">
+            <a:spLocks noGrp="1"/>
+          </p:cNvSpPr>
           <p:nvPr>
-            <p:ph idx="1" type="body"/>
+            <p:ph type="body" idx="1"/>
           </p:nvPr>
         </p:nvSpPr>
         <p:spPr>
@@ -6277,44 +6219,42 @@
           </a:prstGeom>
         </p:spPr>
         <p:txBody>
-          <a:bodyPr anchorCtr="0" anchor="t" bIns="91425" lIns="91425" spcFirstLastPara="1" rIns="91425" wrap="square" tIns="91425">
+          <a:bodyPr spcFirstLastPara="1" wrap="square" lIns="91425" tIns="91425" rIns="91425" bIns="91425" anchor="t" anchorCtr="0">
             <a:noAutofit/>
           </a:bodyPr>
           <a:lstStyle/>
           <a:p>
-            <a:pPr indent="0" lvl="0" marL="0" rtl="0" algn="l">
-              <a:spcBef>
-                <a:spcPts val="0"/>
-              </a:spcBef>
-              <a:spcAft>
-                <a:spcPts val="0"/>
+            <a:pPr marL="0" lvl="0" indent="0" algn="l" rtl="0">
+              <a:spcBef>
+                <a:spcPts val="1600"/>
+              </a:spcBef>
+              <a:spcAft>
+                <a:spcPts val="1600"/>
               </a:spcAft>
               <a:buNone/>
             </a:pPr>
             <a:r>
-              <a:rPr lang="ru"/>
-              <a:t>Бюро проката яхт Сан-Хуана — посредническая фирма, занимающаяся прокатом парусных яхт. </a:t>
+              <a:rPr lang="ru-RU" dirty="0"/>
+              <a:t>Аренда яхт, предоставленных владельцами этих яхт</a:t>
             </a:r>
-            <a:endParaRPr/>
           </a:p>
           <a:p>
-            <a:pPr indent="0" lvl="0" marL="0" rtl="0" algn="l">
-              <a:spcBef>
-                <a:spcPts val="1600"/>
-              </a:spcBef>
-              <a:spcAft>
-                <a:spcPts val="0"/>
+            <a:pPr marL="0" lvl="0" indent="0" algn="l" rtl="0">
+              <a:spcBef>
+                <a:spcPts val="1600"/>
+              </a:spcBef>
+              <a:spcAft>
+                <a:spcPts val="1600"/>
               </a:spcAft>
               <a:buNone/>
             </a:pPr>
             <a:r>
-              <a:rPr lang="ru"/>
-              <a:t>Яхты не являются собственностью фирмы — она сдает их от имени владельцев.</a:t>
+              <a:rPr lang="ru-RU" dirty="0"/>
+              <a:t>Экипировка яхт (как от компании так и от владельцев)</a:t>
             </a:r>
-            <a:endParaRPr/>
           </a:p>
           <a:p>
-            <a:pPr indent="0" lvl="0" marL="0" rtl="0" algn="l">
+            <a:pPr marL="0" lvl="0" indent="0" algn="l" rtl="0">
               <a:spcBef>
                 <a:spcPts val="1600"/>
               </a:spcBef>
@@ -6324,9 +6264,36 @@
               <a:buNone/>
             </a:pPr>
             <a:r>
-              <a:t/>
+              <a:rPr lang="ru-RU" dirty="0"/>
+              <a:t>Как доп. услуга можно заказать питание и другие необходимые клиенту вещи</a:t>
             </a:r>
-            <a:endParaRPr/>
+          </a:p>
+          <a:p>
+            <a:pPr marL="0" lvl="0" indent="0" algn="l" rtl="0">
+              <a:spcBef>
+                <a:spcPts val="1600"/>
+              </a:spcBef>
+              <a:spcAft>
+                <a:spcPts val="1600"/>
+              </a:spcAft>
+              <a:buNone/>
+            </a:pPr>
+            <a:r>
+              <a:rPr lang="ru-RU" dirty="0"/>
+              <a:t>При аварии, высылается яхта на помощь клиенту (Связь с диспетчером)</a:t>
+            </a:r>
+          </a:p>
+          <a:p>
+            <a:pPr marL="0" lvl="0" indent="0" algn="l" rtl="0">
+              <a:spcBef>
+                <a:spcPts val="1600"/>
+              </a:spcBef>
+              <a:spcAft>
+                <a:spcPts val="1600"/>
+              </a:spcAft>
+              <a:buNone/>
+            </a:pPr>
+            <a:endParaRPr dirty="0"/>
           </a:p>
         </p:txBody>
       </p:sp>
@@ -6339,11 +6306,11 @@
 </file>
 
 <file path=ppt/slides/slide3.xml><?xml version="1.0" encoding="utf-8"?>
-<p:sld xmlns:a="http://schemas.openxmlformats.org/drawingml/2006/main" xmlns:r="http://schemas.openxmlformats.org/officeDocument/2006/relationships" xmlns:mc="http://schemas.openxmlformats.org/markup-compatibility/2006" xmlns:mv="urn:schemas-microsoft-com:mac:vml" xmlns:p="http://schemas.openxmlformats.org/presentationml/2006/main" xmlns:c="http://schemas.openxmlformats.org/drawingml/2006/chart" xmlns:dgm="http://schemas.openxmlformats.org/drawingml/2006/diagram" xmlns:o="urn:schemas-microsoft-com:office:office" xmlns:v="urn:schemas-microsoft-com:vml" xmlns:pvml="urn:schemas-microsoft-com:office:powerpoint" xmlns:com="http://schemas.openxmlformats.org/drawingml/2006/compatibility" xmlns:p14="http://schemas.microsoft.com/office/powerpoint/2010/main" xmlns:p15="http://schemas.microsoft.com/office/powerpoint/2012/main" xmlns:ahyp="http://schemas.microsoft.com/office/drawing/2018/hyperlinkcolor">
+<p:sld xmlns:a="http://schemas.openxmlformats.org/drawingml/2006/main" xmlns:r="http://schemas.openxmlformats.org/officeDocument/2006/relationships" xmlns:p="http://schemas.openxmlformats.org/presentationml/2006/main">
   <p:cSld>
     <p:spTree>
       <p:nvGrpSpPr>
-        <p:cNvPr id="66" name="Shape 66"/>
+        <p:cNvPr id="1" name=""/>
         <p:cNvGrpSpPr/>
         <p:nvPr/>
       </p:nvGrpSpPr>
@@ -6357,8 +6324,218 @@
       </p:grpSpPr>
       <p:sp>
         <p:nvSpPr>
-          <p:cNvPr id="67" name="Google Shape;67;p15"/>
-          <p:cNvSpPr txBox="1"/>
+          <p:cNvPr id="2" name="Заголовок 1">
+            <a:extLst>
+              <a:ext uri="{FF2B5EF4-FFF2-40B4-BE49-F238E27FC236}">
+                <a16:creationId xmlns:a16="http://schemas.microsoft.com/office/drawing/2014/main" id="{5E385CBF-E669-455A-B0AC-E35E59A2857F}"/>
+              </a:ext>
+            </a:extLst>
+          </p:cNvPr>
+          <p:cNvSpPr>
+            <a:spLocks noGrp="1"/>
+          </p:cNvSpPr>
+          <p:nvPr>
+            <p:ph type="title"/>
+          </p:nvPr>
+        </p:nvSpPr>
+        <p:spPr/>
+        <p:txBody>
+          <a:bodyPr/>
+          <a:lstStyle/>
+          <a:p>
+            <a:r>
+              <a:rPr lang="ru-RU" dirty="0"/>
+              <a:t>Обозначенные процессы в диаграмме</a:t>
+            </a:r>
+          </a:p>
+        </p:txBody>
+      </p:sp>
+      <p:sp>
+        <p:nvSpPr>
+          <p:cNvPr id="3" name="Текст 2">
+            <a:extLst>
+              <a:ext uri="{FF2B5EF4-FFF2-40B4-BE49-F238E27FC236}">
+                <a16:creationId xmlns:a16="http://schemas.microsoft.com/office/drawing/2014/main" id="{A1DDB53C-2DFF-47A1-A1DE-87DF385E87C4}"/>
+              </a:ext>
+            </a:extLst>
+          </p:cNvPr>
+          <p:cNvSpPr>
+            <a:spLocks noGrp="1"/>
+          </p:cNvSpPr>
+          <p:nvPr>
+            <p:ph type="body" idx="1"/>
+          </p:nvPr>
+        </p:nvSpPr>
+        <p:spPr/>
+        <p:txBody>
+          <a:bodyPr/>
+          <a:lstStyle/>
+          <a:p>
+            <a:r>
+              <a:rPr lang="ru-RU" dirty="0"/>
+              <a:t>Аренда яхт</a:t>
+            </a:r>
+          </a:p>
+          <a:p>
+            <a:r>
+              <a:rPr lang="ru-RU" dirty="0"/>
+              <a:t>Составление заказа</a:t>
+            </a:r>
+          </a:p>
+          <a:p>
+            <a:r>
+              <a:rPr lang="ru-RU" dirty="0"/>
+              <a:t>Заказ</a:t>
+            </a:r>
+          </a:p>
+          <a:p>
+            <a:r>
+              <a:rPr lang="ru-RU" dirty="0"/>
+              <a:t>Оплата</a:t>
+            </a:r>
+          </a:p>
+          <a:p>
+            <a:r>
+              <a:rPr lang="ru-RU" dirty="0"/>
+              <a:t>Радио связь</a:t>
+            </a:r>
+          </a:p>
+          <a:p>
+            <a:r>
+              <a:rPr lang="ru-RU" dirty="0"/>
+              <a:t>Фирма</a:t>
+            </a:r>
+          </a:p>
+          <a:p>
+            <a:endParaRPr lang="ru-RU" dirty="0"/>
+          </a:p>
+        </p:txBody>
+      </p:sp>
+    </p:spTree>
+    <p:extLst>
+      <p:ext uri="{BB962C8B-B14F-4D97-AF65-F5344CB8AC3E}">
+        <p14:creationId xmlns:p14="http://schemas.microsoft.com/office/powerpoint/2010/main" val="2111686684"/>
+      </p:ext>
+    </p:extLst>
+  </p:cSld>
+  <p:clrMapOvr>
+    <a:masterClrMapping/>
+  </p:clrMapOvr>
+</p:sld>
+</file>
+
+<file path=ppt/slides/slide4.xml><?xml version="1.0" encoding="utf-8"?>
+<p:sld xmlns:a="http://schemas.openxmlformats.org/drawingml/2006/main" xmlns:r="http://schemas.openxmlformats.org/officeDocument/2006/relationships" xmlns:p="http://schemas.openxmlformats.org/presentationml/2006/main">
+  <p:cSld>
+    <p:spTree>
+      <p:nvGrpSpPr>
+        <p:cNvPr id="1" name=""/>
+        <p:cNvGrpSpPr/>
+        <p:nvPr/>
+      </p:nvGrpSpPr>
+      <p:grpSpPr>
+        <a:xfrm>
+          <a:off x="0" y="0"/>
+          <a:ext cx="0" cy="0"/>
+          <a:chOff x="0" y="0"/>
+          <a:chExt cx="0" cy="0"/>
+        </a:xfrm>
+      </p:grpSpPr>
+      <p:sp>
+        <p:nvSpPr>
+          <p:cNvPr id="2" name="Заголовок 1">
+            <a:extLst>
+              <a:ext uri="{FF2B5EF4-FFF2-40B4-BE49-F238E27FC236}">
+                <a16:creationId xmlns:a16="http://schemas.microsoft.com/office/drawing/2014/main" id="{61CB9443-C5D4-4628-AA25-28F089FDF046}"/>
+              </a:ext>
+            </a:extLst>
+          </p:cNvPr>
+          <p:cNvSpPr>
+            <a:spLocks noGrp="1"/>
+          </p:cNvSpPr>
+          <p:nvPr>
+            <p:ph type="title"/>
+          </p:nvPr>
+        </p:nvSpPr>
+        <p:spPr/>
+        <p:txBody>
+          <a:bodyPr/>
+          <a:lstStyle/>
+          <a:p>
+            <a:endParaRPr lang="ru-RU" dirty="0"/>
+          </a:p>
+        </p:txBody>
+      </p:sp>
+      <p:sp>
+        <p:nvSpPr>
+          <p:cNvPr id="3" name="Текст 2">
+            <a:extLst>
+              <a:ext uri="{FF2B5EF4-FFF2-40B4-BE49-F238E27FC236}">
+                <a16:creationId xmlns:a16="http://schemas.microsoft.com/office/drawing/2014/main" id="{F06AFCDC-26E7-488C-86FC-701E68B158E8}"/>
+              </a:ext>
+            </a:extLst>
+          </p:cNvPr>
+          <p:cNvSpPr>
+            <a:spLocks noGrp="1"/>
+          </p:cNvSpPr>
+          <p:nvPr>
+            <p:ph type="body" idx="1"/>
+          </p:nvPr>
+        </p:nvSpPr>
+        <p:spPr/>
+        <p:txBody>
+          <a:bodyPr/>
+          <a:lstStyle/>
+          <a:p>
+            <a:r>
+              <a:rPr lang="ru-RU" dirty="0"/>
+              <a:t>На диаграмме представлено взаимодействие клиента с фирмой через сайт, а также взаимодействие самой фирмы с другими процессами и сущностями (фирма взаимодействует с фортом (непосредственно, через аренду яхт), с владельцами яхт и др.)</a:t>
+            </a:r>
+          </a:p>
+          <a:p>
+            <a:r>
+              <a:rPr lang="ru-RU" dirty="0"/>
+              <a:t>В моей схеме подразумевается что сотрудники, отвечающие за заказы находятся в фирме, поэтому все взаимодействие идет именно через фирму. </a:t>
+            </a:r>
+          </a:p>
+        </p:txBody>
+      </p:sp>
+    </p:spTree>
+    <p:extLst>
+      <p:ext uri="{BB962C8B-B14F-4D97-AF65-F5344CB8AC3E}">
+        <p14:creationId xmlns:p14="http://schemas.microsoft.com/office/powerpoint/2010/main" val="2345356661"/>
+      </p:ext>
+    </p:extLst>
+  </p:cSld>
+  <p:clrMapOvr>
+    <a:masterClrMapping/>
+  </p:clrMapOvr>
+</p:sld>
+</file>
+
+<file path=ppt/slides/slide5.xml><?xml version="1.0" encoding="utf-8"?>
+<p:sld xmlns:a="http://schemas.openxmlformats.org/drawingml/2006/main" xmlns:r="http://schemas.openxmlformats.org/officeDocument/2006/relationships" xmlns:p="http://schemas.openxmlformats.org/presentationml/2006/main">
+  <p:cSld>
+    <p:spTree>
+      <p:nvGrpSpPr>
+        <p:cNvPr id="1" name="Shape 78"/>
+        <p:cNvGrpSpPr/>
+        <p:nvPr/>
+      </p:nvGrpSpPr>
+      <p:grpSpPr>
+        <a:xfrm>
+          <a:off x="0" y="0"/>
+          <a:ext cx="0" cy="0"/>
+          <a:chOff x="0" y="0"/>
+          <a:chExt cx="0" cy="0"/>
+        </a:xfrm>
+      </p:grpSpPr>
+      <p:sp>
+        <p:nvSpPr>
+          <p:cNvPr id="79" name="Google Shape;79;p17"/>
+          <p:cNvSpPr txBox="1">
+            <a:spLocks noGrp="1"/>
+          </p:cNvSpPr>
           <p:nvPr>
             <p:ph type="title"/>
           </p:nvPr>
@@ -6373,363 +6550,12 @@
           </a:prstGeom>
         </p:spPr>
         <p:txBody>
-          <a:bodyPr anchorCtr="0" anchor="t" bIns="91425" lIns="91425" spcFirstLastPara="1" rIns="91425" wrap="square" tIns="91425">
+          <a:bodyPr spcFirstLastPara="1" wrap="square" lIns="91425" tIns="91425" rIns="91425" bIns="91425" anchor="t" anchorCtr="0">
             <a:noAutofit/>
           </a:bodyPr>
           <a:lstStyle/>
           <a:p>
-            <a:pPr indent="0" lvl="0" marL="0" rtl="0" algn="l">
-              <a:spcBef>
-                <a:spcPts val="0"/>
-              </a:spcBef>
-              <a:spcAft>
-                <a:spcPts val="0"/>
-              </a:spcAft>
-              <a:buNone/>
-            </a:pPr>
-            <a:r>
-              <a:rPr lang="ru"/>
-              <a:t>Экипировка яхт и инвентарь</a:t>
-            </a:r>
-            <a:endParaRPr/>
-          </a:p>
-        </p:txBody>
-      </p:sp>
-      <p:sp>
-        <p:nvSpPr>
-          <p:cNvPr id="68" name="Google Shape;68;p15"/>
-          <p:cNvSpPr txBox="1"/>
-          <p:nvPr>
-            <p:ph idx="1" type="body"/>
-          </p:nvPr>
-        </p:nvSpPr>
-        <p:spPr>
-          <a:xfrm>
-            <a:off x="311700" y="1152475"/>
-            <a:ext cx="8520600" cy="3416400"/>
-          </a:xfrm>
-          <a:prstGeom prst="rect">
-            <a:avLst/>
-          </a:prstGeom>
-        </p:spPr>
-        <p:txBody>
-          <a:bodyPr anchorCtr="0" anchor="t" bIns="91425" lIns="91425" spcFirstLastPara="1" rIns="91425" wrap="square" tIns="91425">
-            <a:noAutofit/>
-          </a:bodyPr>
-          <a:lstStyle/>
-          <a:p>
-            <a:pPr indent="0" lvl="0" marL="0" marR="0" rtl="0" algn="l">
-              <a:lnSpc>
-                <a:spcPct val="100000"/>
-              </a:lnSpc>
-              <a:spcBef>
-                <a:spcPts val="0"/>
-              </a:spcBef>
-              <a:spcAft>
-                <a:spcPts val="0"/>
-              </a:spcAft>
-              <a:buNone/>
-            </a:pPr>
-            <a:r>
-              <a:rPr lang="ru">
-                <a:solidFill>
-                  <a:srgbClr val="D9D9D9"/>
-                </a:solidFill>
-              </a:rPr>
-              <a:t>Каждая яхта на момент сдачи в аренду полностью экипирована.</a:t>
-            </a:r>
-            <a:endParaRPr>
-              <a:solidFill>
-                <a:srgbClr val="D9D9D9"/>
-              </a:solidFill>
-            </a:endParaRPr>
-          </a:p>
-          <a:p>
-            <a:pPr indent="0" lvl="0" marL="0" marR="0" rtl="0" algn="l">
-              <a:lnSpc>
-                <a:spcPct val="100000"/>
-              </a:lnSpc>
-              <a:spcBef>
-                <a:spcPts val="0"/>
-              </a:spcBef>
-              <a:spcAft>
-                <a:spcPts val="0"/>
-              </a:spcAft>
-              <a:buNone/>
-            </a:pPr>
-            <a:r>
-              <a:rPr lang="ru">
-                <a:solidFill>
-                  <a:srgbClr val="D9D9D9"/>
-                </a:solidFill>
-              </a:rPr>
-              <a:t>Инвентарь, предоставляемый владельцами, включает в себя предметы, закрепленные на яхте, то есть радиостанции, компасы, глубиномеры и прочий инструмент, плиты и холодильники. Есть и другой инвентарь, предоставляемый владельцами, но не являющийся частью яхты. Это могут быть паруса, лини, якоря, спасательные шлюпки, спасательные жилеты, а также то, что находится в каютах.</a:t>
-            </a:r>
-            <a:endParaRPr>
-              <a:solidFill>
-                <a:srgbClr val="D9D9D9"/>
-              </a:solidFill>
-            </a:endParaRPr>
-          </a:p>
-          <a:p>
-            <a:pPr indent="0" lvl="0" marL="0" marR="0" rtl="0" algn="l">
-              <a:lnSpc>
-                <a:spcPct val="100000"/>
-              </a:lnSpc>
-              <a:spcBef>
-                <a:spcPts val="0"/>
-              </a:spcBef>
-              <a:spcAft>
-                <a:spcPts val="0"/>
-              </a:spcAft>
-              <a:buNone/>
-            </a:pPr>
-            <a:r>
-              <a:rPr lang="ru">
-                <a:solidFill>
-                  <a:srgbClr val="D9D9D9"/>
-                </a:solidFill>
-              </a:rPr>
-              <a:t>Важной составляющей обязанностей фирмы Сан-Хуана является учет инвентаря, имеющегося на яхтах.</a:t>
-            </a:r>
-            <a:endParaRPr>
-              <a:solidFill>
-                <a:srgbClr val="D9D9D9"/>
-              </a:solidFill>
-            </a:endParaRPr>
-          </a:p>
-          <a:p>
-            <a:pPr indent="0" lvl="0" marL="0" marR="0" rtl="0" algn="l">
-              <a:lnSpc>
-                <a:spcPct val="100000"/>
-              </a:lnSpc>
-              <a:spcBef>
-                <a:spcPts val="0"/>
-              </a:spcBef>
-              <a:spcAft>
-                <a:spcPts val="0"/>
-              </a:spcAft>
-              <a:buNone/>
-            </a:pPr>
-            <a:r>
-              <a:rPr lang="ru">
-                <a:solidFill>
-                  <a:srgbClr val="D9D9D9"/>
-                </a:solidFill>
-              </a:rPr>
-              <a:t>В течение срока проката яхты ответственными за инвентарь являются клиенты.</a:t>
-            </a:r>
-            <a:endParaRPr>
-              <a:solidFill>
-                <a:srgbClr val="D9D9D9"/>
-              </a:solidFill>
-            </a:endParaRPr>
-          </a:p>
-          <a:p>
-            <a:pPr indent="0" lvl="0" marL="0" rtl="0" algn="l">
-              <a:spcBef>
-                <a:spcPts val="0"/>
-              </a:spcBef>
-              <a:spcAft>
-                <a:spcPts val="0"/>
-              </a:spcAft>
-              <a:buNone/>
-            </a:pPr>
-            <a:r>
-              <a:t/>
-            </a:r>
-            <a:endParaRPr/>
-          </a:p>
-          <a:p>
-            <a:pPr indent="0" lvl="0" marL="0" rtl="0" algn="l">
-              <a:spcBef>
-                <a:spcPts val="1600"/>
-              </a:spcBef>
-              <a:spcAft>
-                <a:spcPts val="1600"/>
-              </a:spcAft>
-              <a:buNone/>
-            </a:pPr>
-            <a:r>
-              <a:t/>
-            </a:r>
-            <a:endParaRPr/>
-          </a:p>
-        </p:txBody>
-      </p:sp>
-    </p:spTree>
-  </p:cSld>
-  <p:clrMapOvr>
-    <a:masterClrMapping/>
-  </p:clrMapOvr>
-</p:sld>
-</file>
-
-<file path=ppt/slides/slide4.xml><?xml version="1.0" encoding="utf-8"?>
-<p:sld xmlns:a="http://schemas.openxmlformats.org/drawingml/2006/main" xmlns:r="http://schemas.openxmlformats.org/officeDocument/2006/relationships" xmlns:mc="http://schemas.openxmlformats.org/markup-compatibility/2006" xmlns:mv="urn:schemas-microsoft-com:mac:vml" xmlns:p="http://schemas.openxmlformats.org/presentationml/2006/main" xmlns:c="http://schemas.openxmlformats.org/drawingml/2006/chart" xmlns:dgm="http://schemas.openxmlformats.org/drawingml/2006/diagram" xmlns:o="urn:schemas-microsoft-com:office:office" xmlns:v="urn:schemas-microsoft-com:vml" xmlns:pvml="urn:schemas-microsoft-com:office:powerpoint" xmlns:com="http://schemas.openxmlformats.org/drawingml/2006/compatibility" xmlns:p14="http://schemas.microsoft.com/office/powerpoint/2010/main" xmlns:p15="http://schemas.microsoft.com/office/powerpoint/2012/main" xmlns:ahyp="http://schemas.microsoft.com/office/drawing/2018/hyperlinkcolor">
-  <p:cSld>
-    <p:spTree>
-      <p:nvGrpSpPr>
-        <p:cNvPr id="72" name="Shape 72"/>
-        <p:cNvGrpSpPr/>
-        <p:nvPr/>
-      </p:nvGrpSpPr>
-      <p:grpSpPr>
-        <a:xfrm>
-          <a:off x="0" y="0"/>
-          <a:ext cx="0" cy="0"/>
-          <a:chOff x="0" y="0"/>
-          <a:chExt cx="0" cy="0"/>
-        </a:xfrm>
-      </p:grpSpPr>
-      <p:sp>
-        <p:nvSpPr>
-          <p:cNvPr id="73" name="Google Shape;73;p16"/>
-          <p:cNvSpPr txBox="1"/>
-          <p:nvPr>
-            <p:ph type="title"/>
-          </p:nvPr>
-        </p:nvSpPr>
-        <p:spPr>
-          <a:xfrm>
-            <a:off x="311700" y="445025"/>
-            <a:ext cx="8520600" cy="572700"/>
-          </a:xfrm>
-          <a:prstGeom prst="rect">
-            <a:avLst/>
-          </a:prstGeom>
-        </p:spPr>
-        <p:txBody>
-          <a:bodyPr anchorCtr="0" anchor="t" bIns="91425" lIns="91425" spcFirstLastPara="1" rIns="91425" wrap="square" tIns="91425">
-            <a:noAutofit/>
-          </a:bodyPr>
-          <a:lstStyle/>
-          <a:p>
-            <a:pPr indent="0" lvl="0" marL="0" rtl="0" algn="l">
-              <a:spcBef>
-                <a:spcPts val="0"/>
-              </a:spcBef>
-              <a:spcAft>
-                <a:spcPts val="0"/>
-              </a:spcAft>
-              <a:buNone/>
-            </a:pPr>
-            <a:r>
-              <a:rPr lang="ru"/>
-              <a:t>Ремонт во время путешествия на яхте</a:t>
-            </a:r>
-            <a:endParaRPr/>
-          </a:p>
-        </p:txBody>
-      </p:sp>
-      <p:sp>
-        <p:nvSpPr>
-          <p:cNvPr id="74" name="Google Shape;74;p16"/>
-          <p:cNvSpPr txBox="1"/>
-          <p:nvPr>
-            <p:ph idx="1" type="body"/>
-          </p:nvPr>
-        </p:nvSpPr>
-        <p:spPr>
-          <a:xfrm>
-            <a:off x="311700" y="1152475"/>
-            <a:ext cx="8520600" cy="3416400"/>
-          </a:xfrm>
-          <a:prstGeom prst="rect">
-            <a:avLst/>
-          </a:prstGeom>
-        </p:spPr>
-        <p:txBody>
-          <a:bodyPr anchorCtr="0" anchor="t" bIns="91425" lIns="91425" spcFirstLastPara="1" rIns="91425" wrap="square" tIns="91425">
-            <a:noAutofit/>
-          </a:bodyPr>
-          <a:lstStyle/>
-          <a:p>
-            <a:pPr indent="0" lvl="0" marL="0" rtl="0" algn="l">
-              <a:spcBef>
-                <a:spcPts val="0"/>
-              </a:spcBef>
-              <a:spcAft>
-                <a:spcPts val="0"/>
-              </a:spcAft>
-              <a:buNone/>
-            </a:pPr>
-            <a:r>
-              <a:rPr lang="ru" sz="2100"/>
-              <a:t>Р</a:t>
-            </a:r>
-            <a:r>
-              <a:rPr lang="ru" sz="2100"/>
-              <a:t>емонт может потребоваться во время рейса. Например, у яхты может отказать двигатель, когда она будет находиться далеко от доков Сан-Хуана. В этом случае клиенты вызывают по радио диспетчера фирмы, который направляет персонал на аварийной яхте.</a:t>
-            </a:r>
-            <a:endParaRPr sz="2100"/>
-          </a:p>
-          <a:p>
-            <a:pPr indent="0" lvl="0" marL="0" rtl="0" algn="l">
-              <a:spcBef>
-                <a:spcPts val="1600"/>
-              </a:spcBef>
-              <a:spcAft>
-                <a:spcPts val="1600"/>
-              </a:spcAft>
-              <a:buNone/>
-            </a:pPr>
-            <a:r>
-              <a:t/>
-            </a:r>
-            <a:endParaRPr/>
-          </a:p>
-        </p:txBody>
-      </p:sp>
-    </p:spTree>
-  </p:cSld>
-  <p:clrMapOvr>
-    <a:masterClrMapping/>
-  </p:clrMapOvr>
-</p:sld>
-</file>
-
-<file path=ppt/slides/slide5.xml><?xml version="1.0" encoding="utf-8"?>
-<p:sld xmlns:a="http://schemas.openxmlformats.org/drawingml/2006/main" xmlns:r="http://schemas.openxmlformats.org/officeDocument/2006/relationships" xmlns:mc="http://schemas.openxmlformats.org/markup-compatibility/2006" xmlns:mv="urn:schemas-microsoft-com:mac:vml" xmlns:p="http://schemas.openxmlformats.org/presentationml/2006/main" xmlns:c="http://schemas.openxmlformats.org/drawingml/2006/chart" xmlns:dgm="http://schemas.openxmlformats.org/drawingml/2006/diagram" xmlns:o="urn:schemas-microsoft-com:office:office" xmlns:v="urn:schemas-microsoft-com:vml" xmlns:pvml="urn:schemas-microsoft-com:office:powerpoint" xmlns:com="http://schemas.openxmlformats.org/drawingml/2006/compatibility" xmlns:p14="http://schemas.microsoft.com/office/powerpoint/2010/main" xmlns:p15="http://schemas.microsoft.com/office/powerpoint/2012/main" xmlns:ahyp="http://schemas.microsoft.com/office/drawing/2018/hyperlinkcolor">
-  <p:cSld>
-    <p:spTree>
-      <p:nvGrpSpPr>
-        <p:cNvPr id="78" name="Shape 78"/>
-        <p:cNvGrpSpPr/>
-        <p:nvPr/>
-      </p:nvGrpSpPr>
-      <p:grpSpPr>
-        <a:xfrm>
-          <a:off x="0" y="0"/>
-          <a:ext cx="0" cy="0"/>
-          <a:chOff x="0" y="0"/>
-          <a:chExt cx="0" cy="0"/>
-        </a:xfrm>
-      </p:grpSpPr>
-      <p:sp>
-        <p:nvSpPr>
-          <p:cNvPr id="79" name="Google Shape;79;p17"/>
-          <p:cNvSpPr txBox="1"/>
-          <p:nvPr>
-            <p:ph type="title"/>
-          </p:nvPr>
-        </p:nvSpPr>
-        <p:spPr>
-          <a:xfrm>
-            <a:off x="311700" y="445025"/>
-            <a:ext cx="8520600" cy="572700"/>
-          </a:xfrm>
-          <a:prstGeom prst="rect">
-            <a:avLst/>
-          </a:prstGeom>
-        </p:spPr>
-        <p:txBody>
-          <a:bodyPr anchorCtr="0" anchor="t" bIns="91425" lIns="91425" spcFirstLastPara="1" rIns="91425" wrap="square" tIns="91425">
-            <a:noAutofit/>
-          </a:bodyPr>
-          <a:lstStyle/>
-          <a:p>
-            <a:pPr indent="0" lvl="0" marL="0" rtl="0" algn="l">
+            <a:pPr marL="0" lvl="0" indent="0" algn="l" rtl="0">
               <a:spcBef>
                 <a:spcPts val="0"/>
               </a:spcBef>
@@ -6783,11 +6609,11 @@
 </file>
 
 <file path=ppt/slides/slide6.xml><?xml version="1.0" encoding="utf-8"?>
-<p:sld xmlns:a="http://schemas.openxmlformats.org/drawingml/2006/main" xmlns:r="http://schemas.openxmlformats.org/officeDocument/2006/relationships" xmlns:mc="http://schemas.openxmlformats.org/markup-compatibility/2006" xmlns:mv="urn:schemas-microsoft-com:mac:vml" xmlns:p="http://schemas.openxmlformats.org/presentationml/2006/main" xmlns:c="http://schemas.openxmlformats.org/drawingml/2006/chart" xmlns:dgm="http://schemas.openxmlformats.org/drawingml/2006/diagram" xmlns:o="urn:schemas-microsoft-com:office:office" xmlns:v="urn:schemas-microsoft-com:vml" xmlns:pvml="urn:schemas-microsoft-com:office:powerpoint" xmlns:com="http://schemas.openxmlformats.org/drawingml/2006/compatibility" xmlns:p14="http://schemas.microsoft.com/office/powerpoint/2010/main" xmlns:p15="http://schemas.microsoft.com/office/powerpoint/2012/main" xmlns:ahyp="http://schemas.microsoft.com/office/drawing/2018/hyperlinkcolor">
+<p:sld xmlns:a="http://schemas.openxmlformats.org/drawingml/2006/main" xmlns:r="http://schemas.openxmlformats.org/officeDocument/2006/relationships" xmlns:p="http://schemas.openxmlformats.org/presentationml/2006/main">
   <p:cSld>
     <p:spTree>
       <p:nvGrpSpPr>
-        <p:cNvPr id="84" name="Shape 84"/>
+        <p:cNvPr id="1" name="Shape 84"/>
         <p:cNvGrpSpPr/>
         <p:nvPr/>
       </p:nvGrpSpPr>
@@ -6836,7 +6662,288 @@
 </file>
 
 <file path=ppt/theme/theme1.xml><?xml version="1.0" encoding="utf-8"?>
-<a:theme xmlns:a="http://schemas.openxmlformats.org/drawingml/2006/main" xmlns:r="http://schemas.openxmlformats.org/officeDocument/2006/relationships">
+<a:theme xmlns:a="http://schemas.openxmlformats.org/drawingml/2006/main" name="Simple Dark">
+  <a:themeElements>
+    <a:clrScheme name="Simple Dark">
+      <a:dk1>
+        <a:srgbClr val="FFFFFF"/>
+      </a:dk1>
+      <a:lt1>
+        <a:srgbClr val="212121"/>
+      </a:lt1>
+      <a:dk2>
+        <a:srgbClr val="303030"/>
+      </a:dk2>
+      <a:lt2>
+        <a:srgbClr val="ADADAD"/>
+      </a:lt2>
+      <a:accent1>
+        <a:srgbClr val="009688"/>
+      </a:accent1>
+      <a:accent2>
+        <a:srgbClr val="EEEEEE"/>
+      </a:accent2>
+      <a:accent3>
+        <a:srgbClr val="78909C"/>
+      </a:accent3>
+      <a:accent4>
+        <a:srgbClr val="FFAB40"/>
+      </a:accent4>
+      <a:accent5>
+        <a:srgbClr val="4DD0E1"/>
+      </a:accent5>
+      <a:accent6>
+        <a:srgbClr val="EEFF41"/>
+      </a:accent6>
+      <a:hlink>
+        <a:srgbClr val="4DD0E1"/>
+      </a:hlink>
+      <a:folHlink>
+        <a:srgbClr val="4DD0E1"/>
+      </a:folHlink>
+    </a:clrScheme>
+    <a:fontScheme name="Office">
+      <a:majorFont>
+        <a:latin typeface="Arial"/>
+        <a:ea typeface=""/>
+        <a:cs typeface=""/>
+        <a:font script="Jpan" typeface="ＭＳ Ｐゴシック"/>
+        <a:font script="Hang" typeface="맑은 고딕"/>
+        <a:font script="Hans" typeface="宋体"/>
+        <a:font script="Hant" typeface="新細明體"/>
+        <a:font script="Arab" typeface="Times New Roman"/>
+        <a:font script="Hebr" typeface="Times New Roman"/>
+        <a:font script="Thai" typeface="Angsana New"/>
+        <a:font script="Ethi" typeface="Nyala"/>
+        <a:font script="Beng" typeface="Vrinda"/>
+        <a:font script="Gujr" typeface="Shruti"/>
+        <a:font script="Khmr" typeface="MoolBoran"/>
+        <a:font script="Knda" typeface="Tunga"/>
+        <a:font script="Guru" typeface="Raavi"/>
+        <a:font script="Cans" typeface="Euphemia"/>
+        <a:font script="Cher" typeface="Plantagenet Cherokee"/>
+        <a:font script="Yiii" typeface="Microsoft Yi Baiti"/>
+        <a:font script="Tibt" typeface="Microsoft Himalaya"/>
+        <a:font script="Thaa" typeface="MV Boli"/>
+        <a:font script="Deva" typeface="Mangal"/>
+        <a:font script="Telu" typeface="Gautami"/>
+        <a:font script="Taml" typeface="Latha"/>
+        <a:font script="Syrc" typeface="Estrangelo Edessa"/>
+        <a:font script="Orya" typeface="Kalinga"/>
+        <a:font script="Mlym" typeface="Kartika"/>
+        <a:font script="Laoo" typeface="DokChampa"/>
+        <a:font script="Sinh" typeface="Iskoola Pota"/>
+        <a:font script="Mong" typeface="Mongolian Baiti"/>
+        <a:font script="Viet" typeface="Times New Roman"/>
+        <a:font script="Uigh" typeface="Microsoft Uighur"/>
+        <a:font script="Geor" typeface="Sylfaen"/>
+      </a:majorFont>
+      <a:minorFont>
+        <a:latin typeface="Arial"/>
+        <a:ea typeface=""/>
+        <a:cs typeface=""/>
+        <a:font script="Jpan" typeface="ＭＳ Ｐゴシック"/>
+        <a:font script="Hang" typeface="맑은 고딕"/>
+        <a:font script="Hans" typeface="宋体"/>
+        <a:font script="Hant" typeface="新細明體"/>
+        <a:font script="Arab" typeface="Arial"/>
+        <a:font script="Hebr" typeface="Arial"/>
+        <a:font script="Thai" typeface="Cordia New"/>
+        <a:font script="Ethi" typeface="Nyala"/>
+        <a:font script="Beng" typeface="Vrinda"/>
+        <a:font script="Gujr" typeface="Shruti"/>
+        <a:font script="Khmr" typeface="DaunPenh"/>
+        <a:font script="Knda" typeface="Tunga"/>
+        <a:font script="Guru" typeface="Raavi"/>
+        <a:font script="Cans" typeface="Euphemia"/>
+        <a:font script="Cher" typeface="Plantagenet Cherokee"/>
+        <a:font script="Yiii" typeface="Microsoft Yi Baiti"/>
+        <a:font script="Tibt" typeface="Microsoft Himalaya"/>
+        <a:font script="Thaa" typeface="MV Boli"/>
+        <a:font script="Deva" typeface="Mangal"/>
+        <a:font script="Telu" typeface="Gautami"/>
+        <a:font script="Taml" typeface="Latha"/>
+        <a:font script="Syrc" typeface="Estrangelo Edessa"/>
+        <a:font script="Orya" typeface="Kalinga"/>
+        <a:font script="Mlym" typeface="Kartika"/>
+        <a:font script="Laoo" typeface="DokChampa"/>
+        <a:font script="Sinh" typeface="Iskoola Pota"/>
+        <a:font script="Mong" typeface="Mongolian Baiti"/>
+        <a:font script="Viet" typeface="Arial"/>
+        <a:font script="Uigh" typeface="Microsoft Uighur"/>
+        <a:font script="Geor" typeface="Sylfaen"/>
+      </a:minorFont>
+    </a:fontScheme>
+    <a:fmtScheme name="Office">
+      <a:fillStyleLst>
+        <a:solidFill>
+          <a:schemeClr val="phClr"/>
+        </a:solidFill>
+        <a:gradFill rotWithShape="1">
+          <a:gsLst>
+            <a:gs pos="0">
+              <a:schemeClr val="phClr">
+                <a:tint val="50000"/>
+                <a:satMod val="300000"/>
+              </a:schemeClr>
+            </a:gs>
+            <a:gs pos="35000">
+              <a:schemeClr val="phClr">
+                <a:tint val="37000"/>
+                <a:satMod val="300000"/>
+              </a:schemeClr>
+            </a:gs>
+            <a:gs pos="100000">
+              <a:schemeClr val="phClr">
+                <a:tint val="15000"/>
+                <a:satMod val="350000"/>
+              </a:schemeClr>
+            </a:gs>
+          </a:gsLst>
+          <a:lin ang="16200000" scaled="1"/>
+        </a:gradFill>
+        <a:gradFill rotWithShape="1">
+          <a:gsLst>
+            <a:gs pos="0">
+              <a:schemeClr val="phClr">
+                <a:tint val="100000"/>
+                <a:shade val="100000"/>
+                <a:satMod val="130000"/>
+              </a:schemeClr>
+            </a:gs>
+            <a:gs pos="100000">
+              <a:schemeClr val="phClr">
+                <a:tint val="50000"/>
+                <a:shade val="100000"/>
+                <a:satMod val="350000"/>
+              </a:schemeClr>
+            </a:gs>
+          </a:gsLst>
+          <a:lin ang="16200000" scaled="0"/>
+        </a:gradFill>
+      </a:fillStyleLst>
+      <a:lnStyleLst>
+        <a:ln w="9525" cap="flat" cmpd="sng" algn="ctr">
+          <a:solidFill>
+            <a:schemeClr val="phClr">
+              <a:shade val="95000"/>
+              <a:satMod val="105000"/>
+            </a:schemeClr>
+          </a:solidFill>
+          <a:prstDash val="solid"/>
+        </a:ln>
+        <a:ln w="25400" cap="flat" cmpd="sng" algn="ctr">
+          <a:solidFill>
+            <a:schemeClr val="phClr"/>
+          </a:solidFill>
+          <a:prstDash val="solid"/>
+        </a:ln>
+        <a:ln w="38100" cap="flat" cmpd="sng" algn="ctr">
+          <a:solidFill>
+            <a:schemeClr val="phClr"/>
+          </a:solidFill>
+          <a:prstDash val="solid"/>
+        </a:ln>
+      </a:lnStyleLst>
+      <a:effectStyleLst>
+        <a:effectStyle>
+          <a:effectLst>
+            <a:outerShdw blurRad="40000" dist="20000" dir="5400000" rotWithShape="0">
+              <a:srgbClr val="000000">
+                <a:alpha val="38000"/>
+              </a:srgbClr>
+            </a:outerShdw>
+          </a:effectLst>
+        </a:effectStyle>
+        <a:effectStyle>
+          <a:effectLst>
+            <a:outerShdw blurRad="40000" dist="23000" dir="5400000" rotWithShape="0">
+              <a:srgbClr val="000000">
+                <a:alpha val="35000"/>
+              </a:srgbClr>
+            </a:outerShdw>
+          </a:effectLst>
+        </a:effectStyle>
+        <a:effectStyle>
+          <a:effectLst>
+            <a:outerShdw blurRad="40000" dist="23000" dir="5400000" rotWithShape="0">
+              <a:srgbClr val="000000">
+                <a:alpha val="35000"/>
+              </a:srgbClr>
+            </a:outerShdw>
+          </a:effectLst>
+          <a:scene3d>
+            <a:camera prst="orthographicFront">
+              <a:rot lat="0" lon="0" rev="0"/>
+            </a:camera>
+            <a:lightRig rig="threePt" dir="t">
+              <a:rot lat="0" lon="0" rev="1200000"/>
+            </a:lightRig>
+          </a:scene3d>
+          <a:sp3d>
+            <a:bevelT w="63500" h="25400"/>
+          </a:sp3d>
+        </a:effectStyle>
+      </a:effectStyleLst>
+      <a:bgFillStyleLst>
+        <a:solidFill>
+          <a:schemeClr val="phClr"/>
+        </a:solidFill>
+        <a:gradFill rotWithShape="1">
+          <a:gsLst>
+            <a:gs pos="0">
+              <a:schemeClr val="phClr">
+                <a:tint val="40000"/>
+                <a:satMod val="350000"/>
+              </a:schemeClr>
+            </a:gs>
+            <a:gs pos="40000">
+              <a:schemeClr val="phClr">
+                <a:tint val="45000"/>
+                <a:shade val="99000"/>
+                <a:satMod val="350000"/>
+              </a:schemeClr>
+            </a:gs>
+            <a:gs pos="100000">
+              <a:schemeClr val="phClr">
+                <a:shade val="20000"/>
+                <a:satMod val="255000"/>
+              </a:schemeClr>
+            </a:gs>
+          </a:gsLst>
+          <a:path path="circle">
+            <a:fillToRect l="50000" t="-80000" r="50000" b="180000"/>
+          </a:path>
+        </a:gradFill>
+        <a:gradFill rotWithShape="1">
+          <a:gsLst>
+            <a:gs pos="0">
+              <a:schemeClr val="phClr">
+                <a:tint val="80000"/>
+                <a:satMod val="300000"/>
+              </a:schemeClr>
+            </a:gs>
+            <a:gs pos="100000">
+              <a:schemeClr val="phClr">
+                <a:shade val="30000"/>
+                <a:satMod val="200000"/>
+              </a:schemeClr>
+            </a:gs>
+          </a:gsLst>
+          <a:path path="circle">
+            <a:fillToRect l="50000" t="50000" r="50000" b="50000"/>
+          </a:path>
+        </a:gradFill>
+      </a:bgFillStyleLst>
+    </a:fmtScheme>
+  </a:themeElements>
+  <a:objectDefaults/>
+  <a:extraClrSchemeLst/>
+</a:theme>
+</file>
+
+<file path=ppt/theme/theme2.xml><?xml version="1.0" encoding="utf-8"?>
+<a:theme xmlns:a="http://schemas.openxmlformats.org/drawingml/2006/main">
   <a:themeElements>
     <a:clrScheme name="Default">
       <a:dk1>
@@ -7111,284 +7218,7 @@
       </a:bgFillStyleLst>
     </a:fmtScheme>
   </a:themeElements>
-</a:theme>
-</file>
-
-<file path=ppt/theme/theme2.xml><?xml version="1.0" encoding="utf-8"?>
-<a:theme xmlns:a="http://schemas.openxmlformats.org/drawingml/2006/main" xmlns:r="http://schemas.openxmlformats.org/officeDocument/2006/relationships" name="Simple Dark">
-  <a:themeElements>
-    <a:clrScheme name="Simple Dark">
-      <a:dk1>
-        <a:srgbClr val="FFFFFF"/>
-      </a:dk1>
-      <a:lt1>
-        <a:srgbClr val="212121"/>
-      </a:lt1>
-      <a:dk2>
-        <a:srgbClr val="303030"/>
-      </a:dk2>
-      <a:lt2>
-        <a:srgbClr val="ADADAD"/>
-      </a:lt2>
-      <a:accent1>
-        <a:srgbClr val="009688"/>
-      </a:accent1>
-      <a:accent2>
-        <a:srgbClr val="EEEEEE"/>
-      </a:accent2>
-      <a:accent3>
-        <a:srgbClr val="78909C"/>
-      </a:accent3>
-      <a:accent4>
-        <a:srgbClr val="FFAB40"/>
-      </a:accent4>
-      <a:accent5>
-        <a:srgbClr val="4DD0E1"/>
-      </a:accent5>
-      <a:accent6>
-        <a:srgbClr val="EEFF41"/>
-      </a:accent6>
-      <a:hlink>
-        <a:srgbClr val="4DD0E1"/>
-      </a:hlink>
-      <a:folHlink>
-        <a:srgbClr val="4DD0E1"/>
-      </a:folHlink>
-    </a:clrScheme>
-    <a:fontScheme name="Office">
-      <a:majorFont>
-        <a:latin typeface="Arial"/>
-        <a:ea typeface=""/>
-        <a:cs typeface=""/>
-        <a:font script="Jpan" typeface="ＭＳ Ｐゴシック"/>
-        <a:font script="Hang" typeface="맑은 고딕"/>
-        <a:font script="Hans" typeface="宋体"/>
-        <a:font script="Hant" typeface="新細明體"/>
-        <a:font script="Arab" typeface="Times New Roman"/>
-        <a:font script="Hebr" typeface="Times New Roman"/>
-        <a:font script="Thai" typeface="Angsana New"/>
-        <a:font script="Ethi" typeface="Nyala"/>
-        <a:font script="Beng" typeface="Vrinda"/>
-        <a:font script="Gujr" typeface="Shruti"/>
-        <a:font script="Khmr" typeface="MoolBoran"/>
-        <a:font script="Knda" typeface="Tunga"/>
-        <a:font script="Guru" typeface="Raavi"/>
-        <a:font script="Cans" typeface="Euphemia"/>
-        <a:font script="Cher" typeface="Plantagenet Cherokee"/>
-        <a:font script="Yiii" typeface="Microsoft Yi Baiti"/>
-        <a:font script="Tibt" typeface="Microsoft Himalaya"/>
-        <a:font script="Thaa" typeface="MV Boli"/>
-        <a:font script="Deva" typeface="Mangal"/>
-        <a:font script="Telu" typeface="Gautami"/>
-        <a:font script="Taml" typeface="Latha"/>
-        <a:font script="Syrc" typeface="Estrangelo Edessa"/>
-        <a:font script="Orya" typeface="Kalinga"/>
-        <a:font script="Mlym" typeface="Kartika"/>
-        <a:font script="Laoo" typeface="DokChampa"/>
-        <a:font script="Sinh" typeface="Iskoola Pota"/>
-        <a:font script="Mong" typeface="Mongolian Baiti"/>
-        <a:font script="Viet" typeface="Times New Roman"/>
-        <a:font script="Uigh" typeface="Microsoft Uighur"/>
-        <a:font script="Geor" typeface="Sylfaen"/>
-      </a:majorFont>
-      <a:minorFont>
-        <a:latin typeface="Arial"/>
-        <a:ea typeface=""/>
-        <a:cs typeface=""/>
-        <a:font script="Jpan" typeface="ＭＳ Ｐゴシック"/>
-        <a:font script="Hang" typeface="맑은 고딕"/>
-        <a:font script="Hans" typeface="宋体"/>
-        <a:font script="Hant" typeface="新細明體"/>
-        <a:font script="Arab" typeface="Arial"/>
-        <a:font script="Hebr" typeface="Arial"/>
-        <a:font script="Thai" typeface="Cordia New"/>
-        <a:font script="Ethi" typeface="Nyala"/>
-        <a:font script="Beng" typeface="Vrinda"/>
-        <a:font script="Gujr" typeface="Shruti"/>
-        <a:font script="Khmr" typeface="DaunPenh"/>
-        <a:font script="Knda" typeface="Tunga"/>
-        <a:font script="Guru" typeface="Raavi"/>
-        <a:font script="Cans" typeface="Euphemia"/>
-        <a:font script="Cher" typeface="Plantagenet Cherokee"/>
-        <a:font script="Yiii" typeface="Microsoft Yi Baiti"/>
-        <a:font script="Tibt" typeface="Microsoft Himalaya"/>
-        <a:font script="Thaa" typeface="MV Boli"/>
-        <a:font script="Deva" typeface="Mangal"/>
-        <a:font script="Telu" typeface="Gautami"/>
-        <a:font script="Taml" typeface="Latha"/>
-        <a:font script="Syrc" typeface="Estrangelo Edessa"/>
-        <a:font script="Orya" typeface="Kalinga"/>
-        <a:font script="Mlym" typeface="Kartika"/>
-        <a:font script="Laoo" typeface="DokChampa"/>
-        <a:font script="Sinh" typeface="Iskoola Pota"/>
-        <a:font script="Mong" typeface="Mongolian Baiti"/>
-        <a:font script="Viet" typeface="Arial"/>
-        <a:font script="Uigh" typeface="Microsoft Uighur"/>
-        <a:font script="Geor" typeface="Sylfaen"/>
-      </a:minorFont>
-    </a:fontScheme>
-    <a:fmtScheme name="Office">
-      <a:fillStyleLst>
-        <a:solidFill>
-          <a:schemeClr val="phClr"/>
-        </a:solidFill>
-        <a:gradFill rotWithShape="1">
-          <a:gsLst>
-            <a:gs pos="0">
-              <a:schemeClr val="phClr">
-                <a:tint val="50000"/>
-                <a:satMod val="300000"/>
-              </a:schemeClr>
-            </a:gs>
-            <a:gs pos="35000">
-              <a:schemeClr val="phClr">
-                <a:tint val="37000"/>
-                <a:satMod val="300000"/>
-              </a:schemeClr>
-            </a:gs>
-            <a:gs pos="100000">
-              <a:schemeClr val="phClr">
-                <a:tint val="15000"/>
-                <a:satMod val="350000"/>
-              </a:schemeClr>
-            </a:gs>
-          </a:gsLst>
-          <a:lin ang="16200000" scaled="1"/>
-        </a:gradFill>
-        <a:gradFill rotWithShape="1">
-          <a:gsLst>
-            <a:gs pos="0">
-              <a:schemeClr val="phClr">
-                <a:tint val="100000"/>
-                <a:shade val="100000"/>
-                <a:satMod val="130000"/>
-              </a:schemeClr>
-            </a:gs>
-            <a:gs pos="100000">
-              <a:schemeClr val="phClr">
-                <a:tint val="50000"/>
-                <a:shade val="100000"/>
-                <a:satMod val="350000"/>
-              </a:schemeClr>
-            </a:gs>
-          </a:gsLst>
-          <a:lin ang="16200000" scaled="0"/>
-        </a:gradFill>
-      </a:fillStyleLst>
-      <a:lnStyleLst>
-        <a:ln w="9525" cap="flat" cmpd="sng" algn="ctr">
-          <a:solidFill>
-            <a:schemeClr val="phClr">
-              <a:shade val="95000"/>
-              <a:satMod val="105000"/>
-            </a:schemeClr>
-          </a:solidFill>
-          <a:prstDash val="solid"/>
-        </a:ln>
-        <a:ln w="25400" cap="flat" cmpd="sng" algn="ctr">
-          <a:solidFill>
-            <a:schemeClr val="phClr"/>
-          </a:solidFill>
-          <a:prstDash val="solid"/>
-        </a:ln>
-        <a:ln w="38100" cap="flat" cmpd="sng" algn="ctr">
-          <a:solidFill>
-            <a:schemeClr val="phClr"/>
-          </a:solidFill>
-          <a:prstDash val="solid"/>
-        </a:ln>
-      </a:lnStyleLst>
-      <a:effectStyleLst>
-        <a:effectStyle>
-          <a:effectLst>
-            <a:outerShdw blurRad="40000" dist="20000" dir="5400000" rotWithShape="0">
-              <a:srgbClr val="000000">
-                <a:alpha val="38000"/>
-              </a:srgbClr>
-            </a:outerShdw>
-          </a:effectLst>
-        </a:effectStyle>
-        <a:effectStyle>
-          <a:effectLst>
-            <a:outerShdw blurRad="40000" dist="23000" dir="5400000" rotWithShape="0">
-              <a:srgbClr val="000000">
-                <a:alpha val="35000"/>
-              </a:srgbClr>
-            </a:outerShdw>
-          </a:effectLst>
-        </a:effectStyle>
-        <a:effectStyle>
-          <a:effectLst>
-            <a:outerShdw blurRad="40000" dist="23000" dir="5400000" rotWithShape="0">
-              <a:srgbClr val="000000">
-                <a:alpha val="35000"/>
-              </a:srgbClr>
-            </a:outerShdw>
-          </a:effectLst>
-          <a:scene3d>
-            <a:camera prst="orthographicFront">
-              <a:rot lat="0" lon="0" rev="0"/>
-            </a:camera>
-            <a:lightRig rig="threePt" dir="t">
-              <a:rot lat="0" lon="0" rev="1200000"/>
-            </a:lightRig>
-          </a:scene3d>
-          <a:sp3d>
-            <a:bevelT w="63500" h="25400"/>
-          </a:sp3d>
-        </a:effectStyle>
-      </a:effectStyleLst>
-      <a:bgFillStyleLst>
-        <a:solidFill>
-          <a:schemeClr val="phClr"/>
-        </a:solidFill>
-        <a:gradFill rotWithShape="1">
-          <a:gsLst>
-            <a:gs pos="0">
-              <a:schemeClr val="phClr">
-                <a:tint val="40000"/>
-                <a:satMod val="350000"/>
-              </a:schemeClr>
-            </a:gs>
-            <a:gs pos="40000">
-              <a:schemeClr val="phClr">
-                <a:tint val="45000"/>
-                <a:shade val="99000"/>
-                <a:satMod val="350000"/>
-              </a:schemeClr>
-            </a:gs>
-            <a:gs pos="100000">
-              <a:schemeClr val="phClr">
-                <a:shade val="20000"/>
-                <a:satMod val="255000"/>
-              </a:schemeClr>
-            </a:gs>
-          </a:gsLst>
-          <a:path path="circle">
-            <a:fillToRect l="50000" t="-80000" r="50000" b="180000"/>
-          </a:path>
-        </a:gradFill>
-        <a:gradFill rotWithShape="1">
-          <a:gsLst>
-            <a:gs pos="0">
-              <a:schemeClr val="phClr">
-                <a:tint val="80000"/>
-                <a:satMod val="300000"/>
-              </a:schemeClr>
-            </a:gs>
-            <a:gs pos="100000">
-              <a:schemeClr val="phClr">
-                <a:shade val="30000"/>
-                <a:satMod val="200000"/>
-              </a:schemeClr>
-            </a:gs>
-          </a:gsLst>
-          <a:path path="circle">
-            <a:fillToRect l="50000" t="50000" r="50000" b="50000"/>
-          </a:path>
-        </a:gradFill>
-      </a:bgFillStyleLst>
-    </a:fmtScheme>
-  </a:themeElements>
+  <a:objectDefaults/>
+  <a:extraClrSchemeLst/>
 </a:theme>
 </file>
--- a/students/y2334/Turkina Anna/Бюро проката яхт.pptx
+++ b/students/y2334/Turkina Anna/Бюро проката яхт.pptx
@@ -5,15 +5,18 @@
     <p:sldMasterId id="2147483659" r:id="rId1"/>
   </p:sldMasterIdLst>
   <p:notesMasterIdLst>
-    <p:notesMasterId r:id="rId8"/>
+    <p:notesMasterId r:id="rId11"/>
   </p:notesMasterIdLst>
   <p:sldIdLst>
     <p:sldId id="256" r:id="rId2"/>
     <p:sldId id="257" r:id="rId3"/>
     <p:sldId id="262" r:id="rId4"/>
-    <p:sldId id="263" r:id="rId5"/>
-    <p:sldId id="260" r:id="rId6"/>
-    <p:sldId id="261" r:id="rId7"/>
+    <p:sldId id="264" r:id="rId5"/>
+    <p:sldId id="265" r:id="rId6"/>
+    <p:sldId id="263" r:id="rId7"/>
+    <p:sldId id="260" r:id="rId8"/>
+    <p:sldId id="261" r:id="rId9"/>
+    <p:sldId id="266" r:id="rId10"/>
   </p:sldIdLst>
   <p:sldSz cx="9144000" cy="5143500" type="screen16x9"/>
   <p:notesSz cx="6858000" cy="9144000"/>
@@ -1047,7 +1050,7 @@
         </p:nvSpPr>
         <p:spPr>
           <a:xfrm>
-            <a:off x="381300" y="685800"/>
+            <a:off x="381000" y="685800"/>
             <a:ext cx="6096000" cy="3429000"/>
           </a:xfrm>
           <a:custGeom>
@@ -6385,29 +6388,38 @@
           <a:p>
             <a:r>
               <a:rPr lang="ru-RU" dirty="0"/>
-              <a:t>Заказ</a:t>
+              <a:t>Оплата</a:t>
             </a:r>
           </a:p>
           <a:p>
             <a:r>
               <a:rPr lang="ru-RU" dirty="0"/>
-              <a:t>Оплата</a:t>
+              <a:t>Выбор яхты</a:t>
             </a:r>
           </a:p>
           <a:p>
             <a:r>
               <a:rPr lang="ru-RU" dirty="0"/>
-              <a:t>Радио связь</a:t>
+              <a:t>Взятие яхты в аренду</a:t>
             </a:r>
           </a:p>
           <a:p>
             <a:r>
               <a:rPr lang="ru-RU" dirty="0"/>
-              <a:t>Фирма</a:t>
+              <a:t>Связь в случае аварии</a:t>
             </a:r>
           </a:p>
           <a:p>
-            <a:endParaRPr lang="ru-RU" dirty="0"/>
+            <a:r>
+              <a:rPr lang="ru-RU" dirty="0"/>
+              <a:t>Траектория Путешествие клиента</a:t>
+            </a:r>
+          </a:p>
+          <a:p>
+            <a:r>
+              <a:rPr lang="ru-RU" dirty="0"/>
+              <a:t>Предоставление инвентаря</a:t>
+            </a:r>
           </a:p>
         </p:txBody>
       </p:sp>
@@ -6446,6 +6458,244 @@
           <p:cNvPr id="2" name="Заголовок 1">
             <a:extLst>
               <a:ext uri="{FF2B5EF4-FFF2-40B4-BE49-F238E27FC236}">
+                <a16:creationId xmlns:a16="http://schemas.microsoft.com/office/drawing/2014/main" id="{59385E67-6F20-490B-8B4A-2BA82E4A5F65}"/>
+              </a:ext>
+            </a:extLst>
+          </p:cNvPr>
+          <p:cNvSpPr>
+            <a:spLocks noGrp="1"/>
+          </p:cNvSpPr>
+          <p:nvPr>
+            <p:ph type="title"/>
+          </p:nvPr>
+        </p:nvSpPr>
+        <p:spPr/>
+        <p:txBody>
+          <a:bodyPr/>
+          <a:lstStyle/>
+          <a:p>
+            <a:r>
+              <a:rPr lang="ru-RU" dirty="0"/>
+              <a:t>Внешние сущности</a:t>
+            </a:r>
+          </a:p>
+        </p:txBody>
+      </p:sp>
+      <p:sp>
+        <p:nvSpPr>
+          <p:cNvPr id="3" name="Текст 2">
+            <a:extLst>
+              <a:ext uri="{FF2B5EF4-FFF2-40B4-BE49-F238E27FC236}">
+                <a16:creationId xmlns:a16="http://schemas.microsoft.com/office/drawing/2014/main" id="{AEF12693-96E6-49A5-BE47-CCEE655CE56D}"/>
+              </a:ext>
+            </a:extLst>
+          </p:cNvPr>
+          <p:cNvSpPr>
+            <a:spLocks noGrp="1"/>
+          </p:cNvSpPr>
+          <p:nvPr>
+            <p:ph type="body" idx="1"/>
+          </p:nvPr>
+        </p:nvSpPr>
+        <p:spPr/>
+        <p:txBody>
+          <a:bodyPr/>
+          <a:lstStyle/>
+          <a:p>
+            <a:r>
+              <a:rPr lang="ru-RU" dirty="0"/>
+              <a:t>Клиент</a:t>
+            </a:r>
+          </a:p>
+          <a:p>
+            <a:r>
+              <a:rPr lang="ru-RU" dirty="0"/>
+              <a:t>Банк</a:t>
+            </a:r>
+          </a:p>
+          <a:p>
+            <a:r>
+              <a:rPr lang="ru-RU" dirty="0"/>
+              <a:t>Владельцы</a:t>
+            </a:r>
+          </a:p>
+          <a:p>
+            <a:r>
+              <a:rPr lang="ru-RU" dirty="0"/>
+              <a:t>Диспетчер</a:t>
+            </a:r>
+          </a:p>
+          <a:p>
+            <a:r>
+              <a:rPr lang="ru-RU" dirty="0"/>
+              <a:t>Персонал</a:t>
+            </a:r>
+          </a:p>
+          <a:p>
+            <a:r>
+              <a:rPr lang="ru-RU" dirty="0"/>
+              <a:t>Склад</a:t>
+            </a:r>
+          </a:p>
+          <a:p>
+            <a:endParaRPr lang="ru-RU" dirty="0"/>
+          </a:p>
+          <a:p>
+            <a:endParaRPr lang="ru-RU" dirty="0"/>
+          </a:p>
+          <a:p>
+            <a:endParaRPr lang="ru-RU" dirty="0"/>
+          </a:p>
+        </p:txBody>
+      </p:sp>
+    </p:spTree>
+    <p:extLst>
+      <p:ext uri="{BB962C8B-B14F-4D97-AF65-F5344CB8AC3E}">
+        <p14:creationId xmlns:p14="http://schemas.microsoft.com/office/powerpoint/2010/main" val="494543572"/>
+      </p:ext>
+    </p:extLst>
+  </p:cSld>
+  <p:clrMapOvr>
+    <a:masterClrMapping/>
+  </p:clrMapOvr>
+</p:sld>
+</file>
+
+<file path=ppt/slides/slide5.xml><?xml version="1.0" encoding="utf-8"?>
+<p:sld xmlns:a="http://schemas.openxmlformats.org/drawingml/2006/main" xmlns:r="http://schemas.openxmlformats.org/officeDocument/2006/relationships" xmlns:p="http://schemas.openxmlformats.org/presentationml/2006/main">
+  <p:cSld>
+    <p:spTree>
+      <p:nvGrpSpPr>
+        <p:cNvPr id="1" name=""/>
+        <p:cNvGrpSpPr/>
+        <p:nvPr/>
+      </p:nvGrpSpPr>
+      <p:grpSpPr>
+        <a:xfrm>
+          <a:off x="0" y="0"/>
+          <a:ext cx="0" cy="0"/>
+          <a:chOff x="0" y="0"/>
+          <a:chExt cx="0" cy="0"/>
+        </a:xfrm>
+      </p:grpSpPr>
+      <p:sp>
+        <p:nvSpPr>
+          <p:cNvPr id="2" name="Заголовок 1">
+            <a:extLst>
+              <a:ext uri="{FF2B5EF4-FFF2-40B4-BE49-F238E27FC236}">
+                <a16:creationId xmlns:a16="http://schemas.microsoft.com/office/drawing/2014/main" id="{4D9365E4-30E7-413E-8564-A7B8CB3CFC0C}"/>
+              </a:ext>
+            </a:extLst>
+          </p:cNvPr>
+          <p:cNvSpPr>
+            <a:spLocks noGrp="1"/>
+          </p:cNvSpPr>
+          <p:nvPr>
+            <p:ph type="title"/>
+          </p:nvPr>
+        </p:nvSpPr>
+        <p:spPr/>
+        <p:txBody>
+          <a:bodyPr/>
+          <a:lstStyle/>
+          <a:p>
+            <a:r>
+              <a:rPr lang="ru-RU" dirty="0"/>
+              <a:t>Хранилища данных</a:t>
+            </a:r>
+          </a:p>
+        </p:txBody>
+      </p:sp>
+      <p:sp>
+        <p:nvSpPr>
+          <p:cNvPr id="3" name="Текст 2">
+            <a:extLst>
+              <a:ext uri="{FF2B5EF4-FFF2-40B4-BE49-F238E27FC236}">
+                <a16:creationId xmlns:a16="http://schemas.microsoft.com/office/drawing/2014/main" id="{D7C0F86D-941B-46D4-9FE0-835C71537F5F}"/>
+              </a:ext>
+            </a:extLst>
+          </p:cNvPr>
+          <p:cNvSpPr>
+            <a:spLocks noGrp="1"/>
+          </p:cNvSpPr>
+          <p:nvPr>
+            <p:ph type="body" idx="1"/>
+          </p:nvPr>
+        </p:nvSpPr>
+        <p:spPr/>
+        <p:txBody>
+          <a:bodyPr/>
+          <a:lstStyle/>
+          <a:p>
+            <a:r>
+              <a:rPr lang="ru-RU" dirty="0"/>
+              <a:t>Яхты</a:t>
+            </a:r>
+          </a:p>
+          <a:p>
+            <a:r>
+              <a:rPr lang="ru-RU" dirty="0"/>
+              <a:t>Инвентарь от владельцев</a:t>
+            </a:r>
+          </a:p>
+          <a:p>
+            <a:r>
+              <a:rPr lang="ru-RU" dirty="0"/>
+              <a:t>Инвентарь от фирмы</a:t>
+            </a:r>
+          </a:p>
+          <a:p>
+            <a:r>
+              <a:rPr lang="ru-RU" dirty="0"/>
+              <a:t>Заказы</a:t>
+            </a:r>
+          </a:p>
+          <a:p>
+            <a:r>
+              <a:rPr lang="ru-RU" dirty="0"/>
+              <a:t>Каталог</a:t>
+            </a:r>
+          </a:p>
+          <a:p>
+            <a:endParaRPr lang="ru-RU" dirty="0"/>
+          </a:p>
+        </p:txBody>
+      </p:sp>
+    </p:spTree>
+    <p:extLst>
+      <p:ext uri="{BB962C8B-B14F-4D97-AF65-F5344CB8AC3E}">
+        <p14:creationId xmlns:p14="http://schemas.microsoft.com/office/powerpoint/2010/main" val="3591221360"/>
+      </p:ext>
+    </p:extLst>
+  </p:cSld>
+  <p:clrMapOvr>
+    <a:masterClrMapping/>
+  </p:clrMapOvr>
+</p:sld>
+</file>
+
+<file path=ppt/slides/slide6.xml><?xml version="1.0" encoding="utf-8"?>
+<p:sld xmlns:a="http://schemas.openxmlformats.org/drawingml/2006/main" xmlns:r="http://schemas.openxmlformats.org/officeDocument/2006/relationships" xmlns:p="http://schemas.openxmlformats.org/presentationml/2006/main">
+  <p:cSld>
+    <p:spTree>
+      <p:nvGrpSpPr>
+        <p:cNvPr id="1" name=""/>
+        <p:cNvGrpSpPr/>
+        <p:nvPr/>
+      </p:nvGrpSpPr>
+      <p:grpSpPr>
+        <a:xfrm>
+          <a:off x="0" y="0"/>
+          <a:ext cx="0" cy="0"/>
+          <a:chOff x="0" y="0"/>
+          <a:chExt cx="0" cy="0"/>
+        </a:xfrm>
+      </p:grpSpPr>
+      <p:sp>
+        <p:nvSpPr>
+          <p:cNvPr id="2" name="Заголовок 1">
+            <a:extLst>
+              <a:ext uri="{FF2B5EF4-FFF2-40B4-BE49-F238E27FC236}">
                 <a16:creationId xmlns:a16="http://schemas.microsoft.com/office/drawing/2014/main" id="{61CB9443-C5D4-4628-AA25-28F089FDF046}"/>
               </a:ext>
             </a:extLst>
@@ -6489,14 +6739,35 @@
           <a:p>
             <a:r>
               <a:rPr lang="ru-RU" dirty="0"/>
-              <a:t>На диаграмме представлено взаимодействие клиента с фирмой через сайт, а также взаимодействие самой фирмы с другими процессами и сущностями (фирма взаимодействует с фортом (непосредственно, через аренду яхт), с владельцами яхт и др.)</a:t>
+              <a:t>На диаграмме представлено взаимодействие клиента с фирмой для аренды яхты.</a:t>
             </a:r>
           </a:p>
           <a:p>
             <a:r>
               <a:rPr lang="ru-RU" dirty="0"/>
-              <a:t>В моей схеме подразумевается что сотрудники, отвечающие за заказы находятся в фирме, поэтому все взаимодействие идет именно через фирму. </a:t>
+              <a:t>Клиент выбирает яхту, доп. Услуги и формирует данные своего заказа</a:t>
             </a:r>
+          </a:p>
+          <a:p>
+            <a:r>
+              <a:rPr lang="ru-RU" dirty="0"/>
+              <a:t>Выбор яхт представлен в каталоге</a:t>
+            </a:r>
+          </a:p>
+          <a:p>
+            <a:r>
+              <a:rPr lang="ru-RU" dirty="0"/>
+              <a:t>После обработки заказа клиент получает счет на оплату, непосредственно, после оплаты можно отправляться в путешествие</a:t>
+            </a:r>
+          </a:p>
+          <a:p>
+            <a:endParaRPr lang="ru-RU" dirty="0"/>
+          </a:p>
+          <a:p>
+            <a:endParaRPr lang="ru-RU" dirty="0"/>
+          </a:p>
+          <a:p>
+            <a:endParaRPr lang="ru-RU" dirty="0"/>
           </a:p>
         </p:txBody>
       </p:sp>
@@ -6513,7 +6784,7 @@
 </p:sld>
 </file>
 
-<file path=ppt/slides/slide5.xml><?xml version="1.0" encoding="utf-8"?>
+<file path=ppt/slides/slide7.xml><?xml version="1.0" encoding="utf-8"?>
 <p:sld xmlns:a="http://schemas.openxmlformats.org/drawingml/2006/main" xmlns:r="http://schemas.openxmlformats.org/officeDocument/2006/relationships" xmlns:p="http://schemas.openxmlformats.org/presentationml/2006/main">
   <p:cSld>
     <p:spTree>
@@ -6608,7 +6879,7 @@
 </p:sld>
 </file>
 
-<file path=ppt/slides/slide6.xml><?xml version="1.0" encoding="utf-8"?>
+<file path=ppt/slides/slide8.xml><?xml version="1.0" encoding="utf-8"?>
 <p:sld xmlns:a="http://schemas.openxmlformats.org/drawingml/2006/main" xmlns:r="http://schemas.openxmlformats.org/officeDocument/2006/relationships" xmlns:p="http://schemas.openxmlformats.org/presentationml/2006/main">
   <p:cSld>
     <p:spTree>
@@ -6627,33 +6898,95 @@
       </p:grpSpPr>
       <p:pic>
         <p:nvPicPr>
-          <p:cNvPr id="85" name="Google Shape;85;p18"/>
-          <p:cNvPicPr preferRelativeResize="0"/>
+          <p:cNvPr id="3" name="Рисунок 2">
+            <a:extLst>
+              <a:ext uri="{FF2B5EF4-FFF2-40B4-BE49-F238E27FC236}">
+                <a16:creationId xmlns:a16="http://schemas.microsoft.com/office/drawing/2014/main" id="{248EEEA7-A077-491C-BB1C-C51EF92F8C4B}"/>
+              </a:ext>
+            </a:extLst>
+          </p:cNvPr>
+          <p:cNvPicPr>
+            <a:picLocks noChangeAspect="1"/>
+          </p:cNvPicPr>
           <p:nvPr/>
         </p:nvPicPr>
         <p:blipFill>
-          <a:blip r:embed="rId3">
-            <a:alphaModFix/>
-          </a:blip>
+          <a:blip r:embed="rId3"/>
           <a:stretch>
             <a:fillRect/>
           </a:stretch>
         </p:blipFill>
         <p:spPr>
           <a:xfrm>
-            <a:off x="903975" y="124287"/>
-            <a:ext cx="7065376" cy="4894924"/>
+            <a:off x="919162" y="109537"/>
+            <a:ext cx="7305675" cy="4924425"/>
           </a:xfrm>
           <a:prstGeom prst="rect">
             <a:avLst/>
           </a:prstGeom>
-          <a:noFill/>
-          <a:ln>
-            <a:noFill/>
-          </a:ln>
         </p:spPr>
       </p:pic>
     </p:spTree>
+  </p:cSld>
+  <p:clrMapOvr>
+    <a:masterClrMapping/>
+  </p:clrMapOvr>
+</p:sld>
+</file>
+
+<file path=ppt/slides/slide9.xml><?xml version="1.0" encoding="utf-8"?>
+<p:sld xmlns:a="http://schemas.openxmlformats.org/drawingml/2006/main" xmlns:r="http://schemas.openxmlformats.org/officeDocument/2006/relationships" xmlns:p="http://schemas.openxmlformats.org/presentationml/2006/main">
+  <p:cSld>
+    <p:spTree>
+      <p:nvGrpSpPr>
+        <p:cNvPr id="1" name=""/>
+        <p:cNvGrpSpPr/>
+        <p:nvPr/>
+      </p:nvGrpSpPr>
+      <p:grpSpPr>
+        <a:xfrm>
+          <a:off x="0" y="0"/>
+          <a:ext cx="0" cy="0"/>
+          <a:chOff x="0" y="0"/>
+          <a:chExt cx="0" cy="0"/>
+        </a:xfrm>
+      </p:grpSpPr>
+      <p:pic>
+        <p:nvPicPr>
+          <p:cNvPr id="4" name="Рисунок 3">
+            <a:extLst>
+              <a:ext uri="{FF2B5EF4-FFF2-40B4-BE49-F238E27FC236}">
+                <a16:creationId xmlns:a16="http://schemas.microsoft.com/office/drawing/2014/main" id="{0D77B311-8766-4D2B-88D9-73387C7FD749}"/>
+              </a:ext>
+            </a:extLst>
+          </p:cNvPr>
+          <p:cNvPicPr>
+            <a:picLocks noChangeAspect="1"/>
+          </p:cNvPicPr>
+          <p:nvPr/>
+        </p:nvPicPr>
+        <p:blipFill>
+          <a:blip r:embed="rId2"/>
+          <a:stretch>
+            <a:fillRect/>
+          </a:stretch>
+        </p:blipFill>
+        <p:spPr>
+          <a:xfrm>
+            <a:off x="900112" y="66675"/>
+            <a:ext cx="7343775" cy="5010150"/>
+          </a:xfrm>
+          <a:prstGeom prst="rect">
+            <a:avLst/>
+          </a:prstGeom>
+        </p:spPr>
+      </p:pic>
+    </p:spTree>
+    <p:extLst>
+      <p:ext uri="{BB962C8B-B14F-4D97-AF65-F5344CB8AC3E}">
+        <p14:creationId xmlns:p14="http://schemas.microsoft.com/office/powerpoint/2010/main" val="3739744318"/>
+      </p:ext>
+    </p:extLst>
   </p:cSld>
   <p:clrMapOvr>
     <a:masterClrMapping/>
